--- a/作業5-體育用品店訂單和庫存管理系統.pptx
+++ b/作業5-體育用品店訂單和庫存管理系統.pptx
@@ -5,10 +5,10 @@
     <p:sldMasterId id="2147483648" r:id="rId1"/>
   </p:sldMasterIdLst>
   <p:notesMasterIdLst>
-    <p:notesMasterId r:id="rId18"/>
+    <p:notesMasterId r:id="rId43"/>
   </p:notesMasterIdLst>
   <p:handoutMasterIdLst>
-    <p:handoutMasterId r:id="rId19"/>
+    <p:handoutMasterId r:id="rId44"/>
   </p:handoutMasterIdLst>
   <p:sldIdLst>
     <p:sldId id="261" r:id="rId2"/>
@@ -16,17 +16,42 @@
     <p:sldId id="272" r:id="rId4"/>
     <p:sldId id="275" r:id="rId5"/>
     <p:sldId id="273" r:id="rId6"/>
-    <p:sldId id="276" r:id="rId7"/>
-    <p:sldId id="274" r:id="rId8"/>
-    <p:sldId id="277" r:id="rId9"/>
-    <p:sldId id="281" r:id="rId10"/>
-    <p:sldId id="282" r:id="rId11"/>
-    <p:sldId id="284" r:id="rId12"/>
-    <p:sldId id="285" r:id="rId13"/>
-    <p:sldId id="286" r:id="rId14"/>
-    <p:sldId id="283" r:id="rId15"/>
-    <p:sldId id="287" r:id="rId16"/>
-    <p:sldId id="279" r:id="rId17"/>
+    <p:sldId id="305" r:id="rId7"/>
+    <p:sldId id="306" r:id="rId8"/>
+    <p:sldId id="307" r:id="rId9"/>
+    <p:sldId id="308" r:id="rId10"/>
+    <p:sldId id="310" r:id="rId11"/>
+    <p:sldId id="311" r:id="rId12"/>
+    <p:sldId id="312" r:id="rId13"/>
+    <p:sldId id="314" r:id="rId14"/>
+    <p:sldId id="315" r:id="rId15"/>
+    <p:sldId id="313" r:id="rId16"/>
+    <p:sldId id="309" r:id="rId17"/>
+    <p:sldId id="277" r:id="rId18"/>
+    <p:sldId id="274" r:id="rId19"/>
+    <p:sldId id="282" r:id="rId20"/>
+    <p:sldId id="284" r:id="rId21"/>
+    <p:sldId id="290" r:id="rId22"/>
+    <p:sldId id="291" r:id="rId23"/>
+    <p:sldId id="289" r:id="rId24"/>
+    <p:sldId id="292" r:id="rId25"/>
+    <p:sldId id="294" r:id="rId26"/>
+    <p:sldId id="295" r:id="rId27"/>
+    <p:sldId id="296" r:id="rId28"/>
+    <p:sldId id="285" r:id="rId29"/>
+    <p:sldId id="297" r:id="rId30"/>
+    <p:sldId id="298" r:id="rId31"/>
+    <p:sldId id="286" r:id="rId32"/>
+    <p:sldId id="299" r:id="rId33"/>
+    <p:sldId id="283" r:id="rId34"/>
+    <p:sldId id="300" r:id="rId35"/>
+    <p:sldId id="288" r:id="rId36"/>
+    <p:sldId id="302" r:id="rId37"/>
+    <p:sldId id="303" r:id="rId38"/>
+    <p:sldId id="301" r:id="rId39"/>
+    <p:sldId id="287" r:id="rId40"/>
+    <p:sldId id="304" r:id="rId41"/>
+    <p:sldId id="279" r:id="rId42"/>
   </p:sldIdLst>
   <p:sldSz cx="12192000" cy="6858000"/>
   <p:notesSz cx="6858000" cy="9144000"/>
@@ -237,7 +262,7 @@
                 <a:latin typeface="Microsoft JhengHei UI" panose="020B0604030504040204" pitchFamily="34" charset="-120"/>
                 <a:ea typeface="Microsoft JhengHei UI" panose="020B0604030504040204" pitchFamily="34" charset="-120"/>
               </a:rPr>
-              <a:t>2025年2月19日</a:t>
+              <a:t>2025年2月20日</a:t>
             </a:fld>
             <a:endParaRPr lang="zh-TW" altLang="en-US" dirty="0">
               <a:latin typeface="Microsoft JhengHei UI" panose="020B0604030504040204" pitchFamily="34" charset="-120"/>
@@ -423,7 +448,7 @@
             <a:fld id="{A08FAD1D-910E-4884-9F17-0200497759DD}" type="datetime2">
               <a:rPr lang="zh-TW" altLang="en-US" smtClean="0"/>
               <a:pPr/>
-              <a:t>2025年2月19日</a:t>
+              <a:t>2025年2月20日</a:t>
             </a:fld>
             <a:endParaRPr lang="zh-TW" altLang="en-US" dirty="0"/>
           </a:p>
@@ -935,7 +960,7 @@
             <a:fld id="{82869989-EB00-4EE7-BCB5-25BDC5BB29F8}" type="slidenum">
               <a:rPr lang="en-US" altLang="zh-TW" noProof="0" smtClean="0"/>
               <a:pPr/>
-              <a:t>8</a:t>
+              <a:t>17</a:t>
             </a:fld>
             <a:endParaRPr lang="zh-TW" altLang="en-US" noProof="0" dirty="0"/>
           </a:p>
@@ -1020,7 +1045,7 @@
             <a:fld id="{82869989-EB00-4EE7-BCB5-25BDC5BB29F8}" type="slidenum">
               <a:rPr lang="en-US" altLang="zh-TW" noProof="0" smtClean="0"/>
               <a:pPr/>
-              <a:t>16</a:t>
+              <a:t>41</a:t>
             </a:fld>
             <a:endParaRPr lang="zh-TW" altLang="en-US" noProof="0" dirty="0"/>
           </a:p>
@@ -3193,7 +3218,7 @@
             <a:fld id="{99F78392-5C5C-45F6-8F89-DC4807D81C95}" type="datetime2">
               <a:rPr lang="zh-TW" altLang="en-US" smtClean="0"/>
               <a:pPr/>
-              <a:t>2025年2月19日</a:t>
+              <a:t>2025年2月20日</a:t>
             </a:fld>
             <a:endParaRPr lang="zh-TW" altLang="en-US" dirty="0"/>
           </a:p>
@@ -3397,7 +3422,7 @@
             <a:fld id="{66A02441-A415-40E6-B767-261B5D217FD4}" type="datetime2">
               <a:rPr lang="zh-TW" altLang="en-US" smtClean="0"/>
               <a:pPr/>
-              <a:t>2025年2月19日</a:t>
+              <a:t>2025年2月20日</a:t>
             </a:fld>
             <a:endParaRPr lang="zh-TW" altLang="en-US" dirty="0"/>
           </a:p>
@@ -3591,7 +3616,7 @@
             <a:fld id="{54FDC526-5D1A-47D8-B5CB-FD3BF5D2FD0F}" type="datetime2">
               <a:rPr lang="zh-TW" altLang="en-US" smtClean="0"/>
               <a:pPr/>
-              <a:t>2025年2月19日</a:t>
+              <a:t>2025年2月20日</a:t>
             </a:fld>
             <a:endParaRPr lang="zh-TW" altLang="en-US" dirty="0"/>
           </a:p>
@@ -5944,7 +5969,7 @@
             <a:fld id="{2419926E-5C3F-4205-B23D-D4C1E7A6E097}" type="datetime2">
               <a:rPr lang="zh-TW" altLang="en-US" smtClean="0"/>
               <a:pPr/>
-              <a:t>2025年2月19日</a:t>
+              <a:t>2025年2月20日</a:t>
             </a:fld>
             <a:endParaRPr lang="zh-TW" altLang="en-US" dirty="0"/>
           </a:p>
@@ -6408,7 +6433,7 @@
             <a:fld id="{CD44B4C3-BFEF-4472-B595-652481CA0278}" type="datetime2">
               <a:rPr lang="zh-TW" altLang="en-US" smtClean="0"/>
               <a:pPr/>
-              <a:t>2025年2月19日</a:t>
+              <a:t>2025年2月20日</a:t>
             </a:fld>
             <a:endParaRPr lang="zh-TW" altLang="en-US" dirty="0"/>
           </a:p>
@@ -6550,7 +6575,7 @@
             <a:fld id="{C57014D5-A26D-4BC6-B967-5C8DC462FB42}" type="datetime2">
               <a:rPr lang="zh-TW" altLang="en-US" smtClean="0"/>
               <a:pPr/>
-              <a:t>2025年2月19日</a:t>
+              <a:t>2025年2月20日</a:t>
             </a:fld>
             <a:endParaRPr lang="zh-TW" altLang="en-US" dirty="0"/>
           </a:p>
@@ -8491,7 +8516,7 @@
             <a:fld id="{8C289A11-8BF8-45F7-B92C-261B55DE08FE}" type="datetime2">
               <a:rPr lang="zh-TW" altLang="en-US" smtClean="0"/>
               <a:pPr/>
-              <a:t>2025年2月19日</a:t>
+              <a:t>2025年2月20日</a:t>
             </a:fld>
             <a:endParaRPr lang="zh-TW" altLang="en-US" dirty="0"/>
           </a:p>
@@ -10757,7 +10782,7 @@
             <a:fld id="{D6DAC134-9EF5-4B7F-A61E-56D77C662044}" type="datetime2">
               <a:rPr lang="zh-TW" altLang="en-US" smtClean="0"/>
               <a:pPr/>
-              <a:t>2025年2月19日</a:t>
+              <a:t>2025年2月20日</a:t>
             </a:fld>
             <a:endParaRPr lang="zh-TW" altLang="en-US" dirty="0"/>
           </a:p>
@@ -15066,7 +15091,7 @@
             <a:fld id="{CECDDC83-CBC4-433C-A680-A4A18AB55000}" type="datetime2">
               <a:rPr lang="zh-TW" altLang="en-US" smtClean="0"/>
               <a:pPr/>
-              <a:t>2025年2月19日</a:t>
+              <a:t>2025年2月20日</a:t>
             </a:fld>
             <a:endParaRPr lang="zh-TW" altLang="en-US" dirty="0"/>
           </a:p>
@@ -15575,7 +15600,7 @@
             </a:r>
             <a:r>
               <a:rPr lang="en-US" altLang="zh-TW" dirty="0" smtClean="0"/>
-              <a:t>5-20250219</a:t>
+              <a:t>5-202502</a:t>
             </a:r>
             <a:endParaRPr lang="zh-TW" altLang="en-US" dirty="0"/>
           </a:p>
@@ -15603,6 +15628,13 @@
       </p:transition>
     </mc:Fallback>
   </mc:AlternateContent>
+  <p:timing>
+    <p:tnLst>
+      <p:par>
+        <p:cTn id="1" dur="indefinite" restart="never" nodeType="tmRoot"/>
+      </p:par>
+    </p:tnLst>
+  </p:timing>
 </p:sld>
 </file>
 
@@ -15640,40 +15672,163 @@
           <a:p>
             <a:r>
               <a:rPr lang="zh-TW" altLang="en-US" dirty="0" smtClean="0"/>
-              <a:t>首頁</a:t>
+              <a:t>程式目錄結構</a:t>
             </a:r>
             <a:endParaRPr lang="zh-TW" altLang="en-US" dirty="0"/>
           </a:p>
         </p:txBody>
       </p:sp>
-      <p:pic>
-        <p:nvPicPr>
-          <p:cNvPr id="3" name="圖片 2"/>
-          <p:cNvPicPr>
-            <a:picLocks noChangeAspect="1"/>
-          </p:cNvPicPr>
-          <p:nvPr/>
-        </p:nvPicPr>
-        <p:blipFill>
-          <a:blip r:embed="rId2"/>
-          <a:stretch>
-            <a:fillRect/>
-          </a:stretch>
-        </p:blipFill>
-        <p:spPr>
-          <a:xfrm>
-            <a:off x="2543175" y="1259822"/>
-            <a:ext cx="7796212" cy="4759977"/>
-          </a:xfrm>
-          <a:prstGeom prst="rect">
-            <a:avLst/>
-          </a:prstGeom>
-        </p:spPr>
-      </p:pic>
+      <p:sp>
+        <p:nvSpPr>
+          <p:cNvPr id="4" name="內容版面配置區 3"/>
+          <p:cNvSpPr>
+            <a:spLocks noGrp="1"/>
+          </p:cNvSpPr>
+          <p:nvPr>
+            <p:ph idx="1"/>
+          </p:nvPr>
+        </p:nvSpPr>
+        <p:spPr/>
+        <p:txBody>
+          <a:bodyPr>
+            <a:normAutofit fontScale="70000" lnSpcReduction="20000"/>
+          </a:bodyPr>
+          <a:lstStyle/>
+          <a:p>
+            <a:r>
+              <a:rPr lang="zh-TW" altLang="en-US" dirty="0"/>
+              <a:t>📁 </a:t>
+            </a:r>
+            <a:r>
+              <a:rPr lang="en-US" altLang="zh-TW" dirty="0"/>
+              <a:t>product</a:t>
+            </a:r>
+            <a:r>
+              <a:rPr lang="zh-TW" altLang="en-US" dirty="0"/>
+              <a:t>（產品管理）</a:t>
+            </a:r>
+          </a:p>
+          <a:p>
+            <a:r>
+              <a:rPr lang="en-US" altLang="zh-TW" dirty="0"/>
+              <a:t>ProductManagerUI.java → </a:t>
+            </a:r>
+            <a:r>
+              <a:rPr lang="zh-TW" altLang="en-US" dirty="0"/>
+              <a:t>產品管理介面</a:t>
+            </a:r>
+          </a:p>
+          <a:p>
+            <a:endParaRPr lang="zh-TW" altLang="en-US" dirty="0"/>
+          </a:p>
+          <a:p>
+            <a:r>
+              <a:rPr lang="zh-TW" altLang="en-US" dirty="0"/>
+              <a:t>📂 </a:t>
+            </a:r>
+            <a:r>
+              <a:rPr lang="en-US" altLang="zh-TW" dirty="0" err="1"/>
+              <a:t>dao</a:t>
+            </a:r>
+            <a:r>
+              <a:rPr lang="zh-TW" altLang="en-US" dirty="0"/>
+              <a:t>（資料存取層 </a:t>
+            </a:r>
+            <a:r>
+              <a:rPr lang="en-US" altLang="zh-TW" dirty="0"/>
+              <a:t>- </a:t>
+            </a:r>
+            <a:r>
+              <a:rPr lang="zh-TW" altLang="en-US" dirty="0"/>
+              <a:t>直接與 </a:t>
+            </a:r>
+            <a:r>
+              <a:rPr lang="en-US" altLang="zh-TW" dirty="0"/>
+              <a:t>MySQL </a:t>
+            </a:r>
+            <a:r>
+              <a:rPr lang="zh-TW" altLang="en-US" dirty="0"/>
+              <a:t>互動）</a:t>
+            </a:r>
+          </a:p>
+          <a:p>
+            <a:r>
+              <a:rPr lang="zh-TW" altLang="en-US" dirty="0"/>
+              <a:t>負責對 </a:t>
+            </a:r>
+            <a:r>
+              <a:rPr lang="en-US" altLang="zh-TW" dirty="0"/>
+              <a:t>MySQL </a:t>
+            </a:r>
+            <a:r>
+              <a:rPr lang="zh-TW" altLang="en-US" dirty="0"/>
+              <a:t>進行 </a:t>
+            </a:r>
+            <a:r>
+              <a:rPr lang="en-US" altLang="zh-TW" dirty="0"/>
+              <a:t>CRUD</a:t>
+            </a:r>
+            <a:r>
+              <a:rPr lang="zh-TW" altLang="en-US" dirty="0"/>
+              <a:t>（新增、查詢、更新、刪除） 操作。</a:t>
+            </a:r>
+          </a:p>
+          <a:p>
+            <a:r>
+              <a:rPr lang="en-US" altLang="zh-TW" dirty="0"/>
+              <a:t>EmployDao.java → </a:t>
+            </a:r>
+            <a:r>
+              <a:rPr lang="zh-TW" altLang="en-US" dirty="0"/>
+              <a:t>員工資料存取介面</a:t>
+            </a:r>
+          </a:p>
+          <a:p>
+            <a:r>
+              <a:rPr lang="en-US" altLang="zh-TW" dirty="0"/>
+              <a:t>MemberDao.java → </a:t>
+            </a:r>
+            <a:r>
+              <a:rPr lang="zh-TW" altLang="en-US" dirty="0"/>
+              <a:t>會員資料存取介面</a:t>
+            </a:r>
+          </a:p>
+          <a:p>
+            <a:r>
+              <a:rPr lang="en-US" altLang="zh-TW" dirty="0"/>
+              <a:t>PorderDao.java → </a:t>
+            </a:r>
+            <a:r>
+              <a:rPr lang="zh-TW" altLang="en-US" dirty="0"/>
+              <a:t>訂單資料存取介面</a:t>
+            </a:r>
+          </a:p>
+          <a:p>
+            <a:r>
+              <a:rPr lang="en-US" altLang="zh-TW" dirty="0"/>
+              <a:t>PorderSummaryDao.java → </a:t>
+            </a:r>
+            <a:r>
+              <a:rPr lang="zh-TW" altLang="en-US" dirty="0"/>
+              <a:t>訂單摘要查詢</a:t>
+            </a:r>
+          </a:p>
+          <a:p>
+            <a:r>
+              <a:rPr lang="en-US" altLang="zh-TW" dirty="0"/>
+              <a:t>ProductDao.java → </a:t>
+            </a:r>
+            <a:r>
+              <a:rPr lang="zh-TW" altLang="en-US" dirty="0"/>
+              <a:t>產品資料存取介面</a:t>
+            </a:r>
+          </a:p>
+        </p:txBody>
+      </p:sp>
     </p:spTree>
     <p:extLst>
       <p:ext uri="{BB962C8B-B14F-4D97-AF65-F5344CB8AC3E}">
-        <p14:creationId xmlns:p14="http://schemas.microsoft.com/office/powerpoint/2010/main" val="4015596952"/>
+        <p14:creationId xmlns:p14="http://schemas.microsoft.com/office/powerpoint/2010/main" val="186345508"/>
       </p:ext>
     </p:extLst>
   </p:cSld>
@@ -15692,6 +15847,13 @@
       </p:transition>
     </mc:Fallback>
   </mc:AlternateContent>
+  <p:timing>
+    <p:tnLst>
+      <p:par>
+        <p:cTn id="1" dur="indefinite" restart="never" nodeType="tmRoot"/>
+      </p:par>
+    </p:tnLst>
+  </p:timing>
 </p:sld>
 </file>
 
@@ -15729,40 +15891,149 @@
           <a:p>
             <a:r>
               <a:rPr lang="zh-TW" altLang="en-US" dirty="0" smtClean="0"/>
-              <a:t>員工</a:t>
+              <a:t>程式目錄結構</a:t>
             </a:r>
             <a:endParaRPr lang="zh-TW" altLang="en-US" dirty="0"/>
           </a:p>
         </p:txBody>
       </p:sp>
-      <p:pic>
-        <p:nvPicPr>
-          <p:cNvPr id="3" name="圖片 2"/>
-          <p:cNvPicPr>
-            <a:picLocks noChangeAspect="1"/>
-          </p:cNvPicPr>
-          <p:nvPr/>
-        </p:nvPicPr>
-        <p:blipFill>
-          <a:blip r:embed="rId2"/>
-          <a:stretch>
-            <a:fillRect/>
-          </a:stretch>
-        </p:blipFill>
-        <p:spPr>
-          <a:xfrm>
-            <a:off x="3586162" y="700087"/>
-            <a:ext cx="6981825" cy="5324475"/>
-          </a:xfrm>
-          <a:prstGeom prst="rect">
-            <a:avLst/>
-          </a:prstGeom>
-        </p:spPr>
-      </p:pic>
+      <p:sp>
+        <p:nvSpPr>
+          <p:cNvPr id="4" name="內容版面配置區 3"/>
+          <p:cNvSpPr>
+            <a:spLocks noGrp="1"/>
+          </p:cNvSpPr>
+          <p:nvPr>
+            <p:ph idx="1"/>
+          </p:nvPr>
+        </p:nvSpPr>
+        <p:spPr/>
+        <p:txBody>
+          <a:bodyPr>
+            <a:normAutofit/>
+          </a:bodyPr>
+          <a:lstStyle/>
+          <a:p>
+            <a:r>
+              <a:rPr lang="zh-TW" altLang="en-US" sz="1600" dirty="0"/>
+              <a:t>📁 </a:t>
+            </a:r>
+            <a:r>
+              <a:rPr lang="en-US" altLang="zh-TW" sz="1600" dirty="0" err="1"/>
+              <a:t>impl</a:t>
+            </a:r>
+            <a:r>
+              <a:rPr lang="zh-TW" altLang="en-US" sz="1600" dirty="0"/>
+              <a:t>（</a:t>
+            </a:r>
+            <a:r>
+              <a:rPr lang="en-US" altLang="zh-TW" sz="1600" dirty="0"/>
+              <a:t>DAO </a:t>
+            </a:r>
+            <a:r>
+              <a:rPr lang="zh-TW" altLang="en-US" sz="1600" dirty="0"/>
+              <a:t>具體實作）</a:t>
+            </a:r>
+          </a:p>
+          <a:p>
+            <a:r>
+              <a:rPr lang="en-US" altLang="zh-TW" sz="1600" dirty="0"/>
+              <a:t>EmployDaoImpl.java → </a:t>
+            </a:r>
+            <a:r>
+              <a:rPr lang="zh-TW" altLang="en-US" sz="1600" dirty="0"/>
+              <a:t>員工 </a:t>
+            </a:r>
+            <a:r>
+              <a:rPr lang="en-US" altLang="zh-TW" sz="1600" dirty="0"/>
+              <a:t>DAO </a:t>
+            </a:r>
+            <a:r>
+              <a:rPr lang="zh-TW" altLang="en-US" sz="1600" dirty="0"/>
+              <a:t>實作</a:t>
+            </a:r>
+          </a:p>
+          <a:p>
+            <a:r>
+              <a:rPr lang="en-US" altLang="zh-TW" sz="1600" dirty="0"/>
+              <a:t>MemberDaoImpl.java → </a:t>
+            </a:r>
+            <a:r>
+              <a:rPr lang="zh-TW" altLang="en-US" sz="1600" dirty="0"/>
+              <a:t>會員 </a:t>
+            </a:r>
+            <a:r>
+              <a:rPr lang="en-US" altLang="zh-TW" sz="1600" dirty="0"/>
+              <a:t>DAO </a:t>
+            </a:r>
+            <a:r>
+              <a:rPr lang="zh-TW" altLang="en-US" sz="1600" dirty="0"/>
+              <a:t>實作</a:t>
+            </a:r>
+          </a:p>
+          <a:p>
+            <a:r>
+              <a:rPr lang="en-US" altLang="zh-TW" sz="1600" dirty="0"/>
+              <a:t>PorderDaoImpl.java → </a:t>
+            </a:r>
+            <a:r>
+              <a:rPr lang="zh-TW" altLang="en-US" sz="1600" dirty="0"/>
+              <a:t>訂單 </a:t>
+            </a:r>
+            <a:r>
+              <a:rPr lang="en-US" altLang="zh-TW" sz="1600" dirty="0"/>
+              <a:t>DAO </a:t>
+            </a:r>
+            <a:r>
+              <a:rPr lang="zh-TW" altLang="en-US" sz="1600" dirty="0"/>
+              <a:t>實作</a:t>
+            </a:r>
+          </a:p>
+          <a:p>
+            <a:r>
+              <a:rPr lang="en-US" altLang="zh-TW" sz="1600" dirty="0"/>
+              <a:t>PorderSummaryDaoImpl.java → </a:t>
+            </a:r>
+            <a:r>
+              <a:rPr lang="zh-TW" altLang="en-US" sz="1600" dirty="0"/>
+              <a:t>訂單摘要 </a:t>
+            </a:r>
+            <a:r>
+              <a:rPr lang="en-US" altLang="zh-TW" sz="1600" dirty="0"/>
+              <a:t>DAO </a:t>
+            </a:r>
+            <a:r>
+              <a:rPr lang="zh-TW" altLang="en-US" sz="1600" dirty="0"/>
+              <a:t>實作</a:t>
+            </a:r>
+          </a:p>
+          <a:p>
+            <a:r>
+              <a:rPr lang="en-US" altLang="zh-TW" sz="1600" dirty="0"/>
+              <a:t>ProductDaoImpl.java → </a:t>
+            </a:r>
+            <a:r>
+              <a:rPr lang="zh-TW" altLang="en-US" sz="1600" dirty="0"/>
+              <a:t>產品 </a:t>
+            </a:r>
+            <a:r>
+              <a:rPr lang="en-US" altLang="zh-TW" sz="1600" dirty="0"/>
+              <a:t>DAO </a:t>
+            </a:r>
+            <a:r>
+              <a:rPr lang="zh-TW" altLang="en-US" sz="1600" dirty="0"/>
+              <a:t>實作</a:t>
+            </a:r>
+          </a:p>
+          <a:p>
+            <a:endParaRPr lang="zh-TW" altLang="en-US" sz="1600" dirty="0"/>
+          </a:p>
+        </p:txBody>
+      </p:sp>
     </p:spTree>
     <p:extLst>
       <p:ext uri="{BB962C8B-B14F-4D97-AF65-F5344CB8AC3E}">
-        <p14:creationId xmlns:p14="http://schemas.microsoft.com/office/powerpoint/2010/main" val="3328747926"/>
+        <p14:creationId xmlns:p14="http://schemas.microsoft.com/office/powerpoint/2010/main" val="1282992575"/>
       </p:ext>
     </p:extLst>
   </p:cSld>
@@ -15781,6 +16052,13 @@
       </p:transition>
     </mc:Fallback>
   </mc:AlternateContent>
+  <p:timing>
+    <p:tnLst>
+      <p:par>
+        <p:cTn id="1" dur="indefinite" restart="never" nodeType="tmRoot"/>
+      </p:par>
+    </p:tnLst>
+  </p:timing>
 </p:sld>
 </file>
 
@@ -15818,40 +16096,164 @@
           <a:p>
             <a:r>
               <a:rPr lang="zh-TW" altLang="en-US" dirty="0" smtClean="0"/>
-              <a:t>員工</a:t>
+              <a:t>程式目錄結構</a:t>
             </a:r>
             <a:endParaRPr lang="zh-TW" altLang="en-US" dirty="0"/>
           </a:p>
         </p:txBody>
       </p:sp>
-      <p:pic>
-        <p:nvPicPr>
-          <p:cNvPr id="3" name="圖片 2"/>
-          <p:cNvPicPr>
-            <a:picLocks noChangeAspect="1"/>
-          </p:cNvPicPr>
-          <p:nvPr/>
-        </p:nvPicPr>
-        <p:blipFill>
-          <a:blip r:embed="rId2"/>
-          <a:stretch>
-            <a:fillRect/>
-          </a:stretch>
-        </p:blipFill>
-        <p:spPr>
-          <a:xfrm>
-            <a:off x="3605212" y="642937"/>
-            <a:ext cx="6981825" cy="5324475"/>
-          </a:xfrm>
-          <a:prstGeom prst="rect">
-            <a:avLst/>
-          </a:prstGeom>
-        </p:spPr>
-      </p:pic>
+      <p:sp>
+        <p:nvSpPr>
+          <p:cNvPr id="4" name="內容版面配置區 3"/>
+          <p:cNvSpPr>
+            <a:spLocks noGrp="1"/>
+          </p:cNvSpPr>
+          <p:nvPr>
+            <p:ph idx="1"/>
+          </p:nvPr>
+        </p:nvSpPr>
+        <p:spPr/>
+        <p:txBody>
+          <a:bodyPr>
+            <a:normAutofit/>
+          </a:bodyPr>
+          <a:lstStyle/>
+          <a:p>
+            <a:r>
+              <a:rPr lang="zh-TW" altLang="en-US" sz="1600" dirty="0"/>
+              <a:t>📂 </a:t>
+            </a:r>
+            <a:r>
+              <a:rPr lang="en-US" altLang="zh-TW" sz="1600" dirty="0"/>
+              <a:t>model</a:t>
+            </a:r>
+            <a:r>
+              <a:rPr lang="zh-TW" altLang="en-US" sz="1600" dirty="0"/>
+              <a:t>（數據模型 </a:t>
+            </a:r>
+            <a:r>
+              <a:rPr lang="en-US" altLang="zh-TW" sz="1600" dirty="0"/>
+              <a:t>- </a:t>
+            </a:r>
+            <a:r>
+              <a:rPr lang="zh-TW" altLang="en-US" sz="1600" dirty="0"/>
+              <a:t>定義 </a:t>
+            </a:r>
+            <a:r>
+              <a:rPr lang="en-US" altLang="zh-TW" sz="1600" dirty="0"/>
+              <a:t>POJO </a:t>
+            </a:r>
+            <a:r>
+              <a:rPr lang="zh-TW" altLang="en-US" sz="1600" dirty="0"/>
+              <a:t>類別）</a:t>
+            </a:r>
+          </a:p>
+          <a:p>
+            <a:r>
+              <a:rPr lang="zh-TW" altLang="en-US" sz="1600" dirty="0"/>
+              <a:t>對應 </a:t>
+            </a:r>
+            <a:r>
+              <a:rPr lang="en-US" altLang="zh-TW" sz="1600" dirty="0"/>
+              <a:t>MySQL </a:t>
+            </a:r>
+            <a:r>
+              <a:rPr lang="zh-TW" altLang="en-US" sz="1600" dirty="0"/>
+              <a:t>的資料表，每個類別代表一個 表的結構。</a:t>
+            </a:r>
+          </a:p>
+          <a:p>
+            <a:r>
+              <a:rPr lang="en-US" altLang="zh-TW" sz="1600" dirty="0"/>
+              <a:t>Employ.java → </a:t>
+            </a:r>
+            <a:r>
+              <a:rPr lang="zh-TW" altLang="en-US" sz="1600" dirty="0"/>
+              <a:t>員工類別（對應 </a:t>
+            </a:r>
+            <a:r>
+              <a:rPr lang="en-US" altLang="zh-TW" sz="1600" dirty="0"/>
+              <a:t>employ </a:t>
+            </a:r>
+            <a:r>
+              <a:rPr lang="zh-TW" altLang="en-US" sz="1600" dirty="0"/>
+              <a:t>資料表）</a:t>
+            </a:r>
+          </a:p>
+          <a:p>
+            <a:r>
+              <a:rPr lang="en-US" altLang="zh-TW" sz="1600" dirty="0"/>
+              <a:t>Member.java → </a:t>
+            </a:r>
+            <a:r>
+              <a:rPr lang="zh-TW" altLang="en-US" sz="1600" dirty="0"/>
+              <a:t>會員類別（對應 </a:t>
+            </a:r>
+            <a:r>
+              <a:rPr lang="en-US" altLang="zh-TW" sz="1600" dirty="0"/>
+              <a:t>member </a:t>
+            </a:r>
+            <a:r>
+              <a:rPr lang="zh-TW" altLang="en-US" sz="1600" dirty="0"/>
+              <a:t>資料表）</a:t>
+            </a:r>
+          </a:p>
+          <a:p>
+            <a:r>
+              <a:rPr lang="en-US" altLang="zh-TW" sz="1600" dirty="0"/>
+              <a:t>Porder.java → </a:t>
+            </a:r>
+            <a:r>
+              <a:rPr lang="zh-TW" altLang="en-US" sz="1600" dirty="0"/>
+              <a:t>訂單類別（對應 </a:t>
+            </a:r>
+            <a:r>
+              <a:rPr lang="en-US" altLang="zh-TW" sz="1600" dirty="0" err="1"/>
+              <a:t>porder</a:t>
+            </a:r>
+            <a:r>
+              <a:rPr lang="en-US" altLang="zh-TW" sz="1600" dirty="0"/>
+              <a:t> </a:t>
+            </a:r>
+            <a:r>
+              <a:rPr lang="zh-TW" altLang="en-US" sz="1600" dirty="0"/>
+              <a:t>資料表）</a:t>
+            </a:r>
+          </a:p>
+          <a:p>
+            <a:r>
+              <a:rPr lang="en-US" altLang="zh-TW" sz="1600" dirty="0"/>
+              <a:t>PorderSummary.java → </a:t>
+            </a:r>
+            <a:r>
+              <a:rPr lang="zh-TW" altLang="en-US" sz="1600" dirty="0"/>
+              <a:t>訂單摘要類別（用於統計）</a:t>
+            </a:r>
+          </a:p>
+          <a:p>
+            <a:r>
+              <a:rPr lang="en-US" altLang="zh-TW" sz="1600" dirty="0"/>
+              <a:t>Product.java → </a:t>
+            </a:r>
+            <a:r>
+              <a:rPr lang="zh-TW" altLang="en-US" sz="1600" dirty="0"/>
+              <a:t>產品類別（對應 </a:t>
+            </a:r>
+            <a:r>
+              <a:rPr lang="en-US" altLang="zh-TW" sz="1600" dirty="0"/>
+              <a:t>product </a:t>
+            </a:r>
+            <a:r>
+              <a:rPr lang="zh-TW" altLang="en-US" sz="1600" dirty="0"/>
+              <a:t>資料表）</a:t>
+            </a:r>
+          </a:p>
+        </p:txBody>
+      </p:sp>
     </p:spTree>
     <p:extLst>
       <p:ext uri="{BB962C8B-B14F-4D97-AF65-F5344CB8AC3E}">
-        <p14:creationId xmlns:p14="http://schemas.microsoft.com/office/powerpoint/2010/main" val="1202731060"/>
+        <p14:creationId xmlns:p14="http://schemas.microsoft.com/office/powerpoint/2010/main" val="2611435647"/>
       </p:ext>
     </p:extLst>
   </p:cSld>
@@ -15870,6 +16272,13 @@
       </p:transition>
     </mc:Fallback>
   </mc:AlternateContent>
+  <p:timing>
+    <p:tnLst>
+      <p:par>
+        <p:cTn id="1" dur="indefinite" restart="never" nodeType="tmRoot"/>
+      </p:par>
+    </p:tnLst>
+  </p:timing>
 </p:sld>
 </file>
 
@@ -15907,40 +16316,126 @@
           <a:p>
             <a:r>
               <a:rPr lang="zh-TW" altLang="en-US" dirty="0" smtClean="0"/>
-              <a:t>員工</a:t>
+              <a:t>程式目錄結構</a:t>
             </a:r>
             <a:endParaRPr lang="zh-TW" altLang="en-US" dirty="0"/>
           </a:p>
         </p:txBody>
       </p:sp>
-      <p:pic>
-        <p:nvPicPr>
-          <p:cNvPr id="3" name="圖片 2"/>
-          <p:cNvPicPr>
-            <a:picLocks noChangeAspect="1"/>
-          </p:cNvPicPr>
-          <p:nvPr/>
-        </p:nvPicPr>
-        <p:blipFill>
-          <a:blip r:embed="rId2"/>
-          <a:stretch>
-            <a:fillRect/>
-          </a:stretch>
-        </p:blipFill>
-        <p:spPr>
-          <a:xfrm>
-            <a:off x="2605087" y="766762"/>
-            <a:ext cx="6981825" cy="5324475"/>
-          </a:xfrm>
-          <a:prstGeom prst="rect">
-            <a:avLst/>
-          </a:prstGeom>
-        </p:spPr>
-      </p:pic>
+      <p:sp>
+        <p:nvSpPr>
+          <p:cNvPr id="4" name="內容版面配置區 3"/>
+          <p:cNvSpPr>
+            <a:spLocks noGrp="1"/>
+          </p:cNvSpPr>
+          <p:nvPr>
+            <p:ph idx="1"/>
+          </p:nvPr>
+        </p:nvSpPr>
+        <p:spPr/>
+        <p:txBody>
+          <a:bodyPr>
+            <a:normAutofit/>
+          </a:bodyPr>
+          <a:lstStyle/>
+          <a:p>
+            <a:r>
+              <a:rPr lang="zh-TW" altLang="en-US" sz="1600" dirty="0"/>
+              <a:t>📂 </a:t>
+            </a:r>
+            <a:r>
+              <a:rPr lang="en-US" altLang="zh-TW" sz="1600" dirty="0"/>
+              <a:t>service</a:t>
+            </a:r>
+            <a:r>
+              <a:rPr lang="zh-TW" altLang="en-US" sz="1600" dirty="0"/>
+              <a:t>（業務邏輯層 </a:t>
+            </a:r>
+            <a:r>
+              <a:rPr lang="en-US" altLang="zh-TW" sz="1600" dirty="0"/>
+              <a:t>- </a:t>
+            </a:r>
+            <a:r>
+              <a:rPr lang="zh-TW" altLang="en-US" sz="1600" dirty="0"/>
+              <a:t>處理 </a:t>
+            </a:r>
+            <a:r>
+              <a:rPr lang="en-US" altLang="zh-TW" sz="1600" dirty="0"/>
+              <a:t>DAO </a:t>
+            </a:r>
+            <a:r>
+              <a:rPr lang="zh-TW" altLang="en-US" sz="1600" dirty="0"/>
+              <a:t>操作）</a:t>
+            </a:r>
+          </a:p>
+          <a:p>
+            <a:r>
+              <a:rPr lang="zh-TW" altLang="en-US" sz="1600" dirty="0"/>
+              <a:t>負責調用 </a:t>
+            </a:r>
+            <a:r>
+              <a:rPr lang="en-US" altLang="zh-TW" sz="1600" dirty="0"/>
+              <a:t>DAO</a:t>
+            </a:r>
+            <a:r>
+              <a:rPr lang="zh-TW" altLang="en-US" sz="1600" dirty="0"/>
+              <a:t>，執行 交易管理（</a:t>
+            </a:r>
+            <a:r>
+              <a:rPr lang="en-US" altLang="zh-TW" sz="1600" dirty="0"/>
+              <a:t>Transaction Management</a:t>
+            </a:r>
+            <a:r>
+              <a:rPr lang="zh-TW" altLang="en-US" sz="1600" dirty="0"/>
+              <a:t>） 及 商業邏輯。</a:t>
+            </a:r>
+          </a:p>
+          <a:p>
+            <a:r>
+              <a:rPr lang="en-US" altLang="zh-TW" sz="1600" dirty="0"/>
+              <a:t>EmployService.java → </a:t>
+            </a:r>
+            <a:r>
+              <a:rPr lang="zh-TW" altLang="en-US" sz="1600" dirty="0"/>
+              <a:t>員工業務邏輯</a:t>
+            </a:r>
+          </a:p>
+          <a:p>
+            <a:r>
+              <a:rPr lang="en-US" altLang="zh-TW" sz="1600" dirty="0"/>
+              <a:t>MemberService.java → </a:t>
+            </a:r>
+            <a:r>
+              <a:rPr lang="zh-TW" altLang="en-US" sz="1600" dirty="0"/>
+              <a:t>會員業務邏輯</a:t>
+            </a:r>
+          </a:p>
+          <a:p>
+            <a:r>
+              <a:rPr lang="en-US" altLang="zh-TW" sz="1600" dirty="0"/>
+              <a:t>PorderService.java → </a:t>
+            </a:r>
+            <a:r>
+              <a:rPr lang="zh-TW" altLang="en-US" sz="1600" dirty="0"/>
+              <a:t>訂單業務邏輯</a:t>
+            </a:r>
+          </a:p>
+          <a:p>
+            <a:r>
+              <a:rPr lang="en-US" altLang="zh-TW" sz="1600" dirty="0"/>
+              <a:t>ProductService.java → </a:t>
+            </a:r>
+            <a:r>
+              <a:rPr lang="zh-TW" altLang="en-US" sz="1600" dirty="0"/>
+              <a:t>產品業務邏輯</a:t>
+            </a:r>
+          </a:p>
+        </p:txBody>
+      </p:sp>
     </p:spTree>
     <p:extLst>
       <p:ext uri="{BB962C8B-B14F-4D97-AF65-F5344CB8AC3E}">
-        <p14:creationId xmlns:p14="http://schemas.microsoft.com/office/powerpoint/2010/main" val="1572089706"/>
+        <p14:creationId xmlns:p14="http://schemas.microsoft.com/office/powerpoint/2010/main" val="780565189"/>
       </p:ext>
     </p:extLst>
   </p:cSld>
@@ -15959,6 +16454,13 @@
       </p:transition>
     </mc:Fallback>
   </mc:AlternateContent>
+  <p:timing>
+    <p:tnLst>
+      <p:par>
+        <p:cTn id="1" dur="indefinite" restart="never" nodeType="tmRoot"/>
+      </p:par>
+    </p:tnLst>
+  </p:timing>
 </p:sld>
 </file>
 
@@ -15996,40 +16498,128 @@
           <a:p>
             <a:r>
               <a:rPr lang="zh-TW" altLang="en-US" dirty="0" smtClean="0"/>
-              <a:t>員工</a:t>
+              <a:t>程式目錄結構</a:t>
             </a:r>
             <a:endParaRPr lang="zh-TW" altLang="en-US" dirty="0"/>
           </a:p>
         </p:txBody>
       </p:sp>
-      <p:pic>
-        <p:nvPicPr>
-          <p:cNvPr id="3" name="圖片 2"/>
-          <p:cNvPicPr>
-            <a:picLocks noChangeAspect="1"/>
-          </p:cNvPicPr>
-          <p:nvPr/>
-        </p:nvPicPr>
-        <p:blipFill>
-          <a:blip r:embed="rId2"/>
-          <a:stretch>
-            <a:fillRect/>
-          </a:stretch>
-        </p:blipFill>
-        <p:spPr>
-          <a:xfrm>
-            <a:off x="2605087" y="766762"/>
-            <a:ext cx="6981825" cy="5324475"/>
-          </a:xfrm>
-          <a:prstGeom prst="rect">
-            <a:avLst/>
-          </a:prstGeom>
-        </p:spPr>
-      </p:pic>
+      <p:sp>
+        <p:nvSpPr>
+          <p:cNvPr id="4" name="內容版面配置區 3"/>
+          <p:cNvSpPr>
+            <a:spLocks noGrp="1"/>
+          </p:cNvSpPr>
+          <p:nvPr>
+            <p:ph idx="1"/>
+          </p:nvPr>
+        </p:nvSpPr>
+        <p:spPr/>
+        <p:txBody>
+          <a:bodyPr>
+            <a:normAutofit/>
+          </a:bodyPr>
+          <a:lstStyle/>
+          <a:p>
+            <a:r>
+              <a:rPr lang="zh-TW" altLang="en-US" sz="1600" dirty="0"/>
+              <a:t>📁 </a:t>
+            </a:r>
+            <a:r>
+              <a:rPr lang="en-US" altLang="zh-TW" sz="1600" dirty="0" err="1"/>
+              <a:t>impl</a:t>
+            </a:r>
+            <a:r>
+              <a:rPr lang="zh-TW" altLang="en-US" sz="1600" dirty="0"/>
+              <a:t>（</a:t>
+            </a:r>
+            <a:r>
+              <a:rPr lang="en-US" altLang="zh-TW" sz="1600" dirty="0"/>
+              <a:t>Service </a:t>
+            </a:r>
+            <a:r>
+              <a:rPr lang="zh-TW" altLang="en-US" sz="1600" dirty="0"/>
+              <a:t>具體實作）</a:t>
+            </a:r>
+          </a:p>
+          <a:p>
+            <a:r>
+              <a:rPr lang="en-US" altLang="zh-TW" sz="1600" dirty="0"/>
+              <a:t>EmployServiceImpl.java → </a:t>
+            </a:r>
+            <a:r>
+              <a:rPr lang="zh-TW" altLang="en-US" sz="1600" dirty="0"/>
+              <a:t>員工 </a:t>
+            </a:r>
+            <a:r>
+              <a:rPr lang="en-US" altLang="zh-TW" sz="1600" dirty="0"/>
+              <a:t>Service </a:t>
+            </a:r>
+            <a:r>
+              <a:rPr lang="zh-TW" altLang="en-US" sz="1600" dirty="0"/>
+              <a:t>實作</a:t>
+            </a:r>
+          </a:p>
+          <a:p>
+            <a:r>
+              <a:rPr lang="en-US" altLang="zh-TW" sz="1600" dirty="0"/>
+              <a:t>MemberServiceImpl.java → </a:t>
+            </a:r>
+            <a:r>
+              <a:rPr lang="zh-TW" altLang="en-US" sz="1600" dirty="0"/>
+              <a:t>會員 </a:t>
+            </a:r>
+            <a:r>
+              <a:rPr lang="en-US" altLang="zh-TW" sz="1600" dirty="0"/>
+              <a:t>Service </a:t>
+            </a:r>
+            <a:r>
+              <a:rPr lang="zh-TW" altLang="en-US" sz="1600" dirty="0"/>
+              <a:t>實作</a:t>
+            </a:r>
+          </a:p>
+          <a:p>
+            <a:r>
+              <a:rPr lang="en-US" altLang="zh-TW" sz="1600" dirty="0"/>
+              <a:t>PorderServiceImpl.java → </a:t>
+            </a:r>
+            <a:r>
+              <a:rPr lang="zh-TW" altLang="en-US" sz="1600" dirty="0"/>
+              <a:t>訂單 </a:t>
+            </a:r>
+            <a:r>
+              <a:rPr lang="en-US" altLang="zh-TW" sz="1600" dirty="0"/>
+              <a:t>Service </a:t>
+            </a:r>
+            <a:r>
+              <a:rPr lang="zh-TW" altLang="en-US" sz="1600" dirty="0"/>
+              <a:t>實作</a:t>
+            </a:r>
+          </a:p>
+          <a:p>
+            <a:r>
+              <a:rPr lang="en-US" altLang="zh-TW" sz="1600" dirty="0"/>
+              <a:t>ProductServiceImpl.java → </a:t>
+            </a:r>
+            <a:r>
+              <a:rPr lang="zh-TW" altLang="en-US" sz="1600" dirty="0"/>
+              <a:t>產品 </a:t>
+            </a:r>
+            <a:r>
+              <a:rPr lang="en-US" altLang="zh-TW" sz="1600" dirty="0"/>
+              <a:t>Service </a:t>
+            </a:r>
+            <a:r>
+              <a:rPr lang="zh-TW" altLang="en-US" sz="1600" dirty="0"/>
+              <a:t>實作</a:t>
+            </a:r>
+          </a:p>
+        </p:txBody>
+      </p:sp>
     </p:spTree>
     <p:extLst>
       <p:ext uri="{BB962C8B-B14F-4D97-AF65-F5344CB8AC3E}">
-        <p14:creationId xmlns:p14="http://schemas.microsoft.com/office/powerpoint/2010/main" val="888892582"/>
+        <p14:creationId xmlns:p14="http://schemas.microsoft.com/office/powerpoint/2010/main" val="3032646291"/>
       </p:ext>
     </p:extLst>
   </p:cSld>
@@ -16048,6 +16638,13 @@
       </p:transition>
     </mc:Fallback>
   </mc:AlternateContent>
+  <p:timing>
+    <p:tnLst>
+      <p:par>
+        <p:cTn id="1" dur="indefinite" restart="never" nodeType="tmRoot"/>
+      </p:par>
+    </p:tnLst>
+  </p:timing>
 </p:sld>
 </file>
 
@@ -16085,40 +16682,74 @@
           <a:p>
             <a:r>
               <a:rPr lang="zh-TW" altLang="en-US" dirty="0" smtClean="0"/>
-              <a:t>客戶</a:t>
+              <a:t>程式目錄結構</a:t>
             </a:r>
             <a:endParaRPr lang="zh-TW" altLang="en-US" dirty="0"/>
           </a:p>
         </p:txBody>
       </p:sp>
-      <p:pic>
-        <p:nvPicPr>
-          <p:cNvPr id="3" name="圖片 2"/>
-          <p:cNvPicPr>
-            <a:picLocks noChangeAspect="1"/>
-          </p:cNvPicPr>
-          <p:nvPr/>
-        </p:nvPicPr>
-        <p:blipFill>
-          <a:blip r:embed="rId2"/>
-          <a:stretch>
-            <a:fillRect/>
-          </a:stretch>
-        </p:blipFill>
-        <p:spPr>
-          <a:xfrm>
-            <a:off x="2605087" y="766762"/>
-            <a:ext cx="6981825" cy="5324475"/>
-          </a:xfrm>
-          <a:prstGeom prst="rect">
-            <a:avLst/>
-          </a:prstGeom>
-        </p:spPr>
-      </p:pic>
+      <p:sp>
+        <p:nvSpPr>
+          <p:cNvPr id="4" name="內容版面配置區 3"/>
+          <p:cNvSpPr>
+            <a:spLocks noGrp="1"/>
+          </p:cNvSpPr>
+          <p:nvPr>
+            <p:ph idx="1"/>
+          </p:nvPr>
+        </p:nvSpPr>
+        <p:spPr/>
+        <p:txBody>
+          <a:bodyPr/>
+          <a:lstStyle/>
+          <a:p>
+            <a:r>
+              <a:rPr lang="zh-TW" altLang="en-US" dirty="0"/>
+              <a:t>📂 </a:t>
+            </a:r>
+            <a:r>
+              <a:rPr lang="en-US" altLang="zh-TW" dirty="0" err="1"/>
+              <a:t>util</a:t>
+            </a:r>
+            <a:r>
+              <a:rPr lang="zh-TW" altLang="en-US" dirty="0"/>
+              <a:t>（工具類別 </a:t>
+            </a:r>
+            <a:r>
+              <a:rPr lang="en-US" altLang="zh-TW" dirty="0"/>
+              <a:t>- </a:t>
+            </a:r>
+            <a:r>
+              <a:rPr lang="zh-TW" altLang="en-US" dirty="0"/>
+              <a:t>提供共用函式）</a:t>
+            </a:r>
+          </a:p>
+          <a:p>
+            <a:r>
+              <a:rPr lang="en-US" altLang="zh-TW" dirty="0"/>
+              <a:t>DbConnection.java → MySQL </a:t>
+            </a:r>
+            <a:r>
+              <a:rPr lang="zh-TW" altLang="en-US" dirty="0"/>
+              <a:t>連線工具類</a:t>
+            </a:r>
+          </a:p>
+          <a:p>
+            <a:r>
+              <a:rPr lang="en-US" altLang="zh-TW" dirty="0"/>
+              <a:t>Tool.java → </a:t>
+            </a:r>
+            <a:r>
+              <a:rPr lang="zh-TW" altLang="en-US" dirty="0"/>
+              <a:t>其他工具函式，例如 檔案存取、格式轉換</a:t>
+            </a:r>
+          </a:p>
+        </p:txBody>
+      </p:sp>
     </p:spTree>
     <p:extLst>
       <p:ext uri="{BB962C8B-B14F-4D97-AF65-F5344CB8AC3E}">
-        <p14:creationId xmlns:p14="http://schemas.microsoft.com/office/powerpoint/2010/main" val="3329576287"/>
+        <p14:creationId xmlns:p14="http://schemas.microsoft.com/office/powerpoint/2010/main" val="4217339469"/>
       </p:ext>
     </p:extLst>
   </p:cSld>
@@ -16137,6 +16768,13 @@
       </p:transition>
     </mc:Fallback>
   </mc:AlternateContent>
+  <p:timing>
+    <p:tnLst>
+      <p:par>
+        <p:cTn id="1" dur="indefinite" restart="never" nodeType="tmRoot"/>
+      </p:par>
+    </p:tnLst>
+  </p:timing>
 </p:sld>
 </file>
 
@@ -16169,12 +16807,12 @@
         </p:nvSpPr>
         <p:spPr/>
         <p:txBody>
-          <a:bodyPr rtlCol="0"/>
+          <a:bodyPr/>
           <a:lstStyle/>
           <a:p>
             <a:r>
-              <a:rPr lang="en-US" altLang="zh-TW" dirty="0" smtClean="0"/>
-              <a:t>Q&amp;A</a:t>
+              <a:rPr lang="zh-TW" altLang="en-US" dirty="0" smtClean="0"/>
+              <a:t>程式目錄結構</a:t>
             </a:r>
             <a:endParaRPr lang="zh-TW" altLang="en-US" dirty="0"/>
           </a:p>
@@ -16182,28 +16820,196 @@
       </p:sp>
       <p:sp>
         <p:nvSpPr>
-          <p:cNvPr id="3" name="文字預留位置 2"/>
+          <p:cNvPr id="4" name="內容版面配置區 3"/>
           <p:cNvSpPr>
             <a:spLocks noGrp="1"/>
           </p:cNvSpPr>
           <p:nvPr>
-            <p:ph type="body" idx="1"/>
+            <p:ph idx="1"/>
           </p:nvPr>
         </p:nvSpPr>
         <p:spPr/>
         <p:txBody>
-          <a:bodyPr rtlCol="0"/>
+          <a:bodyPr>
+            <a:normAutofit/>
+          </a:bodyPr>
           <a:lstStyle/>
           <a:p>
-            <a:pPr rtl="0"/>
-            <a:endParaRPr lang="zh-TW" altLang="en-US" dirty="0"/>
+            <a:r>
+              <a:rPr lang="zh-TW" altLang="en-US" sz="1600" dirty="0"/>
+              <a:t>📌 總結</a:t>
+            </a:r>
+          </a:p>
+          <a:p>
+            <a:r>
+              <a:rPr lang="zh-TW" altLang="en-US" sz="1600" dirty="0"/>
+              <a:t>這個 </a:t>
+            </a:r>
+            <a:r>
+              <a:rPr lang="en-US" altLang="zh-TW" sz="1600" dirty="0"/>
+              <a:t>MVC </a:t>
+            </a:r>
+            <a:r>
+              <a:rPr lang="zh-TW" altLang="en-US" sz="1600" dirty="0"/>
+              <a:t>架構 的系統包含：</a:t>
+            </a:r>
+          </a:p>
+          <a:p>
+            <a:r>
+              <a:rPr lang="en-US" altLang="zh-TW" sz="1600" dirty="0"/>
+              <a:t>Controller</a:t>
+            </a:r>
+            <a:r>
+              <a:rPr lang="zh-TW" altLang="en-US" sz="1600" dirty="0"/>
+              <a:t>（</a:t>
+            </a:r>
+            <a:r>
+              <a:rPr lang="en-US" altLang="zh-TW" sz="1600" dirty="0"/>
+              <a:t>UI </a:t>
+            </a:r>
+            <a:r>
+              <a:rPr lang="zh-TW" altLang="en-US" sz="1600" dirty="0"/>
+              <a:t>介面） → </a:t>
+            </a:r>
+            <a:r>
+              <a:rPr lang="en-US" altLang="zh-TW" sz="1600" dirty="0"/>
+              <a:t>controller </a:t>
+            </a:r>
+            <a:r>
+              <a:rPr lang="zh-TW" altLang="en-US" sz="1600" dirty="0"/>
+              <a:t>資料夾（使用 </a:t>
+            </a:r>
+            <a:r>
+              <a:rPr lang="en-US" altLang="zh-TW" sz="1600" dirty="0" err="1"/>
+              <a:t>JFrame</a:t>
+            </a:r>
+            <a:r>
+              <a:rPr lang="en-US" altLang="zh-TW" sz="1600" dirty="0"/>
+              <a:t> </a:t>
+            </a:r>
+            <a:r>
+              <a:rPr lang="zh-TW" altLang="en-US" sz="1600" dirty="0"/>
+              <a:t>來顯示介面）。</a:t>
+            </a:r>
+          </a:p>
+          <a:p>
+            <a:r>
+              <a:rPr lang="en-US" altLang="zh-TW" sz="1600" dirty="0"/>
+              <a:t>Model</a:t>
+            </a:r>
+            <a:r>
+              <a:rPr lang="zh-TW" altLang="en-US" sz="1600" dirty="0"/>
+              <a:t>（資料模型） → </a:t>
+            </a:r>
+            <a:r>
+              <a:rPr lang="en-US" altLang="zh-TW" sz="1600" dirty="0"/>
+              <a:t>model </a:t>
+            </a:r>
+            <a:r>
+              <a:rPr lang="zh-TW" altLang="en-US" sz="1600" dirty="0"/>
+              <a:t>資料夾（定義對應 </a:t>
+            </a:r>
+            <a:r>
+              <a:rPr lang="en-US" altLang="zh-TW" sz="1600" dirty="0"/>
+              <a:t>MySQL </a:t>
+            </a:r>
+            <a:r>
+              <a:rPr lang="zh-TW" altLang="en-US" sz="1600" dirty="0"/>
+              <a:t>的類別）。</a:t>
+            </a:r>
+          </a:p>
+          <a:p>
+            <a:r>
+              <a:rPr lang="en-US" altLang="zh-TW" sz="1600" dirty="0"/>
+              <a:t>DAO</a:t>
+            </a:r>
+            <a:r>
+              <a:rPr lang="zh-TW" altLang="en-US" sz="1600" dirty="0"/>
+              <a:t>（資料存取層） → </a:t>
+            </a:r>
+            <a:r>
+              <a:rPr lang="en-US" altLang="zh-TW" sz="1600" dirty="0" err="1"/>
+              <a:t>dao</a:t>
+            </a:r>
+            <a:r>
+              <a:rPr lang="en-US" altLang="zh-TW" sz="1600" dirty="0"/>
+              <a:t> </a:t>
+            </a:r>
+            <a:r>
+              <a:rPr lang="zh-TW" altLang="en-US" sz="1600" dirty="0"/>
+              <a:t>資料夾（負責 </a:t>
+            </a:r>
+            <a:r>
+              <a:rPr lang="en-US" altLang="zh-TW" sz="1600" dirty="0"/>
+              <a:t>CRUD </a:t>
+            </a:r>
+            <a:r>
+              <a:rPr lang="zh-TW" altLang="en-US" sz="1600" dirty="0"/>
+              <a:t>操作）。</a:t>
+            </a:r>
+          </a:p>
+          <a:p>
+            <a:r>
+              <a:rPr lang="en-US" altLang="zh-TW" sz="1600" dirty="0"/>
+              <a:t>Service</a:t>
+            </a:r>
+            <a:r>
+              <a:rPr lang="zh-TW" altLang="en-US" sz="1600" dirty="0"/>
+              <a:t>（業務邏輯層） → </a:t>
+            </a:r>
+            <a:r>
+              <a:rPr lang="en-US" altLang="zh-TW" sz="1600" dirty="0"/>
+              <a:t>service </a:t>
+            </a:r>
+            <a:r>
+              <a:rPr lang="zh-TW" altLang="en-US" sz="1600" dirty="0"/>
+              <a:t>資料夾（處理 </a:t>
+            </a:r>
+            <a:r>
+              <a:rPr lang="en-US" altLang="zh-TW" sz="1600" dirty="0"/>
+              <a:t>DAO </a:t>
+            </a:r>
+            <a:r>
+              <a:rPr lang="zh-TW" altLang="en-US" sz="1600" dirty="0"/>
+              <a:t>操作及交易管理）。</a:t>
+            </a:r>
+          </a:p>
+          <a:p>
+            <a:r>
+              <a:rPr lang="en-US" altLang="zh-TW" sz="1600" dirty="0" err="1"/>
+              <a:t>Util</a:t>
+            </a:r>
+            <a:r>
+              <a:rPr lang="zh-TW" altLang="en-US" sz="1600" dirty="0"/>
+              <a:t>（工具類） → </a:t>
+            </a:r>
+            <a:r>
+              <a:rPr lang="en-US" altLang="zh-TW" sz="1600" dirty="0" err="1"/>
+              <a:t>util</a:t>
+            </a:r>
+            <a:r>
+              <a:rPr lang="en-US" altLang="zh-TW" sz="1600" dirty="0"/>
+              <a:t> </a:t>
+            </a:r>
+            <a:r>
+              <a:rPr lang="zh-TW" altLang="en-US" sz="1600" dirty="0"/>
+              <a:t>資料夾（提供 </a:t>
+            </a:r>
+            <a:r>
+              <a:rPr lang="en-US" altLang="zh-TW" sz="1600" dirty="0"/>
+              <a:t>MySQL </a:t>
+            </a:r>
+            <a:r>
+              <a:rPr lang="zh-TW" altLang="en-US" sz="1600" dirty="0"/>
+              <a:t>連線與工具函式）。</a:t>
+            </a:r>
           </a:p>
         </p:txBody>
       </p:sp>
     </p:spTree>
     <p:extLst>
       <p:ext uri="{BB962C8B-B14F-4D97-AF65-F5344CB8AC3E}">
-        <p14:creationId xmlns:p14="http://schemas.microsoft.com/office/powerpoint/2010/main" val="3241453918"/>
+        <p14:creationId xmlns:p14="http://schemas.microsoft.com/office/powerpoint/2010/main" val="2903340000"/>
       </p:ext>
     </p:extLst>
   </p:cSld>
@@ -16222,6 +17028,1723 @@
       </p:transition>
     </mc:Fallback>
   </mc:AlternateContent>
+  <p:timing>
+    <p:tnLst>
+      <p:par>
+        <p:cTn id="1" dur="indefinite" restart="never" nodeType="tmRoot"/>
+      </p:par>
+    </p:tnLst>
+  </p:timing>
+</p:sld>
+</file>
+
+<file path=ppt/slides/slide17.xml><?xml version="1.0" encoding="utf-8"?>
+<p:sld xmlns:a="http://schemas.openxmlformats.org/drawingml/2006/main" xmlns:r="http://schemas.openxmlformats.org/officeDocument/2006/relationships" xmlns:p="http://schemas.openxmlformats.org/presentationml/2006/main">
+  <p:cSld>
+    <p:spTree>
+      <p:nvGrpSpPr>
+        <p:cNvPr id="1" name=""/>
+        <p:cNvGrpSpPr/>
+        <p:nvPr/>
+      </p:nvGrpSpPr>
+      <p:grpSpPr>
+        <a:xfrm>
+          <a:off x="0" y="0"/>
+          <a:ext cx="0" cy="0"/>
+          <a:chOff x="0" y="0"/>
+          <a:chExt cx="0" cy="0"/>
+        </a:xfrm>
+      </p:grpSpPr>
+      <p:sp>
+        <p:nvSpPr>
+          <p:cNvPr id="2" name="標題 1"/>
+          <p:cNvSpPr>
+            <a:spLocks noGrp="1"/>
+          </p:cNvSpPr>
+          <p:nvPr>
+            <p:ph type="title"/>
+          </p:nvPr>
+        </p:nvSpPr>
+        <p:spPr/>
+        <p:txBody>
+          <a:bodyPr rtlCol="0"/>
+          <a:lstStyle/>
+          <a:p>
+            <a:r>
+              <a:rPr lang="zh-TW" altLang="en-US" dirty="0"/>
+              <a:t>使用介面介紹</a:t>
+            </a:r>
+          </a:p>
+        </p:txBody>
+      </p:sp>
+      <p:sp>
+        <p:nvSpPr>
+          <p:cNvPr id="3" name="文字預留位置 2"/>
+          <p:cNvSpPr>
+            <a:spLocks noGrp="1"/>
+          </p:cNvSpPr>
+          <p:nvPr>
+            <p:ph type="body" idx="1"/>
+          </p:nvPr>
+        </p:nvSpPr>
+        <p:spPr/>
+        <p:txBody>
+          <a:bodyPr rtlCol="0"/>
+          <a:lstStyle/>
+          <a:p>
+            <a:pPr rtl="0"/>
+            <a:endParaRPr lang="zh-TW" altLang="en-US" dirty="0"/>
+          </a:p>
+        </p:txBody>
+      </p:sp>
+    </p:spTree>
+    <p:extLst>
+      <p:ext uri="{BB962C8B-B14F-4D97-AF65-F5344CB8AC3E}">
+        <p14:creationId xmlns:p14="http://schemas.microsoft.com/office/powerpoint/2010/main" val="4165870913"/>
+      </p:ext>
+    </p:extLst>
+  </p:cSld>
+  <p:clrMapOvr>
+    <a:masterClrMapping/>
+  </p:clrMapOvr>
+  <mc:AlternateContent xmlns:mc="http://schemas.openxmlformats.org/markup-compatibility/2006" xmlns:p14="http://schemas.microsoft.com/office/powerpoint/2010/main">
+    <mc:Choice Requires="p14">
+      <p:transition spd="med" p14:dur="700">
+        <p:fade/>
+      </p:transition>
+    </mc:Choice>
+    <mc:Fallback xmlns="">
+      <p:transition spd="med">
+        <p:fade/>
+      </p:transition>
+    </mc:Fallback>
+  </mc:AlternateContent>
+  <p:timing>
+    <p:tnLst>
+      <p:par>
+        <p:cTn id="1" dur="indefinite" restart="never" nodeType="tmRoot"/>
+      </p:par>
+    </p:tnLst>
+  </p:timing>
+</p:sld>
+</file>
+
+<file path=ppt/slides/slide18.xml><?xml version="1.0" encoding="utf-8"?>
+<p:sld xmlns:a="http://schemas.openxmlformats.org/drawingml/2006/main" xmlns:r="http://schemas.openxmlformats.org/officeDocument/2006/relationships" xmlns:p="http://schemas.openxmlformats.org/presentationml/2006/main">
+  <p:cSld>
+    <p:spTree>
+      <p:nvGrpSpPr>
+        <p:cNvPr id="1" name=""/>
+        <p:cNvGrpSpPr/>
+        <p:nvPr/>
+      </p:nvGrpSpPr>
+      <p:grpSpPr>
+        <a:xfrm>
+          <a:off x="0" y="0"/>
+          <a:ext cx="0" cy="0"/>
+          <a:chOff x="0" y="0"/>
+          <a:chExt cx="0" cy="0"/>
+        </a:xfrm>
+      </p:grpSpPr>
+      <p:sp>
+        <p:nvSpPr>
+          <p:cNvPr id="2" name="標題 1"/>
+          <p:cNvSpPr>
+            <a:spLocks noGrp="1"/>
+          </p:cNvSpPr>
+          <p:nvPr>
+            <p:ph type="title"/>
+          </p:nvPr>
+        </p:nvSpPr>
+        <p:spPr/>
+        <p:txBody>
+          <a:bodyPr/>
+          <a:lstStyle/>
+          <a:p>
+            <a:r>
+              <a:rPr lang="zh-TW" altLang="en-US" dirty="0" smtClean="0"/>
+              <a:t>使用介面架構</a:t>
+            </a:r>
+            <a:endParaRPr lang="zh-TW" altLang="en-US" dirty="0"/>
+          </a:p>
+        </p:txBody>
+      </p:sp>
+      <p:sp>
+        <p:nvSpPr>
+          <p:cNvPr id="3" name="文字方塊 2"/>
+          <p:cNvSpPr txBox="1"/>
+          <p:nvPr/>
+        </p:nvSpPr>
+        <p:spPr>
+          <a:xfrm>
+            <a:off x="4563208" y="1620761"/>
+            <a:ext cx="3244361" cy="461665"/>
+          </a:xfrm>
+          <a:prstGeom prst="rect">
+            <a:avLst/>
+          </a:prstGeom>
+          <a:solidFill>
+            <a:schemeClr val="accent4">
+              <a:lumMod val="20000"/>
+              <a:lumOff val="80000"/>
+            </a:schemeClr>
+          </a:solidFill>
+        </p:spPr>
+        <p:txBody>
+          <a:bodyPr wrap="square" rtlCol="0">
+            <a:spAutoFit/>
+          </a:bodyPr>
+          <a:lstStyle/>
+          <a:p>
+            <a:pPr algn="ctr"/>
+            <a:r>
+              <a:rPr lang="zh-TW" altLang="en-US" sz="2400" dirty="0" smtClean="0"/>
+              <a:t>體育用品店登入首頁</a:t>
+            </a:r>
+            <a:endParaRPr lang="zh-TW" altLang="en-US" sz="2400" dirty="0"/>
+          </a:p>
+        </p:txBody>
+      </p:sp>
+      <p:sp>
+        <p:nvSpPr>
+          <p:cNvPr id="4" name="文字方塊 3"/>
+          <p:cNvSpPr txBox="1"/>
+          <p:nvPr/>
+        </p:nvSpPr>
+        <p:spPr>
+          <a:xfrm>
+            <a:off x="3675178" y="2534584"/>
+            <a:ext cx="1151793" cy="369332"/>
+          </a:xfrm>
+          <a:prstGeom prst="rect">
+            <a:avLst/>
+          </a:prstGeom>
+          <a:solidFill>
+            <a:schemeClr val="accent3">
+              <a:lumMod val="20000"/>
+              <a:lumOff val="80000"/>
+            </a:schemeClr>
+          </a:solidFill>
+        </p:spPr>
+        <p:txBody>
+          <a:bodyPr wrap="square" rtlCol="0">
+            <a:spAutoFit/>
+          </a:bodyPr>
+          <a:lstStyle/>
+          <a:p>
+            <a:pPr algn="ctr"/>
+            <a:r>
+              <a:rPr lang="zh-TW" altLang="en-US" dirty="0" smtClean="0"/>
+              <a:t>員工登入</a:t>
+            </a:r>
+            <a:endParaRPr lang="zh-TW" altLang="en-US" dirty="0"/>
+          </a:p>
+        </p:txBody>
+      </p:sp>
+      <p:sp>
+        <p:nvSpPr>
+          <p:cNvPr id="5" name="文字方塊 4"/>
+          <p:cNvSpPr txBox="1"/>
+          <p:nvPr/>
+        </p:nvSpPr>
+        <p:spPr>
+          <a:xfrm>
+            <a:off x="9433385" y="2518615"/>
+            <a:ext cx="1151793" cy="369332"/>
+          </a:xfrm>
+          <a:prstGeom prst="rect">
+            <a:avLst/>
+          </a:prstGeom>
+          <a:solidFill>
+            <a:schemeClr val="accent5">
+              <a:lumMod val="20000"/>
+              <a:lumOff val="80000"/>
+            </a:schemeClr>
+          </a:solidFill>
+        </p:spPr>
+        <p:txBody>
+          <a:bodyPr wrap="square" rtlCol="0">
+            <a:spAutoFit/>
+          </a:bodyPr>
+          <a:lstStyle/>
+          <a:p>
+            <a:pPr algn="ctr"/>
+            <a:r>
+              <a:rPr lang="zh-TW" altLang="en-US" dirty="0" smtClean="0"/>
+              <a:t>客戶登入</a:t>
+            </a:r>
+            <a:endParaRPr lang="zh-TW" altLang="en-US" dirty="0"/>
+          </a:p>
+        </p:txBody>
+      </p:sp>
+      <p:sp>
+        <p:nvSpPr>
+          <p:cNvPr id="6" name="文字方塊 5"/>
+          <p:cNvSpPr txBox="1"/>
+          <p:nvPr/>
+        </p:nvSpPr>
+        <p:spPr>
+          <a:xfrm>
+            <a:off x="1065334" y="3116696"/>
+            <a:ext cx="1151793" cy="369332"/>
+          </a:xfrm>
+          <a:prstGeom prst="rect">
+            <a:avLst/>
+          </a:prstGeom>
+          <a:solidFill>
+            <a:schemeClr val="accent3">
+              <a:lumMod val="20000"/>
+              <a:lumOff val="80000"/>
+            </a:schemeClr>
+          </a:solidFill>
+        </p:spPr>
+        <p:txBody>
+          <a:bodyPr wrap="square" rtlCol="0">
+            <a:spAutoFit/>
+          </a:bodyPr>
+          <a:lstStyle/>
+          <a:p>
+            <a:pPr algn="ctr"/>
+            <a:r>
+              <a:rPr lang="zh-TW" altLang="en-US" dirty="0" smtClean="0"/>
+              <a:t>訂單管理</a:t>
+            </a:r>
+            <a:endParaRPr lang="zh-TW" altLang="en-US" dirty="0"/>
+          </a:p>
+        </p:txBody>
+      </p:sp>
+      <p:sp>
+        <p:nvSpPr>
+          <p:cNvPr id="7" name="文字方塊 6"/>
+          <p:cNvSpPr txBox="1"/>
+          <p:nvPr/>
+        </p:nvSpPr>
+        <p:spPr>
+          <a:xfrm>
+            <a:off x="2370259" y="3116696"/>
+            <a:ext cx="1151793" cy="369332"/>
+          </a:xfrm>
+          <a:prstGeom prst="rect">
+            <a:avLst/>
+          </a:prstGeom>
+          <a:solidFill>
+            <a:schemeClr val="accent3">
+              <a:lumMod val="20000"/>
+              <a:lumOff val="80000"/>
+            </a:schemeClr>
+          </a:solidFill>
+        </p:spPr>
+        <p:txBody>
+          <a:bodyPr wrap="square" rtlCol="0">
+            <a:spAutoFit/>
+          </a:bodyPr>
+          <a:lstStyle/>
+          <a:p>
+            <a:pPr algn="ctr"/>
+            <a:r>
+              <a:rPr lang="zh-TW" altLang="en-US" dirty="0" smtClean="0"/>
+              <a:t>產品管理</a:t>
+            </a:r>
+            <a:endParaRPr lang="zh-TW" altLang="en-US" dirty="0"/>
+          </a:p>
+        </p:txBody>
+      </p:sp>
+      <p:sp>
+        <p:nvSpPr>
+          <p:cNvPr id="8" name="文字方塊 7"/>
+          <p:cNvSpPr txBox="1"/>
+          <p:nvPr/>
+        </p:nvSpPr>
+        <p:spPr>
+          <a:xfrm>
+            <a:off x="3675184" y="3120943"/>
+            <a:ext cx="1151793" cy="369332"/>
+          </a:xfrm>
+          <a:prstGeom prst="rect">
+            <a:avLst/>
+          </a:prstGeom>
+          <a:solidFill>
+            <a:schemeClr val="accent3">
+              <a:lumMod val="20000"/>
+              <a:lumOff val="80000"/>
+            </a:schemeClr>
+          </a:solidFill>
+        </p:spPr>
+        <p:txBody>
+          <a:bodyPr wrap="square" rtlCol="0">
+            <a:spAutoFit/>
+          </a:bodyPr>
+          <a:lstStyle/>
+          <a:p>
+            <a:pPr algn="ctr"/>
+            <a:r>
+              <a:rPr lang="zh-TW" altLang="en-US" dirty="0" smtClean="0"/>
+              <a:t>客戶管理</a:t>
+            </a:r>
+            <a:endParaRPr lang="zh-TW" altLang="en-US" dirty="0"/>
+          </a:p>
+        </p:txBody>
+      </p:sp>
+      <p:sp>
+        <p:nvSpPr>
+          <p:cNvPr id="9" name="文字方塊 8"/>
+          <p:cNvSpPr txBox="1"/>
+          <p:nvPr/>
+        </p:nvSpPr>
+        <p:spPr>
+          <a:xfrm>
+            <a:off x="4980109" y="3116696"/>
+            <a:ext cx="1732817" cy="369332"/>
+          </a:xfrm>
+          <a:prstGeom prst="rect">
+            <a:avLst/>
+          </a:prstGeom>
+          <a:solidFill>
+            <a:schemeClr val="accent3">
+              <a:lumMod val="20000"/>
+              <a:lumOff val="80000"/>
+            </a:schemeClr>
+          </a:solidFill>
+        </p:spPr>
+        <p:txBody>
+          <a:bodyPr wrap="square" rtlCol="0">
+            <a:spAutoFit/>
+          </a:bodyPr>
+          <a:lstStyle/>
+          <a:p>
+            <a:pPr algn="ctr"/>
+            <a:r>
+              <a:rPr lang="zh-TW" altLang="en-US" dirty="0" smtClean="0"/>
+              <a:t>員工管理</a:t>
+            </a:r>
+            <a:endParaRPr lang="zh-TW" altLang="en-US" dirty="0"/>
+          </a:p>
+        </p:txBody>
+      </p:sp>
+      <p:sp>
+        <p:nvSpPr>
+          <p:cNvPr id="10" name="文字方塊 9"/>
+          <p:cNvSpPr txBox="1"/>
+          <p:nvPr/>
+        </p:nvSpPr>
+        <p:spPr>
+          <a:xfrm>
+            <a:off x="9433384" y="3108094"/>
+            <a:ext cx="1151793" cy="369332"/>
+          </a:xfrm>
+          <a:prstGeom prst="rect">
+            <a:avLst/>
+          </a:prstGeom>
+          <a:solidFill>
+            <a:schemeClr val="accent5">
+              <a:lumMod val="20000"/>
+              <a:lumOff val="80000"/>
+            </a:schemeClr>
+          </a:solidFill>
+        </p:spPr>
+        <p:txBody>
+          <a:bodyPr wrap="square" rtlCol="0">
+            <a:spAutoFit/>
+          </a:bodyPr>
+          <a:lstStyle/>
+          <a:p>
+            <a:pPr algn="ctr"/>
+            <a:r>
+              <a:rPr lang="zh-TW" altLang="en-US" dirty="0" smtClean="0"/>
+              <a:t>訂單管理</a:t>
+            </a:r>
+            <a:endParaRPr lang="zh-TW" altLang="en-US" dirty="0"/>
+          </a:p>
+        </p:txBody>
+      </p:sp>
+      <p:sp>
+        <p:nvSpPr>
+          <p:cNvPr id="11" name="文字方塊 10"/>
+          <p:cNvSpPr txBox="1"/>
+          <p:nvPr/>
+        </p:nvSpPr>
+        <p:spPr>
+          <a:xfrm>
+            <a:off x="1065333" y="3678671"/>
+            <a:ext cx="1151793" cy="369332"/>
+          </a:xfrm>
+          <a:prstGeom prst="rect">
+            <a:avLst/>
+          </a:prstGeom>
+          <a:solidFill>
+            <a:schemeClr val="accent6">
+              <a:lumMod val="20000"/>
+              <a:lumOff val="80000"/>
+            </a:schemeClr>
+          </a:solidFill>
+        </p:spPr>
+        <p:txBody>
+          <a:bodyPr wrap="square" rtlCol="0">
+            <a:spAutoFit/>
+          </a:bodyPr>
+          <a:lstStyle/>
+          <a:p>
+            <a:pPr algn="ctr"/>
+            <a:r>
+              <a:rPr lang="zh-TW" altLang="en-US" dirty="0" smtClean="0"/>
+              <a:t>新增訂單</a:t>
+            </a:r>
+            <a:endParaRPr lang="zh-TW" altLang="en-US" dirty="0"/>
+          </a:p>
+        </p:txBody>
+      </p:sp>
+      <p:sp>
+        <p:nvSpPr>
+          <p:cNvPr id="12" name="文字方塊 11"/>
+          <p:cNvSpPr txBox="1"/>
+          <p:nvPr/>
+        </p:nvSpPr>
+        <p:spPr>
+          <a:xfrm>
+            <a:off x="1065333" y="4240646"/>
+            <a:ext cx="1151793" cy="369332"/>
+          </a:xfrm>
+          <a:prstGeom prst="rect">
+            <a:avLst/>
+          </a:prstGeom>
+          <a:solidFill>
+            <a:schemeClr val="accent6">
+              <a:lumMod val="20000"/>
+              <a:lumOff val="80000"/>
+            </a:schemeClr>
+          </a:solidFill>
+        </p:spPr>
+        <p:txBody>
+          <a:bodyPr wrap="square" rtlCol="0">
+            <a:spAutoFit/>
+          </a:bodyPr>
+          <a:lstStyle/>
+          <a:p>
+            <a:pPr algn="ctr"/>
+            <a:r>
+              <a:rPr lang="zh-TW" altLang="en-US" dirty="0" smtClean="0"/>
+              <a:t>查詢訂單</a:t>
+            </a:r>
+            <a:endParaRPr lang="zh-TW" altLang="en-US" dirty="0"/>
+          </a:p>
+        </p:txBody>
+      </p:sp>
+      <p:sp>
+        <p:nvSpPr>
+          <p:cNvPr id="13" name="文字方塊 12"/>
+          <p:cNvSpPr txBox="1"/>
+          <p:nvPr/>
+        </p:nvSpPr>
+        <p:spPr>
+          <a:xfrm>
+            <a:off x="1065332" y="4802621"/>
+            <a:ext cx="1151793" cy="369332"/>
+          </a:xfrm>
+          <a:prstGeom prst="rect">
+            <a:avLst/>
+          </a:prstGeom>
+          <a:solidFill>
+            <a:schemeClr val="accent6">
+              <a:lumMod val="20000"/>
+              <a:lumOff val="80000"/>
+            </a:schemeClr>
+          </a:solidFill>
+        </p:spPr>
+        <p:txBody>
+          <a:bodyPr wrap="square" rtlCol="0">
+            <a:spAutoFit/>
+          </a:bodyPr>
+          <a:lstStyle/>
+          <a:p>
+            <a:pPr algn="ctr"/>
+            <a:r>
+              <a:rPr lang="zh-TW" altLang="en-US" dirty="0" smtClean="0"/>
+              <a:t>編輯訂單</a:t>
+            </a:r>
+            <a:endParaRPr lang="zh-TW" altLang="en-US" dirty="0"/>
+          </a:p>
+        </p:txBody>
+      </p:sp>
+      <p:sp>
+        <p:nvSpPr>
+          <p:cNvPr id="14" name="文字方塊 13"/>
+          <p:cNvSpPr txBox="1"/>
+          <p:nvPr/>
+        </p:nvSpPr>
+        <p:spPr>
+          <a:xfrm>
+            <a:off x="1065331" y="5364596"/>
+            <a:ext cx="1151793" cy="369332"/>
+          </a:xfrm>
+          <a:prstGeom prst="rect">
+            <a:avLst/>
+          </a:prstGeom>
+          <a:solidFill>
+            <a:schemeClr val="accent6">
+              <a:lumMod val="20000"/>
+              <a:lumOff val="80000"/>
+            </a:schemeClr>
+          </a:solidFill>
+        </p:spPr>
+        <p:txBody>
+          <a:bodyPr wrap="square" rtlCol="0">
+            <a:spAutoFit/>
+          </a:bodyPr>
+          <a:lstStyle/>
+          <a:p>
+            <a:pPr algn="ctr"/>
+            <a:r>
+              <a:rPr lang="zh-TW" altLang="en-US" dirty="0" smtClean="0"/>
+              <a:t>刪除訂單</a:t>
+            </a:r>
+            <a:endParaRPr lang="zh-TW" altLang="en-US" dirty="0"/>
+          </a:p>
+        </p:txBody>
+      </p:sp>
+      <p:sp>
+        <p:nvSpPr>
+          <p:cNvPr id="15" name="文字方塊 14"/>
+          <p:cNvSpPr txBox="1"/>
+          <p:nvPr/>
+        </p:nvSpPr>
+        <p:spPr>
+          <a:xfrm>
+            <a:off x="2370258" y="3678671"/>
+            <a:ext cx="1151793" cy="369332"/>
+          </a:xfrm>
+          <a:prstGeom prst="rect">
+            <a:avLst/>
+          </a:prstGeom>
+          <a:solidFill>
+            <a:schemeClr val="accent6">
+              <a:lumMod val="20000"/>
+              <a:lumOff val="80000"/>
+            </a:schemeClr>
+          </a:solidFill>
+        </p:spPr>
+        <p:txBody>
+          <a:bodyPr wrap="square" rtlCol="0">
+            <a:spAutoFit/>
+          </a:bodyPr>
+          <a:lstStyle/>
+          <a:p>
+            <a:pPr algn="ctr"/>
+            <a:r>
+              <a:rPr lang="zh-TW" altLang="en-US" dirty="0" smtClean="0"/>
+              <a:t>管理產品</a:t>
+            </a:r>
+            <a:endParaRPr lang="zh-TW" altLang="en-US" dirty="0"/>
+          </a:p>
+        </p:txBody>
+      </p:sp>
+      <p:sp>
+        <p:nvSpPr>
+          <p:cNvPr id="16" name="文字方塊 15"/>
+          <p:cNvSpPr txBox="1"/>
+          <p:nvPr/>
+        </p:nvSpPr>
+        <p:spPr>
+          <a:xfrm>
+            <a:off x="2370258" y="4240646"/>
+            <a:ext cx="1151793" cy="369332"/>
+          </a:xfrm>
+          <a:prstGeom prst="rect">
+            <a:avLst/>
+          </a:prstGeom>
+          <a:solidFill>
+            <a:schemeClr val="accent6">
+              <a:lumMod val="20000"/>
+              <a:lumOff val="80000"/>
+            </a:schemeClr>
+          </a:solidFill>
+        </p:spPr>
+        <p:txBody>
+          <a:bodyPr wrap="square" rtlCol="0">
+            <a:spAutoFit/>
+          </a:bodyPr>
+          <a:lstStyle/>
+          <a:p>
+            <a:pPr algn="ctr"/>
+            <a:r>
+              <a:rPr lang="zh-TW" altLang="en-US" dirty="0" smtClean="0"/>
+              <a:t>新增產品</a:t>
+            </a:r>
+            <a:endParaRPr lang="zh-TW" altLang="en-US" dirty="0"/>
+          </a:p>
+        </p:txBody>
+      </p:sp>
+      <p:sp>
+        <p:nvSpPr>
+          <p:cNvPr id="17" name="文字方塊 16"/>
+          <p:cNvSpPr txBox="1"/>
+          <p:nvPr/>
+        </p:nvSpPr>
+        <p:spPr>
+          <a:xfrm>
+            <a:off x="2370257" y="4802621"/>
+            <a:ext cx="1151793" cy="369332"/>
+          </a:xfrm>
+          <a:prstGeom prst="rect">
+            <a:avLst/>
+          </a:prstGeom>
+          <a:solidFill>
+            <a:schemeClr val="accent6">
+              <a:lumMod val="20000"/>
+              <a:lumOff val="80000"/>
+            </a:schemeClr>
+          </a:solidFill>
+        </p:spPr>
+        <p:txBody>
+          <a:bodyPr wrap="square" rtlCol="0">
+            <a:spAutoFit/>
+          </a:bodyPr>
+          <a:lstStyle/>
+          <a:p>
+            <a:pPr algn="ctr"/>
+            <a:r>
+              <a:rPr lang="zh-TW" altLang="en-US" dirty="0" smtClean="0"/>
+              <a:t>編輯產品</a:t>
+            </a:r>
+            <a:endParaRPr lang="zh-TW" altLang="en-US" dirty="0"/>
+          </a:p>
+        </p:txBody>
+      </p:sp>
+      <p:sp>
+        <p:nvSpPr>
+          <p:cNvPr id="18" name="文字方塊 17"/>
+          <p:cNvSpPr txBox="1"/>
+          <p:nvPr/>
+        </p:nvSpPr>
+        <p:spPr>
+          <a:xfrm>
+            <a:off x="2370256" y="5364596"/>
+            <a:ext cx="1151793" cy="369332"/>
+          </a:xfrm>
+          <a:prstGeom prst="rect">
+            <a:avLst/>
+          </a:prstGeom>
+          <a:solidFill>
+            <a:schemeClr val="accent6">
+              <a:lumMod val="20000"/>
+              <a:lumOff val="80000"/>
+            </a:schemeClr>
+          </a:solidFill>
+        </p:spPr>
+        <p:txBody>
+          <a:bodyPr wrap="square" rtlCol="0">
+            <a:spAutoFit/>
+          </a:bodyPr>
+          <a:lstStyle/>
+          <a:p>
+            <a:pPr algn="ctr"/>
+            <a:r>
+              <a:rPr lang="zh-TW" altLang="en-US" dirty="0" smtClean="0"/>
+              <a:t>刪除</a:t>
+            </a:r>
+            <a:r>
+              <a:rPr lang="zh-TW" altLang="en-US" dirty="0"/>
+              <a:t>產品</a:t>
+            </a:r>
+          </a:p>
+        </p:txBody>
+      </p:sp>
+      <p:sp>
+        <p:nvSpPr>
+          <p:cNvPr id="19" name="文字方塊 18"/>
+          <p:cNvSpPr txBox="1"/>
+          <p:nvPr/>
+        </p:nvSpPr>
+        <p:spPr>
+          <a:xfrm>
+            <a:off x="3675180" y="3678671"/>
+            <a:ext cx="1151793" cy="369332"/>
+          </a:xfrm>
+          <a:prstGeom prst="rect">
+            <a:avLst/>
+          </a:prstGeom>
+          <a:solidFill>
+            <a:schemeClr val="accent6">
+              <a:lumMod val="20000"/>
+              <a:lumOff val="80000"/>
+            </a:schemeClr>
+          </a:solidFill>
+        </p:spPr>
+        <p:txBody>
+          <a:bodyPr wrap="square" rtlCol="0">
+            <a:spAutoFit/>
+          </a:bodyPr>
+          <a:lstStyle/>
+          <a:p>
+            <a:pPr algn="ctr"/>
+            <a:r>
+              <a:rPr lang="zh-TW" altLang="en-US" dirty="0" smtClean="0"/>
+              <a:t>管理客戶</a:t>
+            </a:r>
+            <a:endParaRPr lang="zh-TW" altLang="en-US" dirty="0"/>
+          </a:p>
+        </p:txBody>
+      </p:sp>
+      <p:sp>
+        <p:nvSpPr>
+          <p:cNvPr id="20" name="文字方塊 19"/>
+          <p:cNvSpPr txBox="1"/>
+          <p:nvPr/>
+        </p:nvSpPr>
+        <p:spPr>
+          <a:xfrm>
+            <a:off x="3675180" y="4240646"/>
+            <a:ext cx="1151793" cy="369332"/>
+          </a:xfrm>
+          <a:prstGeom prst="rect">
+            <a:avLst/>
+          </a:prstGeom>
+          <a:solidFill>
+            <a:schemeClr val="accent6">
+              <a:lumMod val="20000"/>
+              <a:lumOff val="80000"/>
+            </a:schemeClr>
+          </a:solidFill>
+        </p:spPr>
+        <p:txBody>
+          <a:bodyPr wrap="square" rtlCol="0">
+            <a:spAutoFit/>
+          </a:bodyPr>
+          <a:lstStyle/>
+          <a:p>
+            <a:pPr algn="ctr"/>
+            <a:r>
+              <a:rPr lang="zh-TW" altLang="en-US" dirty="0" smtClean="0"/>
+              <a:t>新增</a:t>
+            </a:r>
+            <a:r>
+              <a:rPr lang="zh-TW" altLang="en-US" dirty="0"/>
+              <a:t>客戶</a:t>
+            </a:r>
+          </a:p>
+        </p:txBody>
+      </p:sp>
+      <p:sp>
+        <p:nvSpPr>
+          <p:cNvPr id="21" name="文字方塊 20"/>
+          <p:cNvSpPr txBox="1"/>
+          <p:nvPr/>
+        </p:nvSpPr>
+        <p:spPr>
+          <a:xfrm>
+            <a:off x="3675179" y="4802621"/>
+            <a:ext cx="1151793" cy="369332"/>
+          </a:xfrm>
+          <a:prstGeom prst="rect">
+            <a:avLst/>
+          </a:prstGeom>
+          <a:solidFill>
+            <a:schemeClr val="accent6">
+              <a:lumMod val="20000"/>
+              <a:lumOff val="80000"/>
+            </a:schemeClr>
+          </a:solidFill>
+        </p:spPr>
+        <p:txBody>
+          <a:bodyPr wrap="square" rtlCol="0">
+            <a:spAutoFit/>
+          </a:bodyPr>
+          <a:lstStyle/>
+          <a:p>
+            <a:pPr algn="ctr"/>
+            <a:r>
+              <a:rPr lang="zh-TW" altLang="en-US" dirty="0" smtClean="0"/>
+              <a:t>編輯</a:t>
+            </a:r>
+            <a:r>
+              <a:rPr lang="zh-TW" altLang="en-US" dirty="0"/>
+              <a:t>客戶</a:t>
+            </a:r>
+          </a:p>
+        </p:txBody>
+      </p:sp>
+      <p:sp>
+        <p:nvSpPr>
+          <p:cNvPr id="22" name="文字方塊 21"/>
+          <p:cNvSpPr txBox="1"/>
+          <p:nvPr/>
+        </p:nvSpPr>
+        <p:spPr>
+          <a:xfrm>
+            <a:off x="3675178" y="5364596"/>
+            <a:ext cx="1151793" cy="369332"/>
+          </a:xfrm>
+          <a:prstGeom prst="rect">
+            <a:avLst/>
+          </a:prstGeom>
+          <a:solidFill>
+            <a:schemeClr val="accent6">
+              <a:lumMod val="20000"/>
+              <a:lumOff val="80000"/>
+            </a:schemeClr>
+          </a:solidFill>
+        </p:spPr>
+        <p:txBody>
+          <a:bodyPr wrap="square" rtlCol="0">
+            <a:spAutoFit/>
+          </a:bodyPr>
+          <a:lstStyle/>
+          <a:p>
+            <a:pPr algn="ctr"/>
+            <a:r>
+              <a:rPr lang="zh-TW" altLang="en-US" dirty="0" smtClean="0"/>
+              <a:t>刪除</a:t>
+            </a:r>
+            <a:r>
+              <a:rPr lang="zh-TW" altLang="en-US" dirty="0"/>
+              <a:t>客戶</a:t>
+            </a:r>
+          </a:p>
+        </p:txBody>
+      </p:sp>
+      <p:sp>
+        <p:nvSpPr>
+          <p:cNvPr id="23" name="文字方塊 22"/>
+          <p:cNvSpPr txBox="1"/>
+          <p:nvPr/>
+        </p:nvSpPr>
+        <p:spPr>
+          <a:xfrm>
+            <a:off x="4980101" y="3654858"/>
+            <a:ext cx="1732825" cy="369332"/>
+          </a:xfrm>
+          <a:prstGeom prst="rect">
+            <a:avLst/>
+          </a:prstGeom>
+          <a:solidFill>
+            <a:schemeClr val="accent6">
+              <a:lumMod val="20000"/>
+              <a:lumOff val="80000"/>
+            </a:schemeClr>
+          </a:solidFill>
+        </p:spPr>
+        <p:txBody>
+          <a:bodyPr wrap="square" rtlCol="0">
+            <a:spAutoFit/>
+          </a:bodyPr>
+          <a:lstStyle/>
+          <a:p>
+            <a:pPr algn="ctr"/>
+            <a:r>
+              <a:rPr lang="zh-TW" altLang="en-US" dirty="0" smtClean="0"/>
+              <a:t>修改個人資料</a:t>
+            </a:r>
+            <a:endParaRPr lang="zh-TW" altLang="en-US" dirty="0"/>
+          </a:p>
+        </p:txBody>
+      </p:sp>
+      <p:sp>
+        <p:nvSpPr>
+          <p:cNvPr id="24" name="文字方塊 23"/>
+          <p:cNvSpPr txBox="1"/>
+          <p:nvPr/>
+        </p:nvSpPr>
+        <p:spPr>
+          <a:xfrm>
+            <a:off x="4980100" y="4240646"/>
+            <a:ext cx="1732825" cy="369332"/>
+          </a:xfrm>
+          <a:prstGeom prst="rect">
+            <a:avLst/>
+          </a:prstGeom>
+          <a:solidFill>
+            <a:schemeClr val="accent6">
+              <a:lumMod val="20000"/>
+              <a:lumOff val="80000"/>
+            </a:schemeClr>
+          </a:solidFill>
+        </p:spPr>
+        <p:txBody>
+          <a:bodyPr wrap="square" rtlCol="0">
+            <a:spAutoFit/>
+          </a:bodyPr>
+          <a:lstStyle/>
+          <a:p>
+            <a:pPr algn="ctr"/>
+            <a:r>
+              <a:rPr lang="zh-TW" altLang="en-US" dirty="0" smtClean="0"/>
+              <a:t>管理員工</a:t>
+            </a:r>
+            <a:endParaRPr lang="zh-TW" altLang="en-US" dirty="0"/>
+          </a:p>
+        </p:txBody>
+      </p:sp>
+      <p:sp>
+        <p:nvSpPr>
+          <p:cNvPr id="26" name="文字方塊 25"/>
+          <p:cNvSpPr txBox="1"/>
+          <p:nvPr/>
+        </p:nvSpPr>
+        <p:spPr>
+          <a:xfrm>
+            <a:off x="9442908" y="3631968"/>
+            <a:ext cx="1151793" cy="369332"/>
+          </a:xfrm>
+          <a:prstGeom prst="rect">
+            <a:avLst/>
+          </a:prstGeom>
+          <a:solidFill>
+            <a:schemeClr val="accent1">
+              <a:lumMod val="40000"/>
+              <a:lumOff val="60000"/>
+            </a:schemeClr>
+          </a:solidFill>
+        </p:spPr>
+        <p:txBody>
+          <a:bodyPr wrap="square" rtlCol="0">
+            <a:spAutoFit/>
+          </a:bodyPr>
+          <a:lstStyle/>
+          <a:p>
+            <a:pPr algn="ctr"/>
+            <a:r>
+              <a:rPr lang="zh-TW" altLang="en-US" dirty="0" smtClean="0"/>
+              <a:t>新增訂單</a:t>
+            </a:r>
+            <a:endParaRPr lang="zh-TW" altLang="en-US" dirty="0"/>
+          </a:p>
+        </p:txBody>
+      </p:sp>
+      <p:sp>
+        <p:nvSpPr>
+          <p:cNvPr id="27" name="文字方塊 26"/>
+          <p:cNvSpPr txBox="1"/>
+          <p:nvPr/>
+        </p:nvSpPr>
+        <p:spPr>
+          <a:xfrm>
+            <a:off x="9442908" y="4193943"/>
+            <a:ext cx="1151793" cy="369332"/>
+          </a:xfrm>
+          <a:prstGeom prst="rect">
+            <a:avLst/>
+          </a:prstGeom>
+          <a:solidFill>
+            <a:schemeClr val="accent1">
+              <a:lumMod val="40000"/>
+              <a:lumOff val="60000"/>
+            </a:schemeClr>
+          </a:solidFill>
+        </p:spPr>
+        <p:txBody>
+          <a:bodyPr wrap="square" rtlCol="0">
+            <a:spAutoFit/>
+          </a:bodyPr>
+          <a:lstStyle/>
+          <a:p>
+            <a:pPr algn="ctr"/>
+            <a:r>
+              <a:rPr lang="zh-TW" altLang="en-US" dirty="0" smtClean="0"/>
+              <a:t>查詢訂單</a:t>
+            </a:r>
+            <a:endParaRPr lang="zh-TW" altLang="en-US" dirty="0"/>
+          </a:p>
+        </p:txBody>
+      </p:sp>
+      <p:sp>
+        <p:nvSpPr>
+          <p:cNvPr id="28" name="文字方塊 27"/>
+          <p:cNvSpPr txBox="1"/>
+          <p:nvPr/>
+        </p:nvSpPr>
+        <p:spPr>
+          <a:xfrm>
+            <a:off x="9442907" y="4755918"/>
+            <a:ext cx="1151793" cy="369332"/>
+          </a:xfrm>
+          <a:prstGeom prst="rect">
+            <a:avLst/>
+          </a:prstGeom>
+          <a:solidFill>
+            <a:schemeClr val="accent1">
+              <a:lumMod val="40000"/>
+              <a:lumOff val="60000"/>
+            </a:schemeClr>
+          </a:solidFill>
+        </p:spPr>
+        <p:txBody>
+          <a:bodyPr wrap="square" rtlCol="0">
+            <a:spAutoFit/>
+          </a:bodyPr>
+          <a:lstStyle/>
+          <a:p>
+            <a:pPr algn="ctr"/>
+            <a:r>
+              <a:rPr lang="zh-TW" altLang="en-US" dirty="0" smtClean="0"/>
+              <a:t>編輯訂單</a:t>
+            </a:r>
+            <a:endParaRPr lang="zh-TW" altLang="en-US" dirty="0"/>
+          </a:p>
+        </p:txBody>
+      </p:sp>
+      <p:sp>
+        <p:nvSpPr>
+          <p:cNvPr id="29" name="文字方塊 28"/>
+          <p:cNvSpPr txBox="1"/>
+          <p:nvPr/>
+        </p:nvSpPr>
+        <p:spPr>
+          <a:xfrm>
+            <a:off x="9442906" y="5317893"/>
+            <a:ext cx="1151793" cy="369332"/>
+          </a:xfrm>
+          <a:prstGeom prst="rect">
+            <a:avLst/>
+          </a:prstGeom>
+          <a:solidFill>
+            <a:schemeClr val="accent1">
+              <a:lumMod val="40000"/>
+              <a:lumOff val="60000"/>
+            </a:schemeClr>
+          </a:solidFill>
+        </p:spPr>
+        <p:txBody>
+          <a:bodyPr wrap="square" rtlCol="0">
+            <a:spAutoFit/>
+          </a:bodyPr>
+          <a:lstStyle/>
+          <a:p>
+            <a:pPr algn="ctr"/>
+            <a:r>
+              <a:rPr lang="zh-TW" altLang="en-US" dirty="0" smtClean="0"/>
+              <a:t>刪除訂單</a:t>
+            </a:r>
+            <a:endParaRPr lang="zh-TW" altLang="en-US" dirty="0"/>
+          </a:p>
+        </p:txBody>
+      </p:sp>
+      <p:sp>
+        <p:nvSpPr>
+          <p:cNvPr id="33" name="文字方塊 32"/>
+          <p:cNvSpPr txBox="1"/>
+          <p:nvPr/>
+        </p:nvSpPr>
+        <p:spPr>
+          <a:xfrm>
+            <a:off x="6846277" y="3116696"/>
+            <a:ext cx="1732817" cy="369332"/>
+          </a:xfrm>
+          <a:prstGeom prst="rect">
+            <a:avLst/>
+          </a:prstGeom>
+          <a:solidFill>
+            <a:schemeClr val="accent3">
+              <a:lumMod val="20000"/>
+              <a:lumOff val="80000"/>
+            </a:schemeClr>
+          </a:solidFill>
+        </p:spPr>
+        <p:txBody>
+          <a:bodyPr wrap="square" rtlCol="0">
+            <a:spAutoFit/>
+          </a:bodyPr>
+          <a:lstStyle/>
+          <a:p>
+            <a:pPr algn="ctr"/>
+            <a:r>
+              <a:rPr lang="zh-TW" altLang="en-US" dirty="0" smtClean="0"/>
+              <a:t>報表管理</a:t>
+            </a:r>
+            <a:endParaRPr lang="zh-TW" altLang="en-US" dirty="0"/>
+          </a:p>
+        </p:txBody>
+      </p:sp>
+      <p:sp>
+        <p:nvSpPr>
+          <p:cNvPr id="35" name="文字方塊 34"/>
+          <p:cNvSpPr txBox="1"/>
+          <p:nvPr/>
+        </p:nvSpPr>
+        <p:spPr>
+          <a:xfrm>
+            <a:off x="6846269" y="3654858"/>
+            <a:ext cx="1732825" cy="369332"/>
+          </a:xfrm>
+          <a:prstGeom prst="rect">
+            <a:avLst/>
+          </a:prstGeom>
+          <a:solidFill>
+            <a:schemeClr val="accent6">
+              <a:lumMod val="20000"/>
+              <a:lumOff val="80000"/>
+            </a:schemeClr>
+          </a:solidFill>
+        </p:spPr>
+        <p:txBody>
+          <a:bodyPr wrap="square" rtlCol="0">
+            <a:spAutoFit/>
+          </a:bodyPr>
+          <a:lstStyle/>
+          <a:p>
+            <a:pPr algn="ctr"/>
+            <a:r>
+              <a:rPr lang="zh-TW" altLang="en-US" dirty="0" smtClean="0"/>
+              <a:t>員工銷售圖表</a:t>
+            </a:r>
+            <a:endParaRPr lang="zh-TW" altLang="en-US" dirty="0"/>
+          </a:p>
+        </p:txBody>
+      </p:sp>
+      <p:sp>
+        <p:nvSpPr>
+          <p:cNvPr id="37" name="文字方塊 36"/>
+          <p:cNvSpPr txBox="1"/>
+          <p:nvPr/>
+        </p:nvSpPr>
+        <p:spPr>
+          <a:xfrm>
+            <a:off x="6846268" y="4240646"/>
+            <a:ext cx="1732825" cy="369332"/>
+          </a:xfrm>
+          <a:prstGeom prst="rect">
+            <a:avLst/>
+          </a:prstGeom>
+          <a:solidFill>
+            <a:schemeClr val="accent6">
+              <a:lumMod val="20000"/>
+              <a:lumOff val="80000"/>
+            </a:schemeClr>
+          </a:solidFill>
+        </p:spPr>
+        <p:txBody>
+          <a:bodyPr wrap="square" rtlCol="0">
+            <a:spAutoFit/>
+          </a:bodyPr>
+          <a:lstStyle/>
+          <a:p>
+            <a:pPr algn="ctr"/>
+            <a:r>
+              <a:rPr lang="zh-TW" altLang="en-US" dirty="0" smtClean="0"/>
+              <a:t>產品銷售</a:t>
+            </a:r>
+            <a:r>
+              <a:rPr lang="zh-TW" altLang="en-US" dirty="0"/>
+              <a:t>圖表</a:t>
+            </a:r>
+          </a:p>
+        </p:txBody>
+      </p:sp>
+      <p:sp>
+        <p:nvSpPr>
+          <p:cNvPr id="38" name="文字方塊 37"/>
+          <p:cNvSpPr txBox="1"/>
+          <p:nvPr/>
+        </p:nvSpPr>
+        <p:spPr>
+          <a:xfrm>
+            <a:off x="6849178" y="4755918"/>
+            <a:ext cx="1732825" cy="369332"/>
+          </a:xfrm>
+          <a:prstGeom prst="rect">
+            <a:avLst/>
+          </a:prstGeom>
+          <a:solidFill>
+            <a:schemeClr val="accent6">
+              <a:lumMod val="20000"/>
+              <a:lumOff val="80000"/>
+            </a:schemeClr>
+          </a:solidFill>
+        </p:spPr>
+        <p:txBody>
+          <a:bodyPr wrap="square" rtlCol="0">
+            <a:spAutoFit/>
+          </a:bodyPr>
+          <a:lstStyle/>
+          <a:p>
+            <a:pPr algn="ctr"/>
+            <a:r>
+              <a:rPr lang="zh-TW" altLang="en-US" dirty="0" smtClean="0"/>
+              <a:t>客戶銷售</a:t>
+            </a:r>
+            <a:r>
+              <a:rPr lang="zh-TW" altLang="en-US" dirty="0"/>
+              <a:t>圖表</a:t>
+            </a:r>
+          </a:p>
+        </p:txBody>
+      </p:sp>
+      <p:cxnSp>
+        <p:nvCxnSpPr>
+          <p:cNvPr id="41" name="肘形接點 40"/>
+          <p:cNvCxnSpPr>
+            <a:stCxn id="3" idx="2"/>
+            <a:endCxn id="5" idx="0"/>
+          </p:cNvCxnSpPr>
+          <p:nvPr/>
+        </p:nvCxnSpPr>
+        <p:spPr>
+          <a:xfrm rot="16200000" flipH="1">
+            <a:off x="7879241" y="388573"/>
+            <a:ext cx="436189" cy="3823893"/>
+          </a:xfrm>
+          <a:prstGeom prst="bentConnector3">
+            <a:avLst>
+              <a:gd name="adj1" fmla="val 50000"/>
+            </a:avLst>
+          </a:prstGeom>
+          <a:ln>
+            <a:tailEnd type="triangle"/>
+          </a:ln>
+        </p:spPr>
+        <p:style>
+          <a:lnRef idx="1">
+            <a:schemeClr val="accent1"/>
+          </a:lnRef>
+          <a:fillRef idx="0">
+            <a:schemeClr val="accent1"/>
+          </a:fillRef>
+          <a:effectRef idx="0">
+            <a:schemeClr val="accent1"/>
+          </a:effectRef>
+          <a:fontRef idx="minor">
+            <a:schemeClr val="tx1"/>
+          </a:fontRef>
+        </p:style>
+      </p:cxnSp>
+      <p:cxnSp>
+        <p:nvCxnSpPr>
+          <p:cNvPr id="44" name="肘形接點 43"/>
+          <p:cNvCxnSpPr>
+            <a:stCxn id="3" idx="2"/>
+            <a:endCxn id="4" idx="0"/>
+          </p:cNvCxnSpPr>
+          <p:nvPr/>
+        </p:nvCxnSpPr>
+        <p:spPr>
+          <a:xfrm rot="5400000">
+            <a:off x="4992153" y="1341348"/>
+            <a:ext cx="452158" cy="1934314"/>
+          </a:xfrm>
+          <a:prstGeom prst="bentConnector3">
+            <a:avLst>
+              <a:gd name="adj1" fmla="val 50000"/>
+            </a:avLst>
+          </a:prstGeom>
+          <a:ln>
+            <a:tailEnd type="triangle"/>
+          </a:ln>
+        </p:spPr>
+        <p:style>
+          <a:lnRef idx="1">
+            <a:schemeClr val="accent1"/>
+          </a:lnRef>
+          <a:fillRef idx="0">
+            <a:schemeClr val="accent1"/>
+          </a:fillRef>
+          <a:effectRef idx="0">
+            <a:schemeClr val="accent1"/>
+          </a:effectRef>
+          <a:fontRef idx="minor">
+            <a:schemeClr val="tx1"/>
+          </a:fontRef>
+        </p:style>
+      </p:cxnSp>
+      <p:cxnSp>
+        <p:nvCxnSpPr>
+          <p:cNvPr id="50" name="直線單箭頭接點 49"/>
+          <p:cNvCxnSpPr>
+            <a:stCxn id="4" idx="2"/>
+            <a:endCxn id="6" idx="0"/>
+          </p:cNvCxnSpPr>
+          <p:nvPr/>
+        </p:nvCxnSpPr>
+        <p:spPr>
+          <a:xfrm flipH="1">
+            <a:off x="1641231" y="2903916"/>
+            <a:ext cx="2609844" cy="212780"/>
+          </a:xfrm>
+          <a:prstGeom prst="straightConnector1">
+            <a:avLst/>
+          </a:prstGeom>
+          <a:ln>
+            <a:tailEnd type="triangle"/>
+          </a:ln>
+        </p:spPr>
+        <p:style>
+          <a:lnRef idx="1">
+            <a:schemeClr val="accent1"/>
+          </a:lnRef>
+          <a:fillRef idx="0">
+            <a:schemeClr val="accent1"/>
+          </a:fillRef>
+          <a:effectRef idx="0">
+            <a:schemeClr val="accent1"/>
+          </a:effectRef>
+          <a:fontRef idx="minor">
+            <a:schemeClr val="tx1"/>
+          </a:fontRef>
+        </p:style>
+      </p:cxnSp>
+      <p:cxnSp>
+        <p:nvCxnSpPr>
+          <p:cNvPr id="52" name="直線單箭頭接點 51"/>
+          <p:cNvCxnSpPr>
+            <a:stCxn id="4" idx="2"/>
+            <a:endCxn id="7" idx="0"/>
+          </p:cNvCxnSpPr>
+          <p:nvPr/>
+        </p:nvCxnSpPr>
+        <p:spPr>
+          <a:xfrm flipH="1">
+            <a:off x="2946156" y="2903916"/>
+            <a:ext cx="1304919" cy="212780"/>
+          </a:xfrm>
+          <a:prstGeom prst="straightConnector1">
+            <a:avLst/>
+          </a:prstGeom>
+          <a:ln>
+            <a:tailEnd type="triangle"/>
+          </a:ln>
+        </p:spPr>
+        <p:style>
+          <a:lnRef idx="1">
+            <a:schemeClr val="accent1"/>
+          </a:lnRef>
+          <a:fillRef idx="0">
+            <a:schemeClr val="accent1"/>
+          </a:fillRef>
+          <a:effectRef idx="0">
+            <a:schemeClr val="accent1"/>
+          </a:effectRef>
+          <a:fontRef idx="minor">
+            <a:schemeClr val="tx1"/>
+          </a:fontRef>
+        </p:style>
+      </p:cxnSp>
+      <p:cxnSp>
+        <p:nvCxnSpPr>
+          <p:cNvPr id="55" name="直線單箭頭接點 54"/>
+          <p:cNvCxnSpPr>
+            <a:stCxn id="4" idx="2"/>
+            <a:endCxn id="8" idx="0"/>
+          </p:cNvCxnSpPr>
+          <p:nvPr/>
+        </p:nvCxnSpPr>
+        <p:spPr>
+          <a:xfrm>
+            <a:off x="4251075" y="2903916"/>
+            <a:ext cx="6" cy="217027"/>
+          </a:xfrm>
+          <a:prstGeom prst="straightConnector1">
+            <a:avLst/>
+          </a:prstGeom>
+          <a:ln>
+            <a:tailEnd type="triangle"/>
+          </a:ln>
+        </p:spPr>
+        <p:style>
+          <a:lnRef idx="1">
+            <a:schemeClr val="accent1"/>
+          </a:lnRef>
+          <a:fillRef idx="0">
+            <a:schemeClr val="accent1"/>
+          </a:fillRef>
+          <a:effectRef idx="0">
+            <a:schemeClr val="accent1"/>
+          </a:effectRef>
+          <a:fontRef idx="minor">
+            <a:schemeClr val="tx1"/>
+          </a:fontRef>
+        </p:style>
+      </p:cxnSp>
+      <p:cxnSp>
+        <p:nvCxnSpPr>
+          <p:cNvPr id="58" name="直線單箭頭接點 57"/>
+          <p:cNvCxnSpPr>
+            <a:stCxn id="4" idx="2"/>
+            <a:endCxn id="9" idx="0"/>
+          </p:cNvCxnSpPr>
+          <p:nvPr/>
+        </p:nvCxnSpPr>
+        <p:spPr>
+          <a:xfrm>
+            <a:off x="4251075" y="2903916"/>
+            <a:ext cx="1595443" cy="212780"/>
+          </a:xfrm>
+          <a:prstGeom prst="straightConnector1">
+            <a:avLst/>
+          </a:prstGeom>
+          <a:ln>
+            <a:tailEnd type="triangle"/>
+          </a:ln>
+        </p:spPr>
+        <p:style>
+          <a:lnRef idx="1">
+            <a:schemeClr val="accent1"/>
+          </a:lnRef>
+          <a:fillRef idx="0">
+            <a:schemeClr val="accent1"/>
+          </a:fillRef>
+          <a:effectRef idx="0">
+            <a:schemeClr val="accent1"/>
+          </a:effectRef>
+          <a:fontRef idx="minor">
+            <a:schemeClr val="tx1"/>
+          </a:fontRef>
+        </p:style>
+      </p:cxnSp>
+      <p:cxnSp>
+        <p:nvCxnSpPr>
+          <p:cNvPr id="61" name="直線單箭頭接點 60"/>
+          <p:cNvCxnSpPr>
+            <a:stCxn id="4" idx="2"/>
+            <a:endCxn id="33" idx="0"/>
+          </p:cNvCxnSpPr>
+          <p:nvPr/>
+        </p:nvCxnSpPr>
+        <p:spPr>
+          <a:xfrm>
+            <a:off x="4251075" y="2903916"/>
+            <a:ext cx="3461611" cy="212780"/>
+          </a:xfrm>
+          <a:prstGeom prst="straightConnector1">
+            <a:avLst/>
+          </a:prstGeom>
+          <a:ln>
+            <a:tailEnd type="triangle"/>
+          </a:ln>
+        </p:spPr>
+        <p:style>
+          <a:lnRef idx="1">
+            <a:schemeClr val="accent1"/>
+          </a:lnRef>
+          <a:fillRef idx="0">
+            <a:schemeClr val="accent1"/>
+          </a:fillRef>
+          <a:effectRef idx="0">
+            <a:schemeClr val="accent1"/>
+          </a:effectRef>
+          <a:fontRef idx="minor">
+            <a:schemeClr val="tx1"/>
+          </a:fontRef>
+        </p:style>
+      </p:cxnSp>
+      <p:cxnSp>
+        <p:nvCxnSpPr>
+          <p:cNvPr id="64" name="直線單箭頭接點 63"/>
+          <p:cNvCxnSpPr/>
+          <p:nvPr/>
+        </p:nvCxnSpPr>
+        <p:spPr>
+          <a:xfrm>
+            <a:off x="10009274" y="2856705"/>
+            <a:ext cx="6" cy="217027"/>
+          </a:xfrm>
+          <a:prstGeom prst="straightConnector1">
+            <a:avLst/>
+          </a:prstGeom>
+          <a:ln>
+            <a:tailEnd type="triangle"/>
+          </a:ln>
+        </p:spPr>
+        <p:style>
+          <a:lnRef idx="1">
+            <a:schemeClr val="accent1"/>
+          </a:lnRef>
+          <a:fillRef idx="0">
+            <a:schemeClr val="accent1"/>
+          </a:fillRef>
+          <a:effectRef idx="0">
+            <a:schemeClr val="accent1"/>
+          </a:effectRef>
+          <a:fontRef idx="minor">
+            <a:schemeClr val="tx1"/>
+          </a:fontRef>
+        </p:style>
+      </p:cxnSp>
+    </p:spTree>
+    <p:extLst>
+      <p:ext uri="{BB962C8B-B14F-4D97-AF65-F5344CB8AC3E}">
+        <p14:creationId xmlns:p14="http://schemas.microsoft.com/office/powerpoint/2010/main" val="1985074326"/>
+      </p:ext>
+    </p:extLst>
+  </p:cSld>
+  <p:clrMapOvr>
+    <a:masterClrMapping/>
+  </p:clrMapOvr>
+  <mc:AlternateContent xmlns:mc="http://schemas.openxmlformats.org/markup-compatibility/2006" xmlns:p14="http://schemas.microsoft.com/office/powerpoint/2010/main">
+    <mc:Choice Requires="p14">
+      <p:transition spd="med" p14:dur="700">
+        <p:fade/>
+      </p:transition>
+    </mc:Choice>
+    <mc:Fallback xmlns="">
+      <p:transition spd="med">
+        <p:fade/>
+      </p:transition>
+    </mc:Fallback>
+  </mc:AlternateContent>
+  <p:timing>
+    <p:tnLst>
+      <p:par>
+        <p:cTn id="1" dur="indefinite" restart="never" nodeType="tmRoot"/>
+      </p:par>
+    </p:tnLst>
+  </p:timing>
+</p:sld>
+</file>
+
+<file path=ppt/slides/slide19.xml><?xml version="1.0" encoding="utf-8"?>
+<p:sld xmlns:a="http://schemas.openxmlformats.org/drawingml/2006/main" xmlns:r="http://schemas.openxmlformats.org/officeDocument/2006/relationships" xmlns:p="http://schemas.openxmlformats.org/presentationml/2006/main">
+  <p:cSld>
+    <p:spTree>
+      <p:nvGrpSpPr>
+        <p:cNvPr id="1" name=""/>
+        <p:cNvGrpSpPr/>
+        <p:nvPr/>
+      </p:nvGrpSpPr>
+      <p:grpSpPr>
+        <a:xfrm>
+          <a:off x="0" y="0"/>
+          <a:ext cx="0" cy="0"/>
+          <a:chOff x="0" y="0"/>
+          <a:chExt cx="0" cy="0"/>
+        </a:xfrm>
+      </p:grpSpPr>
+      <p:sp>
+        <p:nvSpPr>
+          <p:cNvPr id="2" name="標題 1"/>
+          <p:cNvSpPr>
+            <a:spLocks noGrp="1"/>
+          </p:cNvSpPr>
+          <p:nvPr>
+            <p:ph type="title"/>
+          </p:nvPr>
+        </p:nvSpPr>
+        <p:spPr/>
+        <p:txBody>
+          <a:bodyPr/>
+          <a:lstStyle/>
+          <a:p>
+            <a:r>
+              <a:rPr lang="zh-TW" altLang="en-US" smtClean="0"/>
+              <a:t>首頁</a:t>
+            </a:r>
+            <a:r>
+              <a:rPr lang="zh-TW" altLang="en-US" smtClean="0"/>
+              <a:t>和登入</a:t>
+            </a:r>
+            <a:endParaRPr lang="zh-TW" altLang="en-US" dirty="0"/>
+          </a:p>
+        </p:txBody>
+      </p:sp>
+      <p:pic>
+        <p:nvPicPr>
+          <p:cNvPr id="3" name="圖片 2"/>
+          <p:cNvPicPr>
+            <a:picLocks noChangeAspect="1"/>
+          </p:cNvPicPr>
+          <p:nvPr/>
+        </p:nvPicPr>
+        <p:blipFill>
+          <a:blip r:embed="rId2"/>
+          <a:stretch>
+            <a:fillRect/>
+          </a:stretch>
+        </p:blipFill>
+        <p:spPr>
+          <a:xfrm>
+            <a:off x="430822" y="1916639"/>
+            <a:ext cx="6418018" cy="3918521"/>
+          </a:xfrm>
+          <a:prstGeom prst="rect">
+            <a:avLst/>
+          </a:prstGeom>
+        </p:spPr>
+      </p:pic>
+      <p:pic>
+        <p:nvPicPr>
+          <p:cNvPr id="4" name="圖片 3"/>
+          <p:cNvPicPr>
+            <a:picLocks noChangeAspect="1"/>
+          </p:cNvPicPr>
+          <p:nvPr/>
+        </p:nvPicPr>
+        <p:blipFill>
+          <a:blip r:embed="rId3">
+            <a:extLst>
+              <a:ext uri="{28A0092B-C50C-407E-A947-70E740481C1C}">
+                <a14:useLocalDpi xmlns:a14="http://schemas.microsoft.com/office/drawing/2010/main" val="0"/>
+              </a:ext>
+            </a:extLst>
+          </a:blip>
+          <a:stretch>
+            <a:fillRect/>
+          </a:stretch>
+        </p:blipFill>
+        <p:spPr>
+          <a:xfrm>
+            <a:off x="7119425" y="157969"/>
+            <a:ext cx="4160520" cy="2796540"/>
+          </a:xfrm>
+          <a:prstGeom prst="rect">
+            <a:avLst/>
+          </a:prstGeom>
+        </p:spPr>
+      </p:pic>
+      <p:pic>
+        <p:nvPicPr>
+          <p:cNvPr id="5" name="圖片 4"/>
+          <p:cNvPicPr>
+            <a:picLocks noChangeAspect="1"/>
+          </p:cNvPicPr>
+          <p:nvPr/>
+        </p:nvPicPr>
+        <p:blipFill>
+          <a:blip r:embed="rId4">
+            <a:extLst>
+              <a:ext uri="{28A0092B-C50C-407E-A947-70E740481C1C}">
+                <a14:useLocalDpi xmlns:a14="http://schemas.microsoft.com/office/drawing/2010/main" val="0"/>
+              </a:ext>
+            </a:extLst>
+          </a:blip>
+          <a:stretch>
+            <a:fillRect/>
+          </a:stretch>
+        </p:blipFill>
+        <p:spPr>
+          <a:xfrm>
+            <a:off x="7157525" y="3112771"/>
+            <a:ext cx="4160520" cy="2796540"/>
+          </a:xfrm>
+          <a:prstGeom prst="rect">
+            <a:avLst/>
+          </a:prstGeom>
+        </p:spPr>
+      </p:pic>
+    </p:spTree>
+    <p:extLst>
+      <p:ext uri="{BB962C8B-B14F-4D97-AF65-F5344CB8AC3E}">
+        <p14:creationId xmlns:p14="http://schemas.microsoft.com/office/powerpoint/2010/main" val="4015596952"/>
+      </p:ext>
+    </p:extLst>
+  </p:cSld>
+  <p:clrMapOvr>
+    <a:masterClrMapping/>
+  </p:clrMapOvr>
+  <mc:AlternateContent xmlns:mc="http://schemas.openxmlformats.org/markup-compatibility/2006" xmlns:p14="http://schemas.microsoft.com/office/powerpoint/2010/main">
+    <mc:Choice Requires="p14">
+      <p:transition spd="med" p14:dur="700">
+        <p:fade/>
+      </p:transition>
+    </mc:Choice>
+    <mc:Fallback xmlns="">
+      <p:transition spd="med">
+        <p:fade/>
+      </p:transition>
+    </mc:Fallback>
+  </mc:AlternateContent>
+  <p:timing>
+    <p:tnLst>
+      <p:par>
+        <p:cTn id="1" dur="indefinite" restart="never" nodeType="tmRoot"/>
+      </p:par>
+    </p:tnLst>
+  </p:timing>
 </p:sld>
 </file>
 
@@ -16298,6 +18821,25 @@
               <a:rPr lang="zh-TW" altLang="en-US" dirty="0" smtClean="0"/>
               <a:t>使用介面介紹</a:t>
             </a:r>
+            <a:endParaRPr lang="en-US" altLang="zh-TW" dirty="0" smtClean="0"/>
+          </a:p>
+          <a:p>
+            <a:r>
+              <a:rPr lang="en-US" altLang="zh-TW" dirty="0" smtClean="0"/>
+              <a:t>GitHub </a:t>
+            </a:r>
+            <a:r>
+              <a:rPr lang="zh-TW" altLang="en-US" dirty="0" smtClean="0"/>
+              <a:t>說明網址</a:t>
+            </a:r>
+            <a:endParaRPr lang="en-US" altLang="zh-TW" dirty="0" smtClean="0"/>
+          </a:p>
+          <a:p>
+            <a:pPr lvl="1"/>
+            <a:r>
+              <a:rPr lang="en-US" altLang="zh-TW" dirty="0"/>
+              <a:t>https://github.com/guyverfax/SportProject</a:t>
+            </a:r>
             <a:endParaRPr lang="zh-TW" altLang="en-US" dirty="0"/>
           </a:p>
         </p:txBody>
@@ -16324,6 +18866,1186 @@
       </p:transition>
     </mc:Fallback>
   </mc:AlternateContent>
+  <p:timing>
+    <p:tnLst>
+      <p:par>
+        <p:cTn id="1" dur="indefinite" restart="never" nodeType="tmRoot"/>
+      </p:par>
+    </p:tnLst>
+  </p:timing>
+</p:sld>
+</file>
+
+<file path=ppt/slides/slide20.xml><?xml version="1.0" encoding="utf-8"?>
+<p:sld xmlns:a="http://schemas.openxmlformats.org/drawingml/2006/main" xmlns:r="http://schemas.openxmlformats.org/officeDocument/2006/relationships" xmlns:p="http://schemas.openxmlformats.org/presentationml/2006/main">
+  <p:cSld>
+    <p:spTree>
+      <p:nvGrpSpPr>
+        <p:cNvPr id="1" name=""/>
+        <p:cNvGrpSpPr/>
+        <p:nvPr/>
+      </p:nvGrpSpPr>
+      <p:grpSpPr>
+        <a:xfrm>
+          <a:off x="0" y="0"/>
+          <a:ext cx="0" cy="0"/>
+          <a:chOff x="0" y="0"/>
+          <a:chExt cx="0" cy="0"/>
+        </a:xfrm>
+      </p:grpSpPr>
+      <p:sp>
+        <p:nvSpPr>
+          <p:cNvPr id="2" name="標題 1"/>
+          <p:cNvSpPr>
+            <a:spLocks noGrp="1"/>
+          </p:cNvSpPr>
+          <p:nvPr>
+            <p:ph type="title"/>
+          </p:nvPr>
+        </p:nvSpPr>
+        <p:spPr/>
+        <p:txBody>
+          <a:bodyPr/>
+          <a:lstStyle/>
+          <a:p>
+            <a:r>
+              <a:rPr lang="zh-TW" altLang="en-US" dirty="0" smtClean="0"/>
+              <a:t>員工管理主頁</a:t>
+            </a:r>
+            <a:endParaRPr lang="zh-TW" altLang="en-US" dirty="0"/>
+          </a:p>
+        </p:txBody>
+      </p:sp>
+      <p:pic>
+        <p:nvPicPr>
+          <p:cNvPr id="4" name="圖片 3"/>
+          <p:cNvPicPr>
+            <a:picLocks noChangeAspect="1"/>
+          </p:cNvPicPr>
+          <p:nvPr/>
+        </p:nvPicPr>
+        <p:blipFill>
+          <a:blip r:embed="rId2">
+            <a:extLst>
+              <a:ext uri="{28A0092B-C50C-407E-A947-70E740481C1C}">
+                <a14:useLocalDpi xmlns:a14="http://schemas.microsoft.com/office/drawing/2010/main" val="0"/>
+              </a:ext>
+            </a:extLst>
+          </a:blip>
+          <a:stretch>
+            <a:fillRect/>
+          </a:stretch>
+        </p:blipFill>
+        <p:spPr>
+          <a:xfrm>
+            <a:off x="4534193" y="1439887"/>
+            <a:ext cx="5585460" cy="4259580"/>
+          </a:xfrm>
+          <a:prstGeom prst="rect">
+            <a:avLst/>
+          </a:prstGeom>
+        </p:spPr>
+      </p:pic>
+    </p:spTree>
+    <p:extLst>
+      <p:ext uri="{BB962C8B-B14F-4D97-AF65-F5344CB8AC3E}">
+        <p14:creationId xmlns:p14="http://schemas.microsoft.com/office/powerpoint/2010/main" val="3328747926"/>
+      </p:ext>
+    </p:extLst>
+  </p:cSld>
+  <p:clrMapOvr>
+    <a:masterClrMapping/>
+  </p:clrMapOvr>
+  <mc:AlternateContent xmlns:mc="http://schemas.openxmlformats.org/markup-compatibility/2006" xmlns:p14="http://schemas.microsoft.com/office/powerpoint/2010/main">
+    <mc:Choice Requires="p14">
+      <p:transition spd="med" p14:dur="700">
+        <p:fade/>
+      </p:transition>
+    </mc:Choice>
+    <mc:Fallback xmlns="">
+      <p:transition spd="med">
+        <p:fade/>
+      </p:transition>
+    </mc:Fallback>
+  </mc:AlternateContent>
+  <p:timing>
+    <p:tnLst>
+      <p:par>
+        <p:cTn id="1" dur="indefinite" restart="never" nodeType="tmRoot"/>
+      </p:par>
+    </p:tnLst>
+  </p:timing>
+</p:sld>
+</file>
+
+<file path=ppt/slides/slide21.xml><?xml version="1.0" encoding="utf-8"?>
+<p:sld xmlns:a="http://schemas.openxmlformats.org/drawingml/2006/main" xmlns:r="http://schemas.openxmlformats.org/officeDocument/2006/relationships" xmlns:p="http://schemas.openxmlformats.org/presentationml/2006/main">
+  <p:cSld>
+    <p:spTree>
+      <p:nvGrpSpPr>
+        <p:cNvPr id="1" name=""/>
+        <p:cNvGrpSpPr/>
+        <p:nvPr/>
+      </p:nvGrpSpPr>
+      <p:grpSpPr>
+        <a:xfrm>
+          <a:off x="0" y="0"/>
+          <a:ext cx="0" cy="0"/>
+          <a:chOff x="0" y="0"/>
+          <a:chExt cx="0" cy="0"/>
+        </a:xfrm>
+      </p:grpSpPr>
+      <p:sp>
+        <p:nvSpPr>
+          <p:cNvPr id="2" name="標題 1"/>
+          <p:cNvSpPr>
+            <a:spLocks noGrp="1"/>
+          </p:cNvSpPr>
+          <p:nvPr>
+            <p:ph type="title"/>
+          </p:nvPr>
+        </p:nvSpPr>
+        <p:spPr/>
+        <p:txBody>
+          <a:bodyPr/>
+          <a:lstStyle/>
+          <a:p>
+            <a:r>
+              <a:rPr lang="zh-TW" altLang="en-US" dirty="0" smtClean="0"/>
+              <a:t>員工</a:t>
+            </a:r>
+            <a:r>
+              <a:rPr lang="en-US" altLang="zh-TW" dirty="0" smtClean="0"/>
+              <a:t>-</a:t>
+            </a:r>
+            <a:r>
+              <a:rPr lang="zh-TW" altLang="en-US" dirty="0" smtClean="0"/>
+              <a:t>新增訂單</a:t>
+            </a:r>
+            <a:endParaRPr lang="zh-TW" altLang="en-US" dirty="0"/>
+          </a:p>
+        </p:txBody>
+      </p:sp>
+      <p:pic>
+        <p:nvPicPr>
+          <p:cNvPr id="3" name="圖片 2"/>
+          <p:cNvPicPr>
+            <a:picLocks noChangeAspect="1"/>
+          </p:cNvPicPr>
+          <p:nvPr/>
+        </p:nvPicPr>
+        <p:blipFill>
+          <a:blip r:embed="rId2">
+            <a:extLst>
+              <a:ext uri="{28A0092B-C50C-407E-A947-70E740481C1C}">
+                <a14:useLocalDpi xmlns:a14="http://schemas.microsoft.com/office/drawing/2010/main" val="0"/>
+              </a:ext>
+            </a:extLst>
+          </a:blip>
+          <a:stretch>
+            <a:fillRect/>
+          </a:stretch>
+        </p:blipFill>
+        <p:spPr>
+          <a:xfrm>
+            <a:off x="4671060" y="1226820"/>
+            <a:ext cx="5593080" cy="3489960"/>
+          </a:xfrm>
+          <a:prstGeom prst="rect">
+            <a:avLst/>
+          </a:prstGeom>
+        </p:spPr>
+      </p:pic>
+    </p:spTree>
+    <p:extLst>
+      <p:ext uri="{BB962C8B-B14F-4D97-AF65-F5344CB8AC3E}">
+        <p14:creationId xmlns:p14="http://schemas.microsoft.com/office/powerpoint/2010/main" val="3601561361"/>
+      </p:ext>
+    </p:extLst>
+  </p:cSld>
+  <p:clrMapOvr>
+    <a:masterClrMapping/>
+  </p:clrMapOvr>
+  <mc:AlternateContent xmlns:mc="http://schemas.openxmlformats.org/markup-compatibility/2006" xmlns:p14="http://schemas.microsoft.com/office/powerpoint/2010/main">
+    <mc:Choice Requires="p14">
+      <p:transition spd="med" p14:dur="700">
+        <p:fade/>
+      </p:transition>
+    </mc:Choice>
+    <mc:Fallback xmlns="">
+      <p:transition spd="med">
+        <p:fade/>
+      </p:transition>
+    </mc:Fallback>
+  </mc:AlternateContent>
+  <p:timing>
+    <p:tnLst>
+      <p:par>
+        <p:cTn id="1" dur="indefinite" restart="never" nodeType="tmRoot"/>
+      </p:par>
+    </p:tnLst>
+  </p:timing>
+</p:sld>
+</file>
+
+<file path=ppt/slides/slide22.xml><?xml version="1.0" encoding="utf-8"?>
+<p:sld xmlns:a="http://schemas.openxmlformats.org/drawingml/2006/main" xmlns:r="http://schemas.openxmlformats.org/officeDocument/2006/relationships" xmlns:p="http://schemas.openxmlformats.org/presentationml/2006/main">
+  <p:cSld>
+    <p:spTree>
+      <p:nvGrpSpPr>
+        <p:cNvPr id="1" name=""/>
+        <p:cNvGrpSpPr/>
+        <p:nvPr/>
+      </p:nvGrpSpPr>
+      <p:grpSpPr>
+        <a:xfrm>
+          <a:off x="0" y="0"/>
+          <a:ext cx="0" cy="0"/>
+          <a:chOff x="0" y="0"/>
+          <a:chExt cx="0" cy="0"/>
+        </a:xfrm>
+      </p:grpSpPr>
+      <p:sp>
+        <p:nvSpPr>
+          <p:cNvPr id="2" name="標題 1"/>
+          <p:cNvSpPr>
+            <a:spLocks noGrp="1"/>
+          </p:cNvSpPr>
+          <p:nvPr>
+            <p:ph type="title"/>
+          </p:nvPr>
+        </p:nvSpPr>
+        <p:spPr/>
+        <p:txBody>
+          <a:bodyPr/>
+          <a:lstStyle/>
+          <a:p>
+            <a:r>
+              <a:rPr lang="zh-TW" altLang="en-US" dirty="0" smtClean="0"/>
+              <a:t>員工</a:t>
+            </a:r>
+            <a:r>
+              <a:rPr lang="en-US" altLang="zh-TW" dirty="0" smtClean="0"/>
+              <a:t>-</a:t>
+            </a:r>
+            <a:r>
+              <a:rPr lang="zh-TW" altLang="en-US" dirty="0" smtClean="0"/>
+              <a:t>新增訂單</a:t>
+            </a:r>
+            <a:endParaRPr lang="zh-TW" altLang="en-US" dirty="0"/>
+          </a:p>
+        </p:txBody>
+      </p:sp>
+      <p:pic>
+        <p:nvPicPr>
+          <p:cNvPr id="3" name="圖片 2"/>
+          <p:cNvPicPr>
+            <a:picLocks noChangeAspect="1"/>
+          </p:cNvPicPr>
+          <p:nvPr/>
+        </p:nvPicPr>
+        <p:blipFill>
+          <a:blip r:embed="rId2">
+            <a:extLst>
+              <a:ext uri="{28A0092B-C50C-407E-A947-70E740481C1C}">
+                <a14:useLocalDpi xmlns:a14="http://schemas.microsoft.com/office/drawing/2010/main" val="0"/>
+              </a:ext>
+            </a:extLst>
+          </a:blip>
+          <a:stretch>
+            <a:fillRect/>
+          </a:stretch>
+        </p:blipFill>
+        <p:spPr>
+          <a:xfrm>
+            <a:off x="4292991" y="1181394"/>
+            <a:ext cx="5593080" cy="4899660"/>
+          </a:xfrm>
+          <a:prstGeom prst="rect">
+            <a:avLst/>
+          </a:prstGeom>
+        </p:spPr>
+      </p:pic>
+    </p:spTree>
+    <p:extLst>
+      <p:ext uri="{BB962C8B-B14F-4D97-AF65-F5344CB8AC3E}">
+        <p14:creationId xmlns:p14="http://schemas.microsoft.com/office/powerpoint/2010/main" val="1381232069"/>
+      </p:ext>
+    </p:extLst>
+  </p:cSld>
+  <p:clrMapOvr>
+    <a:masterClrMapping/>
+  </p:clrMapOvr>
+  <mc:AlternateContent xmlns:mc="http://schemas.openxmlformats.org/markup-compatibility/2006" xmlns:p14="http://schemas.microsoft.com/office/powerpoint/2010/main">
+    <mc:Choice Requires="p14">
+      <p:transition spd="med" p14:dur="700">
+        <p:fade/>
+      </p:transition>
+    </mc:Choice>
+    <mc:Fallback xmlns="">
+      <p:transition spd="med">
+        <p:fade/>
+      </p:transition>
+    </mc:Fallback>
+  </mc:AlternateContent>
+  <p:timing>
+    <p:tnLst>
+      <p:par>
+        <p:cTn id="1" dur="indefinite" restart="never" nodeType="tmRoot"/>
+      </p:par>
+    </p:tnLst>
+  </p:timing>
+</p:sld>
+</file>
+
+<file path=ppt/slides/slide23.xml><?xml version="1.0" encoding="utf-8"?>
+<p:sld xmlns:a="http://schemas.openxmlformats.org/drawingml/2006/main" xmlns:r="http://schemas.openxmlformats.org/officeDocument/2006/relationships" xmlns:p="http://schemas.openxmlformats.org/presentationml/2006/main">
+  <p:cSld>
+    <p:spTree>
+      <p:nvGrpSpPr>
+        <p:cNvPr id="1" name=""/>
+        <p:cNvGrpSpPr/>
+        <p:nvPr/>
+      </p:nvGrpSpPr>
+      <p:grpSpPr>
+        <a:xfrm>
+          <a:off x="0" y="0"/>
+          <a:ext cx="0" cy="0"/>
+          <a:chOff x="0" y="0"/>
+          <a:chExt cx="0" cy="0"/>
+        </a:xfrm>
+      </p:grpSpPr>
+      <p:sp>
+        <p:nvSpPr>
+          <p:cNvPr id="2" name="標題 1"/>
+          <p:cNvSpPr>
+            <a:spLocks noGrp="1"/>
+          </p:cNvSpPr>
+          <p:nvPr>
+            <p:ph type="title"/>
+          </p:nvPr>
+        </p:nvSpPr>
+        <p:spPr/>
+        <p:txBody>
+          <a:bodyPr/>
+          <a:lstStyle/>
+          <a:p>
+            <a:r>
+              <a:rPr lang="zh-TW" altLang="en-US" dirty="0" smtClean="0"/>
+              <a:t>員工</a:t>
+            </a:r>
+            <a:r>
+              <a:rPr lang="en-US" altLang="zh-TW" dirty="0" smtClean="0"/>
+              <a:t>-</a:t>
+            </a:r>
+            <a:r>
+              <a:rPr lang="zh-TW" altLang="en-US" dirty="0" smtClean="0"/>
+              <a:t>新增訂單</a:t>
+            </a:r>
+            <a:endParaRPr lang="zh-TW" altLang="en-US" dirty="0"/>
+          </a:p>
+        </p:txBody>
+      </p:sp>
+      <p:pic>
+        <p:nvPicPr>
+          <p:cNvPr id="3" name="圖片 2"/>
+          <p:cNvPicPr>
+            <a:picLocks noChangeAspect="1"/>
+          </p:cNvPicPr>
+          <p:nvPr/>
+        </p:nvPicPr>
+        <p:blipFill>
+          <a:blip r:embed="rId2">
+            <a:extLst>
+              <a:ext uri="{28A0092B-C50C-407E-A947-70E740481C1C}">
+                <a14:useLocalDpi xmlns:a14="http://schemas.microsoft.com/office/drawing/2010/main" val="0"/>
+              </a:ext>
+            </a:extLst>
+          </a:blip>
+          <a:stretch>
+            <a:fillRect/>
+          </a:stretch>
+        </p:blipFill>
+        <p:spPr>
+          <a:xfrm>
+            <a:off x="4424876" y="1155016"/>
+            <a:ext cx="5593080" cy="4899660"/>
+          </a:xfrm>
+          <a:prstGeom prst="rect">
+            <a:avLst/>
+          </a:prstGeom>
+        </p:spPr>
+      </p:pic>
+    </p:spTree>
+    <p:extLst>
+      <p:ext uri="{BB962C8B-B14F-4D97-AF65-F5344CB8AC3E}">
+        <p14:creationId xmlns:p14="http://schemas.microsoft.com/office/powerpoint/2010/main" val="3255101702"/>
+      </p:ext>
+    </p:extLst>
+  </p:cSld>
+  <p:clrMapOvr>
+    <a:masterClrMapping/>
+  </p:clrMapOvr>
+  <mc:AlternateContent xmlns:mc="http://schemas.openxmlformats.org/markup-compatibility/2006" xmlns:p14="http://schemas.microsoft.com/office/powerpoint/2010/main">
+    <mc:Choice Requires="p14">
+      <p:transition spd="med" p14:dur="700">
+        <p:fade/>
+      </p:transition>
+    </mc:Choice>
+    <mc:Fallback xmlns="">
+      <p:transition spd="med">
+        <p:fade/>
+      </p:transition>
+    </mc:Fallback>
+  </mc:AlternateContent>
+  <p:timing>
+    <p:tnLst>
+      <p:par>
+        <p:cTn id="1" dur="indefinite" restart="never" nodeType="tmRoot"/>
+      </p:par>
+    </p:tnLst>
+  </p:timing>
+</p:sld>
+</file>
+
+<file path=ppt/slides/slide24.xml><?xml version="1.0" encoding="utf-8"?>
+<p:sld xmlns:a="http://schemas.openxmlformats.org/drawingml/2006/main" xmlns:r="http://schemas.openxmlformats.org/officeDocument/2006/relationships" xmlns:p="http://schemas.openxmlformats.org/presentationml/2006/main">
+  <p:cSld>
+    <p:spTree>
+      <p:nvGrpSpPr>
+        <p:cNvPr id="1" name=""/>
+        <p:cNvGrpSpPr/>
+        <p:nvPr/>
+      </p:nvGrpSpPr>
+      <p:grpSpPr>
+        <a:xfrm>
+          <a:off x="0" y="0"/>
+          <a:ext cx="0" cy="0"/>
+          <a:chOff x="0" y="0"/>
+          <a:chExt cx="0" cy="0"/>
+        </a:xfrm>
+      </p:grpSpPr>
+      <p:sp>
+        <p:nvSpPr>
+          <p:cNvPr id="2" name="標題 1"/>
+          <p:cNvSpPr>
+            <a:spLocks noGrp="1"/>
+          </p:cNvSpPr>
+          <p:nvPr>
+            <p:ph type="title"/>
+          </p:nvPr>
+        </p:nvSpPr>
+        <p:spPr/>
+        <p:txBody>
+          <a:bodyPr/>
+          <a:lstStyle/>
+          <a:p>
+            <a:r>
+              <a:rPr lang="zh-TW" altLang="en-US" dirty="0" smtClean="0"/>
+              <a:t>員工</a:t>
+            </a:r>
+            <a:r>
+              <a:rPr lang="en-US" altLang="zh-TW" dirty="0" smtClean="0"/>
+              <a:t>-</a:t>
+            </a:r>
+            <a:r>
+              <a:rPr lang="zh-TW" altLang="en-US" dirty="0" smtClean="0"/>
+              <a:t>新增訂單</a:t>
+            </a:r>
+            <a:endParaRPr lang="zh-TW" altLang="en-US" dirty="0"/>
+          </a:p>
+        </p:txBody>
+      </p:sp>
+      <p:pic>
+        <p:nvPicPr>
+          <p:cNvPr id="4" name="圖片 3"/>
+          <p:cNvPicPr>
+            <a:picLocks noChangeAspect="1"/>
+          </p:cNvPicPr>
+          <p:nvPr/>
+        </p:nvPicPr>
+        <p:blipFill>
+          <a:blip r:embed="rId2">
+            <a:extLst>
+              <a:ext uri="{28A0092B-C50C-407E-A947-70E740481C1C}">
+                <a14:useLocalDpi xmlns:a14="http://schemas.microsoft.com/office/drawing/2010/main" val="0"/>
+              </a:ext>
+            </a:extLst>
+          </a:blip>
+          <a:stretch>
+            <a:fillRect/>
+          </a:stretch>
+        </p:blipFill>
+        <p:spPr>
+          <a:xfrm>
+            <a:off x="1694864" y="2150305"/>
+            <a:ext cx="2506980" cy="1150620"/>
+          </a:xfrm>
+          <a:prstGeom prst="rect">
+            <a:avLst/>
+          </a:prstGeom>
+        </p:spPr>
+      </p:pic>
+      <p:pic>
+        <p:nvPicPr>
+          <p:cNvPr id="5" name="圖片 4"/>
+          <p:cNvPicPr>
+            <a:picLocks noChangeAspect="1"/>
+          </p:cNvPicPr>
+          <p:nvPr/>
+        </p:nvPicPr>
+        <p:blipFill>
+          <a:blip r:embed="rId3">
+            <a:extLst>
+              <a:ext uri="{28A0092B-C50C-407E-A947-70E740481C1C}">
+                <a14:useLocalDpi xmlns:a14="http://schemas.microsoft.com/office/drawing/2010/main" val="0"/>
+              </a:ext>
+            </a:extLst>
+          </a:blip>
+          <a:stretch>
+            <a:fillRect/>
+          </a:stretch>
+        </p:blipFill>
+        <p:spPr>
+          <a:xfrm>
+            <a:off x="4458845" y="1195753"/>
+            <a:ext cx="7249578" cy="3923079"/>
+          </a:xfrm>
+          <a:prstGeom prst="rect">
+            <a:avLst/>
+          </a:prstGeom>
+        </p:spPr>
+      </p:pic>
+    </p:spTree>
+    <p:extLst>
+      <p:ext uri="{BB962C8B-B14F-4D97-AF65-F5344CB8AC3E}">
+        <p14:creationId xmlns:p14="http://schemas.microsoft.com/office/powerpoint/2010/main" val="923043355"/>
+      </p:ext>
+    </p:extLst>
+  </p:cSld>
+  <p:clrMapOvr>
+    <a:masterClrMapping/>
+  </p:clrMapOvr>
+  <mc:AlternateContent xmlns:mc="http://schemas.openxmlformats.org/markup-compatibility/2006" xmlns:p14="http://schemas.microsoft.com/office/powerpoint/2010/main">
+    <mc:Choice Requires="p14">
+      <p:transition spd="med" p14:dur="700">
+        <p:fade/>
+      </p:transition>
+    </mc:Choice>
+    <mc:Fallback xmlns="">
+      <p:transition spd="med">
+        <p:fade/>
+      </p:transition>
+    </mc:Fallback>
+  </mc:AlternateContent>
+  <p:timing>
+    <p:tnLst>
+      <p:par>
+        <p:cTn id="1" dur="indefinite" restart="never" nodeType="tmRoot"/>
+      </p:par>
+    </p:tnLst>
+  </p:timing>
+</p:sld>
+</file>
+
+<file path=ppt/slides/slide25.xml><?xml version="1.0" encoding="utf-8"?>
+<p:sld xmlns:a="http://schemas.openxmlformats.org/drawingml/2006/main" xmlns:r="http://schemas.openxmlformats.org/officeDocument/2006/relationships" xmlns:p="http://schemas.openxmlformats.org/presentationml/2006/main">
+  <p:cSld>
+    <p:spTree>
+      <p:nvGrpSpPr>
+        <p:cNvPr id="1" name=""/>
+        <p:cNvGrpSpPr/>
+        <p:nvPr/>
+      </p:nvGrpSpPr>
+      <p:grpSpPr>
+        <a:xfrm>
+          <a:off x="0" y="0"/>
+          <a:ext cx="0" cy="0"/>
+          <a:chOff x="0" y="0"/>
+          <a:chExt cx="0" cy="0"/>
+        </a:xfrm>
+      </p:grpSpPr>
+      <p:sp>
+        <p:nvSpPr>
+          <p:cNvPr id="2" name="標題 1"/>
+          <p:cNvSpPr>
+            <a:spLocks noGrp="1"/>
+          </p:cNvSpPr>
+          <p:nvPr>
+            <p:ph type="title"/>
+          </p:nvPr>
+        </p:nvSpPr>
+        <p:spPr/>
+        <p:txBody>
+          <a:bodyPr/>
+          <a:lstStyle/>
+          <a:p>
+            <a:r>
+              <a:rPr lang="zh-TW" altLang="en-US" dirty="0" smtClean="0"/>
+              <a:t>員工</a:t>
+            </a:r>
+            <a:r>
+              <a:rPr lang="en-US" altLang="zh-TW" dirty="0" smtClean="0"/>
+              <a:t>-</a:t>
+            </a:r>
+            <a:r>
+              <a:rPr lang="zh-TW" altLang="en-US" dirty="0" smtClean="0"/>
+              <a:t>查詢訂單</a:t>
+            </a:r>
+            <a:endParaRPr lang="zh-TW" altLang="en-US" dirty="0"/>
+          </a:p>
+        </p:txBody>
+      </p:sp>
+      <p:pic>
+        <p:nvPicPr>
+          <p:cNvPr id="4" name="圖片 3"/>
+          <p:cNvPicPr>
+            <a:picLocks noChangeAspect="1"/>
+          </p:cNvPicPr>
+          <p:nvPr/>
+        </p:nvPicPr>
+        <p:blipFill>
+          <a:blip r:embed="rId2">
+            <a:extLst>
+              <a:ext uri="{28A0092B-C50C-407E-A947-70E740481C1C}">
+                <a14:useLocalDpi xmlns:a14="http://schemas.microsoft.com/office/drawing/2010/main" val="0"/>
+              </a:ext>
+            </a:extLst>
+          </a:blip>
+          <a:stretch>
+            <a:fillRect/>
+          </a:stretch>
+        </p:blipFill>
+        <p:spPr>
+          <a:xfrm>
+            <a:off x="4306178" y="1180246"/>
+            <a:ext cx="7536180" cy="4450080"/>
+          </a:xfrm>
+          <a:prstGeom prst="rect">
+            <a:avLst/>
+          </a:prstGeom>
+        </p:spPr>
+      </p:pic>
+    </p:spTree>
+    <p:extLst>
+      <p:ext uri="{BB962C8B-B14F-4D97-AF65-F5344CB8AC3E}">
+        <p14:creationId xmlns:p14="http://schemas.microsoft.com/office/powerpoint/2010/main" val="2852611353"/>
+      </p:ext>
+    </p:extLst>
+  </p:cSld>
+  <p:clrMapOvr>
+    <a:masterClrMapping/>
+  </p:clrMapOvr>
+  <mc:AlternateContent xmlns:mc="http://schemas.openxmlformats.org/markup-compatibility/2006" xmlns:p14="http://schemas.microsoft.com/office/powerpoint/2010/main">
+    <mc:Choice Requires="p14">
+      <p:transition spd="med" p14:dur="700">
+        <p:fade/>
+      </p:transition>
+    </mc:Choice>
+    <mc:Fallback xmlns="">
+      <p:transition spd="med">
+        <p:fade/>
+      </p:transition>
+    </mc:Fallback>
+  </mc:AlternateContent>
+  <p:timing>
+    <p:tnLst>
+      <p:par>
+        <p:cTn id="1" dur="indefinite" restart="never" nodeType="tmRoot"/>
+      </p:par>
+    </p:tnLst>
+  </p:timing>
+</p:sld>
+</file>
+
+<file path=ppt/slides/slide26.xml><?xml version="1.0" encoding="utf-8"?>
+<p:sld xmlns:a="http://schemas.openxmlformats.org/drawingml/2006/main" xmlns:r="http://schemas.openxmlformats.org/officeDocument/2006/relationships" xmlns:p="http://schemas.openxmlformats.org/presentationml/2006/main">
+  <p:cSld>
+    <p:spTree>
+      <p:nvGrpSpPr>
+        <p:cNvPr id="1" name=""/>
+        <p:cNvGrpSpPr/>
+        <p:nvPr/>
+      </p:nvGrpSpPr>
+      <p:grpSpPr>
+        <a:xfrm>
+          <a:off x="0" y="0"/>
+          <a:ext cx="0" cy="0"/>
+          <a:chOff x="0" y="0"/>
+          <a:chExt cx="0" cy="0"/>
+        </a:xfrm>
+      </p:grpSpPr>
+      <p:sp>
+        <p:nvSpPr>
+          <p:cNvPr id="2" name="標題 1"/>
+          <p:cNvSpPr>
+            <a:spLocks noGrp="1"/>
+          </p:cNvSpPr>
+          <p:nvPr>
+            <p:ph type="title"/>
+          </p:nvPr>
+        </p:nvSpPr>
+        <p:spPr/>
+        <p:txBody>
+          <a:bodyPr/>
+          <a:lstStyle/>
+          <a:p>
+            <a:r>
+              <a:rPr lang="zh-TW" altLang="en-US" dirty="0"/>
+              <a:t>員工</a:t>
+            </a:r>
+            <a:r>
+              <a:rPr lang="en-US" altLang="zh-TW" dirty="0"/>
+              <a:t>-</a:t>
+            </a:r>
+            <a:r>
+              <a:rPr lang="zh-TW" altLang="en-US" dirty="0"/>
+              <a:t>查詢訂單</a:t>
+            </a:r>
+          </a:p>
+        </p:txBody>
+      </p:sp>
+      <p:pic>
+        <p:nvPicPr>
+          <p:cNvPr id="3" name="圖片 2"/>
+          <p:cNvPicPr>
+            <a:picLocks noChangeAspect="1"/>
+          </p:cNvPicPr>
+          <p:nvPr/>
+        </p:nvPicPr>
+        <p:blipFill>
+          <a:blip r:embed="rId2">
+            <a:extLst>
+              <a:ext uri="{28A0092B-C50C-407E-A947-70E740481C1C}">
+                <a14:useLocalDpi xmlns:a14="http://schemas.microsoft.com/office/drawing/2010/main" val="0"/>
+              </a:ext>
+            </a:extLst>
+          </a:blip>
+          <a:stretch>
+            <a:fillRect/>
+          </a:stretch>
+        </p:blipFill>
+        <p:spPr>
+          <a:xfrm>
+            <a:off x="1026649" y="2118201"/>
+            <a:ext cx="2506980" cy="1150620"/>
+          </a:xfrm>
+          <a:prstGeom prst="rect">
+            <a:avLst/>
+          </a:prstGeom>
+        </p:spPr>
+      </p:pic>
+      <p:pic>
+        <p:nvPicPr>
+          <p:cNvPr id="5" name="圖片 4"/>
+          <p:cNvPicPr>
+            <a:picLocks noChangeAspect="1"/>
+          </p:cNvPicPr>
+          <p:nvPr/>
+        </p:nvPicPr>
+        <p:blipFill>
+          <a:blip r:embed="rId3">
+            <a:extLst>
+              <a:ext uri="{28A0092B-C50C-407E-A947-70E740481C1C}">
+                <a14:useLocalDpi xmlns:a14="http://schemas.microsoft.com/office/drawing/2010/main" val="0"/>
+              </a:ext>
+            </a:extLst>
+          </a:blip>
+          <a:stretch>
+            <a:fillRect/>
+          </a:stretch>
+        </p:blipFill>
+        <p:spPr>
+          <a:xfrm>
+            <a:off x="4378570" y="1794985"/>
+            <a:ext cx="7523284" cy="4071194"/>
+          </a:xfrm>
+          <a:prstGeom prst="rect">
+            <a:avLst/>
+          </a:prstGeom>
+        </p:spPr>
+      </p:pic>
+    </p:spTree>
+    <p:extLst>
+      <p:ext uri="{BB962C8B-B14F-4D97-AF65-F5344CB8AC3E}">
+        <p14:creationId xmlns:p14="http://schemas.microsoft.com/office/powerpoint/2010/main" val="523907020"/>
+      </p:ext>
+    </p:extLst>
+  </p:cSld>
+  <p:clrMapOvr>
+    <a:masterClrMapping/>
+  </p:clrMapOvr>
+  <mc:AlternateContent xmlns:mc="http://schemas.openxmlformats.org/markup-compatibility/2006" xmlns:p14="http://schemas.microsoft.com/office/powerpoint/2010/main">
+    <mc:Choice Requires="p14">
+      <p:transition spd="med" p14:dur="700">
+        <p:fade/>
+      </p:transition>
+    </mc:Choice>
+    <mc:Fallback xmlns="">
+      <p:transition spd="med">
+        <p:fade/>
+      </p:transition>
+    </mc:Fallback>
+  </mc:AlternateContent>
+  <p:timing>
+    <p:tnLst>
+      <p:par>
+        <p:cTn id="1" dur="indefinite" restart="never" nodeType="tmRoot"/>
+      </p:par>
+    </p:tnLst>
+  </p:timing>
+</p:sld>
+</file>
+
+<file path=ppt/slides/slide27.xml><?xml version="1.0" encoding="utf-8"?>
+<p:sld xmlns:a="http://schemas.openxmlformats.org/drawingml/2006/main" xmlns:r="http://schemas.openxmlformats.org/officeDocument/2006/relationships" xmlns:p="http://schemas.openxmlformats.org/presentationml/2006/main">
+  <p:cSld>
+    <p:spTree>
+      <p:nvGrpSpPr>
+        <p:cNvPr id="1" name=""/>
+        <p:cNvGrpSpPr/>
+        <p:nvPr/>
+      </p:nvGrpSpPr>
+      <p:grpSpPr>
+        <a:xfrm>
+          <a:off x="0" y="0"/>
+          <a:ext cx="0" cy="0"/>
+          <a:chOff x="0" y="0"/>
+          <a:chExt cx="0" cy="0"/>
+        </a:xfrm>
+      </p:grpSpPr>
+      <p:sp>
+        <p:nvSpPr>
+          <p:cNvPr id="2" name="標題 1"/>
+          <p:cNvSpPr>
+            <a:spLocks noGrp="1"/>
+          </p:cNvSpPr>
+          <p:nvPr>
+            <p:ph type="title"/>
+          </p:nvPr>
+        </p:nvSpPr>
+        <p:spPr/>
+        <p:txBody>
+          <a:bodyPr/>
+          <a:lstStyle/>
+          <a:p>
+            <a:r>
+              <a:rPr lang="zh-TW" altLang="en-US" dirty="0"/>
+              <a:t>員工</a:t>
+            </a:r>
+            <a:r>
+              <a:rPr lang="en-US" altLang="zh-TW" dirty="0" smtClean="0"/>
+              <a:t>-</a:t>
+            </a:r>
+            <a:r>
+              <a:rPr lang="zh-TW" altLang="en-US" dirty="0" smtClean="0"/>
+              <a:t>編輯訂單</a:t>
+            </a:r>
+            <a:endParaRPr lang="zh-TW" altLang="en-US" dirty="0"/>
+          </a:p>
+        </p:txBody>
+      </p:sp>
+      <p:pic>
+        <p:nvPicPr>
+          <p:cNvPr id="4" name="圖片 3"/>
+          <p:cNvPicPr>
+            <a:picLocks noChangeAspect="1"/>
+          </p:cNvPicPr>
+          <p:nvPr/>
+        </p:nvPicPr>
+        <p:blipFill>
+          <a:blip r:embed="rId2">
+            <a:extLst>
+              <a:ext uri="{28A0092B-C50C-407E-A947-70E740481C1C}">
+                <a14:useLocalDpi xmlns:a14="http://schemas.microsoft.com/office/drawing/2010/main" val="0"/>
+              </a:ext>
+            </a:extLst>
+          </a:blip>
+          <a:stretch>
+            <a:fillRect/>
+          </a:stretch>
+        </p:blipFill>
+        <p:spPr>
+          <a:xfrm>
+            <a:off x="1439886" y="1646238"/>
+            <a:ext cx="7307580" cy="4251960"/>
+          </a:xfrm>
+          <a:prstGeom prst="rect">
+            <a:avLst/>
+          </a:prstGeom>
+        </p:spPr>
+      </p:pic>
+      <p:pic>
+        <p:nvPicPr>
+          <p:cNvPr id="6" name="圖片 5"/>
+          <p:cNvPicPr>
+            <a:picLocks noChangeAspect="1"/>
+          </p:cNvPicPr>
+          <p:nvPr/>
+        </p:nvPicPr>
+        <p:blipFill>
+          <a:blip r:embed="rId3">
+            <a:extLst>
+              <a:ext uri="{28A0092B-C50C-407E-A947-70E740481C1C}">
+                <a14:useLocalDpi xmlns:a14="http://schemas.microsoft.com/office/drawing/2010/main" val="0"/>
+              </a:ext>
+            </a:extLst>
+          </a:blip>
+          <a:stretch>
+            <a:fillRect/>
+          </a:stretch>
+        </p:blipFill>
+        <p:spPr>
+          <a:xfrm>
+            <a:off x="9045233" y="1646238"/>
+            <a:ext cx="2506980" cy="2697480"/>
+          </a:xfrm>
+          <a:prstGeom prst="rect">
+            <a:avLst/>
+          </a:prstGeom>
+        </p:spPr>
+      </p:pic>
+    </p:spTree>
+    <p:extLst>
+      <p:ext uri="{BB962C8B-B14F-4D97-AF65-F5344CB8AC3E}">
+        <p14:creationId xmlns:p14="http://schemas.microsoft.com/office/powerpoint/2010/main" val="3330344485"/>
+      </p:ext>
+    </p:extLst>
+  </p:cSld>
+  <p:clrMapOvr>
+    <a:masterClrMapping/>
+  </p:clrMapOvr>
+  <mc:AlternateContent xmlns:mc="http://schemas.openxmlformats.org/markup-compatibility/2006" xmlns:p14="http://schemas.microsoft.com/office/powerpoint/2010/main">
+    <mc:Choice Requires="p14">
+      <p:transition spd="med" p14:dur="700">
+        <p:fade/>
+      </p:transition>
+    </mc:Choice>
+    <mc:Fallback xmlns="">
+      <p:transition spd="med">
+        <p:fade/>
+      </p:transition>
+    </mc:Fallback>
+  </mc:AlternateContent>
+  <p:timing>
+    <p:tnLst>
+      <p:par>
+        <p:cTn id="1" dur="indefinite" restart="never" nodeType="tmRoot"/>
+      </p:par>
+    </p:tnLst>
+  </p:timing>
+</p:sld>
+</file>
+
+<file path=ppt/slides/slide28.xml><?xml version="1.0" encoding="utf-8"?>
+<p:sld xmlns:a="http://schemas.openxmlformats.org/drawingml/2006/main" xmlns:r="http://schemas.openxmlformats.org/officeDocument/2006/relationships" xmlns:p="http://schemas.openxmlformats.org/presentationml/2006/main">
+  <p:cSld>
+    <p:spTree>
+      <p:nvGrpSpPr>
+        <p:cNvPr id="1" name=""/>
+        <p:cNvGrpSpPr/>
+        <p:nvPr/>
+      </p:nvGrpSpPr>
+      <p:grpSpPr>
+        <a:xfrm>
+          <a:off x="0" y="0"/>
+          <a:ext cx="0" cy="0"/>
+          <a:chOff x="0" y="0"/>
+          <a:chExt cx="0" cy="0"/>
+        </a:xfrm>
+      </p:grpSpPr>
+      <p:sp>
+        <p:nvSpPr>
+          <p:cNvPr id="2" name="標題 1"/>
+          <p:cNvSpPr>
+            <a:spLocks noGrp="1"/>
+          </p:cNvSpPr>
+          <p:nvPr>
+            <p:ph type="title"/>
+          </p:nvPr>
+        </p:nvSpPr>
+        <p:spPr/>
+        <p:txBody>
+          <a:bodyPr/>
+          <a:lstStyle/>
+          <a:p>
+            <a:r>
+              <a:rPr lang="zh-TW" altLang="en-US" dirty="0" smtClean="0"/>
+              <a:t>員工</a:t>
+            </a:r>
+            <a:endParaRPr lang="zh-TW" altLang="en-US" dirty="0"/>
+          </a:p>
+        </p:txBody>
+      </p:sp>
+      <p:pic>
+        <p:nvPicPr>
+          <p:cNvPr id="4" name="圖片 3"/>
+          <p:cNvPicPr>
+            <a:picLocks noChangeAspect="1"/>
+          </p:cNvPicPr>
+          <p:nvPr/>
+        </p:nvPicPr>
+        <p:blipFill>
+          <a:blip r:embed="rId2">
+            <a:extLst>
+              <a:ext uri="{28A0092B-C50C-407E-A947-70E740481C1C}">
+                <a14:useLocalDpi xmlns:a14="http://schemas.microsoft.com/office/drawing/2010/main" val="0"/>
+              </a:ext>
+            </a:extLst>
+          </a:blip>
+          <a:stretch>
+            <a:fillRect/>
+          </a:stretch>
+        </p:blipFill>
+        <p:spPr>
+          <a:xfrm>
+            <a:off x="3303270" y="1299210"/>
+            <a:ext cx="5585460" cy="4259580"/>
+          </a:xfrm>
+          <a:prstGeom prst="rect">
+            <a:avLst/>
+          </a:prstGeom>
+        </p:spPr>
+      </p:pic>
+    </p:spTree>
+    <p:extLst>
+      <p:ext uri="{BB962C8B-B14F-4D97-AF65-F5344CB8AC3E}">
+        <p14:creationId xmlns:p14="http://schemas.microsoft.com/office/powerpoint/2010/main" val="1202731060"/>
+      </p:ext>
+    </p:extLst>
+  </p:cSld>
+  <p:clrMapOvr>
+    <a:masterClrMapping/>
+  </p:clrMapOvr>
+  <mc:AlternateContent xmlns:mc="http://schemas.openxmlformats.org/markup-compatibility/2006" xmlns:p14="http://schemas.microsoft.com/office/powerpoint/2010/main">
+    <mc:Choice Requires="p14">
+      <p:transition spd="med" p14:dur="700">
+        <p:fade/>
+      </p:transition>
+    </mc:Choice>
+    <mc:Fallback xmlns="">
+      <p:transition spd="med">
+        <p:fade/>
+      </p:transition>
+    </mc:Fallback>
+  </mc:AlternateContent>
+  <p:timing>
+    <p:tnLst>
+      <p:par>
+        <p:cTn id="1" dur="indefinite" restart="never" nodeType="tmRoot"/>
+      </p:par>
+    </p:tnLst>
+  </p:timing>
+</p:sld>
+</file>
+
+<file path=ppt/slides/slide29.xml><?xml version="1.0" encoding="utf-8"?>
+<p:sld xmlns:a="http://schemas.openxmlformats.org/drawingml/2006/main" xmlns:r="http://schemas.openxmlformats.org/officeDocument/2006/relationships" xmlns:p="http://schemas.openxmlformats.org/presentationml/2006/main">
+  <p:cSld>
+    <p:spTree>
+      <p:nvGrpSpPr>
+        <p:cNvPr id="1" name=""/>
+        <p:cNvGrpSpPr/>
+        <p:nvPr/>
+      </p:nvGrpSpPr>
+      <p:grpSpPr>
+        <a:xfrm>
+          <a:off x="0" y="0"/>
+          <a:ext cx="0" cy="0"/>
+          <a:chOff x="0" y="0"/>
+          <a:chExt cx="0" cy="0"/>
+        </a:xfrm>
+      </p:grpSpPr>
+      <p:sp>
+        <p:nvSpPr>
+          <p:cNvPr id="2" name="標題 1"/>
+          <p:cNvSpPr>
+            <a:spLocks noGrp="1"/>
+          </p:cNvSpPr>
+          <p:nvPr>
+            <p:ph type="title"/>
+          </p:nvPr>
+        </p:nvSpPr>
+        <p:spPr/>
+        <p:txBody>
+          <a:bodyPr/>
+          <a:lstStyle/>
+          <a:p>
+            <a:r>
+              <a:rPr lang="zh-TW" altLang="en-US" dirty="0" smtClean="0"/>
+              <a:t>員工</a:t>
+            </a:r>
+            <a:r>
+              <a:rPr lang="en-US" altLang="zh-TW" dirty="0" smtClean="0"/>
+              <a:t>-</a:t>
+            </a:r>
+            <a:r>
+              <a:rPr lang="zh-TW" altLang="en-US" dirty="0" smtClean="0"/>
+              <a:t>管理產品</a:t>
+            </a:r>
+            <a:endParaRPr lang="zh-TW" altLang="en-US" dirty="0"/>
+          </a:p>
+        </p:txBody>
+      </p:sp>
+      <p:pic>
+        <p:nvPicPr>
+          <p:cNvPr id="4" name="圖片 3"/>
+          <p:cNvPicPr>
+            <a:picLocks noChangeAspect="1"/>
+          </p:cNvPicPr>
+          <p:nvPr/>
+        </p:nvPicPr>
+        <p:blipFill>
+          <a:blip r:embed="rId2">
+            <a:extLst>
+              <a:ext uri="{28A0092B-C50C-407E-A947-70E740481C1C}">
+                <a14:useLocalDpi xmlns:a14="http://schemas.microsoft.com/office/drawing/2010/main" val="0"/>
+              </a:ext>
+            </a:extLst>
+          </a:blip>
+          <a:stretch>
+            <a:fillRect/>
+          </a:stretch>
+        </p:blipFill>
+        <p:spPr>
+          <a:xfrm>
+            <a:off x="4314385" y="1228871"/>
+            <a:ext cx="5585460" cy="4259580"/>
+          </a:xfrm>
+          <a:prstGeom prst="rect">
+            <a:avLst/>
+          </a:prstGeom>
+        </p:spPr>
+      </p:pic>
+    </p:spTree>
+    <p:extLst>
+      <p:ext uri="{BB962C8B-B14F-4D97-AF65-F5344CB8AC3E}">
+        <p14:creationId xmlns:p14="http://schemas.microsoft.com/office/powerpoint/2010/main" val="4128035310"/>
+      </p:ext>
+    </p:extLst>
+  </p:cSld>
+  <p:clrMapOvr>
+    <a:masterClrMapping/>
+  </p:clrMapOvr>
+  <mc:AlternateContent xmlns:mc="http://schemas.openxmlformats.org/markup-compatibility/2006" xmlns:p14="http://schemas.microsoft.com/office/powerpoint/2010/main">
+    <mc:Choice Requires="p14">
+      <p:transition spd="med" p14:dur="700">
+        <p:fade/>
+      </p:transition>
+    </mc:Choice>
+    <mc:Fallback xmlns="">
+      <p:transition spd="med">
+        <p:fade/>
+      </p:transition>
+    </mc:Fallback>
+  </mc:AlternateContent>
+  <p:timing>
+    <p:tnLst>
+      <p:par>
+        <p:cTn id="1" dur="indefinite" restart="never" nodeType="tmRoot"/>
+      </p:par>
+    </p:tnLst>
+  </p:timing>
 </p:sld>
 </file>
 
@@ -16379,7 +20101,9 @@
         </p:nvSpPr>
         <p:spPr/>
         <p:txBody>
-          <a:bodyPr/>
+          <a:bodyPr>
+            <a:normAutofit lnSpcReduction="10000"/>
+          </a:bodyPr>
           <a:lstStyle/>
           <a:p>
             <a:r>
@@ -16445,6 +20169,18 @@
             <a:r>
               <a:rPr lang="zh-TW" altLang="en-US" dirty="0"/>
               <a:t>資料管理：處理客戶註冊與資料維護。 </a:t>
+            </a:r>
+            <a:endParaRPr lang="en-US" altLang="zh-TW" dirty="0" smtClean="0"/>
+          </a:p>
+          <a:p>
+            <a:pPr lvl="1"/>
+            <a:r>
+              <a:rPr lang="zh-TW" altLang="en-US" dirty="0" smtClean="0"/>
+              <a:t>報表圖表管理：管理相關報表</a:t>
+            </a:r>
+            <a:r>
+              <a:rPr lang="zh-TW" altLang="en-US" dirty="0"/>
+              <a:t>。</a:t>
             </a:r>
             <a:endParaRPr lang="en-US" altLang="zh-TW" dirty="0" smtClean="0"/>
           </a:p>
@@ -16520,6 +20256,1060 @@
     <p:extLst>
       <p:ext uri="{BB962C8B-B14F-4D97-AF65-F5344CB8AC3E}">
         <p14:creationId xmlns:p14="http://schemas.microsoft.com/office/powerpoint/2010/main" val="2207636511"/>
+      </p:ext>
+    </p:extLst>
+  </p:cSld>
+  <p:clrMapOvr>
+    <a:masterClrMapping/>
+  </p:clrMapOvr>
+  <mc:AlternateContent xmlns:mc="http://schemas.openxmlformats.org/markup-compatibility/2006" xmlns:p14="http://schemas.microsoft.com/office/powerpoint/2010/main">
+    <mc:Choice Requires="p14">
+      <p:transition spd="med" p14:dur="700">
+        <p:fade/>
+      </p:transition>
+    </mc:Choice>
+    <mc:Fallback xmlns="">
+      <p:transition spd="med">
+        <p:fade/>
+      </p:transition>
+    </mc:Fallback>
+  </mc:AlternateContent>
+  <p:timing>
+    <p:tnLst>
+      <p:par>
+        <p:cTn id="1" dur="indefinite" restart="never" nodeType="tmRoot"/>
+      </p:par>
+    </p:tnLst>
+  </p:timing>
+</p:sld>
+</file>
+
+<file path=ppt/slides/slide30.xml><?xml version="1.0" encoding="utf-8"?>
+<p:sld xmlns:a="http://schemas.openxmlformats.org/drawingml/2006/main" xmlns:r="http://schemas.openxmlformats.org/officeDocument/2006/relationships" xmlns:p="http://schemas.openxmlformats.org/presentationml/2006/main">
+  <p:cSld>
+    <p:spTree>
+      <p:nvGrpSpPr>
+        <p:cNvPr id="1" name=""/>
+        <p:cNvGrpSpPr/>
+        <p:nvPr/>
+      </p:nvGrpSpPr>
+      <p:grpSpPr>
+        <a:xfrm>
+          <a:off x="0" y="0"/>
+          <a:ext cx="0" cy="0"/>
+          <a:chOff x="0" y="0"/>
+          <a:chExt cx="0" cy="0"/>
+        </a:xfrm>
+      </p:grpSpPr>
+      <p:sp>
+        <p:nvSpPr>
+          <p:cNvPr id="2" name="標題 1"/>
+          <p:cNvSpPr>
+            <a:spLocks noGrp="1"/>
+          </p:cNvSpPr>
+          <p:nvPr>
+            <p:ph type="title"/>
+          </p:nvPr>
+        </p:nvSpPr>
+        <p:spPr/>
+        <p:txBody>
+          <a:bodyPr/>
+          <a:lstStyle/>
+          <a:p>
+            <a:r>
+              <a:rPr lang="zh-TW" altLang="en-US" dirty="0" smtClean="0"/>
+              <a:t>員工</a:t>
+            </a:r>
+            <a:r>
+              <a:rPr lang="en-US" altLang="zh-TW" dirty="0" smtClean="0"/>
+              <a:t>-</a:t>
+            </a:r>
+            <a:r>
+              <a:rPr lang="zh-TW" altLang="en-US" dirty="0" smtClean="0"/>
+              <a:t>管理產品</a:t>
+            </a:r>
+            <a:endParaRPr lang="zh-TW" altLang="en-US" dirty="0"/>
+          </a:p>
+        </p:txBody>
+      </p:sp>
+      <p:pic>
+        <p:nvPicPr>
+          <p:cNvPr id="3" name="圖片 2"/>
+          <p:cNvPicPr>
+            <a:picLocks noChangeAspect="1"/>
+          </p:cNvPicPr>
+          <p:nvPr/>
+        </p:nvPicPr>
+        <p:blipFill>
+          <a:blip r:embed="rId2">
+            <a:extLst>
+              <a:ext uri="{28A0092B-C50C-407E-A947-70E740481C1C}">
+                <a14:useLocalDpi xmlns:a14="http://schemas.microsoft.com/office/drawing/2010/main" val="0"/>
+              </a:ext>
+            </a:extLst>
+          </a:blip>
+          <a:stretch>
+            <a:fillRect/>
+          </a:stretch>
+        </p:blipFill>
+        <p:spPr>
+          <a:xfrm>
+            <a:off x="4301783" y="1174946"/>
+            <a:ext cx="5593080" cy="4701540"/>
+          </a:xfrm>
+          <a:prstGeom prst="rect">
+            <a:avLst/>
+          </a:prstGeom>
+        </p:spPr>
+      </p:pic>
+    </p:spTree>
+    <p:extLst>
+      <p:ext uri="{BB962C8B-B14F-4D97-AF65-F5344CB8AC3E}">
+        <p14:creationId xmlns:p14="http://schemas.microsoft.com/office/powerpoint/2010/main" val="1800359218"/>
+      </p:ext>
+    </p:extLst>
+  </p:cSld>
+  <p:clrMapOvr>
+    <a:masterClrMapping/>
+  </p:clrMapOvr>
+  <mc:AlternateContent xmlns:mc="http://schemas.openxmlformats.org/markup-compatibility/2006" xmlns:p14="http://schemas.microsoft.com/office/powerpoint/2010/main">
+    <mc:Choice Requires="p14">
+      <p:transition spd="med" p14:dur="700">
+        <p:fade/>
+      </p:transition>
+    </mc:Choice>
+    <mc:Fallback xmlns="">
+      <p:transition spd="med">
+        <p:fade/>
+      </p:transition>
+    </mc:Fallback>
+  </mc:AlternateContent>
+  <p:timing>
+    <p:tnLst>
+      <p:par>
+        <p:cTn id="1" dur="indefinite" restart="never" nodeType="tmRoot"/>
+      </p:par>
+    </p:tnLst>
+  </p:timing>
+</p:sld>
+</file>
+
+<file path=ppt/slides/slide31.xml><?xml version="1.0" encoding="utf-8"?>
+<p:sld xmlns:a="http://schemas.openxmlformats.org/drawingml/2006/main" xmlns:r="http://schemas.openxmlformats.org/officeDocument/2006/relationships" xmlns:p="http://schemas.openxmlformats.org/presentationml/2006/main">
+  <p:cSld>
+    <p:spTree>
+      <p:nvGrpSpPr>
+        <p:cNvPr id="1" name=""/>
+        <p:cNvGrpSpPr/>
+        <p:nvPr/>
+      </p:nvGrpSpPr>
+      <p:grpSpPr>
+        <a:xfrm>
+          <a:off x="0" y="0"/>
+          <a:ext cx="0" cy="0"/>
+          <a:chOff x="0" y="0"/>
+          <a:chExt cx="0" cy="0"/>
+        </a:xfrm>
+      </p:grpSpPr>
+      <p:sp>
+        <p:nvSpPr>
+          <p:cNvPr id="2" name="標題 1"/>
+          <p:cNvSpPr>
+            <a:spLocks noGrp="1"/>
+          </p:cNvSpPr>
+          <p:nvPr>
+            <p:ph type="title"/>
+          </p:nvPr>
+        </p:nvSpPr>
+        <p:spPr/>
+        <p:txBody>
+          <a:bodyPr/>
+          <a:lstStyle/>
+          <a:p>
+            <a:r>
+              <a:rPr lang="zh-TW" altLang="en-US" dirty="0" smtClean="0"/>
+              <a:t>員工</a:t>
+            </a:r>
+            <a:endParaRPr lang="zh-TW" altLang="en-US" dirty="0"/>
+          </a:p>
+        </p:txBody>
+      </p:sp>
+      <p:pic>
+        <p:nvPicPr>
+          <p:cNvPr id="4" name="圖片 3"/>
+          <p:cNvPicPr>
+            <a:picLocks noChangeAspect="1"/>
+          </p:cNvPicPr>
+          <p:nvPr/>
+        </p:nvPicPr>
+        <p:blipFill>
+          <a:blip r:embed="rId2">
+            <a:extLst>
+              <a:ext uri="{28A0092B-C50C-407E-A947-70E740481C1C}">
+                <a14:useLocalDpi xmlns:a14="http://schemas.microsoft.com/office/drawing/2010/main" val="0"/>
+              </a:ext>
+            </a:extLst>
+          </a:blip>
+          <a:stretch>
+            <a:fillRect/>
+          </a:stretch>
+        </p:blipFill>
+        <p:spPr>
+          <a:xfrm>
+            <a:off x="3303270" y="1299210"/>
+            <a:ext cx="5585460" cy="4259580"/>
+          </a:xfrm>
+          <a:prstGeom prst="rect">
+            <a:avLst/>
+          </a:prstGeom>
+        </p:spPr>
+      </p:pic>
+    </p:spTree>
+    <p:extLst>
+      <p:ext uri="{BB962C8B-B14F-4D97-AF65-F5344CB8AC3E}">
+        <p14:creationId xmlns:p14="http://schemas.microsoft.com/office/powerpoint/2010/main" val="1572089706"/>
+      </p:ext>
+    </p:extLst>
+  </p:cSld>
+  <p:clrMapOvr>
+    <a:masterClrMapping/>
+  </p:clrMapOvr>
+  <mc:AlternateContent xmlns:mc="http://schemas.openxmlformats.org/markup-compatibility/2006" xmlns:p14="http://schemas.microsoft.com/office/powerpoint/2010/main">
+    <mc:Choice Requires="p14">
+      <p:transition spd="med" p14:dur="700">
+        <p:fade/>
+      </p:transition>
+    </mc:Choice>
+    <mc:Fallback xmlns="">
+      <p:transition spd="med">
+        <p:fade/>
+      </p:transition>
+    </mc:Fallback>
+  </mc:AlternateContent>
+  <p:timing>
+    <p:tnLst>
+      <p:par>
+        <p:cTn id="1" dur="indefinite" restart="never" nodeType="tmRoot"/>
+      </p:par>
+    </p:tnLst>
+  </p:timing>
+</p:sld>
+</file>
+
+<file path=ppt/slides/slide32.xml><?xml version="1.0" encoding="utf-8"?>
+<p:sld xmlns:a="http://schemas.openxmlformats.org/drawingml/2006/main" xmlns:r="http://schemas.openxmlformats.org/officeDocument/2006/relationships" xmlns:p="http://schemas.openxmlformats.org/presentationml/2006/main">
+  <p:cSld>
+    <p:spTree>
+      <p:nvGrpSpPr>
+        <p:cNvPr id="1" name=""/>
+        <p:cNvGrpSpPr/>
+        <p:nvPr/>
+      </p:nvGrpSpPr>
+      <p:grpSpPr>
+        <a:xfrm>
+          <a:off x="0" y="0"/>
+          <a:ext cx="0" cy="0"/>
+          <a:chOff x="0" y="0"/>
+          <a:chExt cx="0" cy="0"/>
+        </a:xfrm>
+      </p:grpSpPr>
+      <p:sp>
+        <p:nvSpPr>
+          <p:cNvPr id="2" name="標題 1"/>
+          <p:cNvSpPr>
+            <a:spLocks noGrp="1"/>
+          </p:cNvSpPr>
+          <p:nvPr>
+            <p:ph type="title"/>
+          </p:nvPr>
+        </p:nvSpPr>
+        <p:spPr/>
+        <p:txBody>
+          <a:bodyPr/>
+          <a:lstStyle/>
+          <a:p>
+            <a:r>
+              <a:rPr lang="zh-TW" altLang="en-US" dirty="0" smtClean="0"/>
+              <a:t>員工</a:t>
+            </a:r>
+            <a:r>
+              <a:rPr lang="en-US" altLang="zh-TW" dirty="0" smtClean="0"/>
+              <a:t>-</a:t>
+            </a:r>
+            <a:r>
+              <a:rPr lang="zh-TW" altLang="en-US" dirty="0" smtClean="0"/>
+              <a:t>管理客戶</a:t>
+            </a:r>
+            <a:endParaRPr lang="zh-TW" altLang="en-US" dirty="0"/>
+          </a:p>
+        </p:txBody>
+      </p:sp>
+      <p:pic>
+        <p:nvPicPr>
+          <p:cNvPr id="4" name="圖片 3"/>
+          <p:cNvPicPr>
+            <a:picLocks noChangeAspect="1"/>
+          </p:cNvPicPr>
+          <p:nvPr/>
+        </p:nvPicPr>
+        <p:blipFill>
+          <a:blip r:embed="rId2">
+            <a:extLst>
+              <a:ext uri="{28A0092B-C50C-407E-A947-70E740481C1C}">
+                <a14:useLocalDpi xmlns:a14="http://schemas.microsoft.com/office/drawing/2010/main" val="0"/>
+              </a:ext>
+            </a:extLst>
+          </a:blip>
+          <a:stretch>
+            <a:fillRect/>
+          </a:stretch>
+        </p:blipFill>
+        <p:spPr>
+          <a:xfrm>
+            <a:off x="4213860" y="1210114"/>
+            <a:ext cx="5593080" cy="4701540"/>
+          </a:xfrm>
+          <a:prstGeom prst="rect">
+            <a:avLst/>
+          </a:prstGeom>
+        </p:spPr>
+      </p:pic>
+    </p:spTree>
+    <p:extLst>
+      <p:ext uri="{BB962C8B-B14F-4D97-AF65-F5344CB8AC3E}">
+        <p14:creationId xmlns:p14="http://schemas.microsoft.com/office/powerpoint/2010/main" val="1329822081"/>
+      </p:ext>
+    </p:extLst>
+  </p:cSld>
+  <p:clrMapOvr>
+    <a:masterClrMapping/>
+  </p:clrMapOvr>
+  <mc:AlternateContent xmlns:mc="http://schemas.openxmlformats.org/markup-compatibility/2006" xmlns:p14="http://schemas.microsoft.com/office/powerpoint/2010/main">
+    <mc:Choice Requires="p14">
+      <p:transition spd="med" p14:dur="700">
+        <p:fade/>
+      </p:transition>
+    </mc:Choice>
+    <mc:Fallback xmlns="">
+      <p:transition spd="med">
+        <p:fade/>
+      </p:transition>
+    </mc:Fallback>
+  </mc:AlternateContent>
+  <p:timing>
+    <p:tnLst>
+      <p:par>
+        <p:cTn id="1" dur="indefinite" restart="never" nodeType="tmRoot"/>
+      </p:par>
+    </p:tnLst>
+  </p:timing>
+</p:sld>
+</file>
+
+<file path=ppt/slides/slide33.xml><?xml version="1.0" encoding="utf-8"?>
+<p:sld xmlns:a="http://schemas.openxmlformats.org/drawingml/2006/main" xmlns:r="http://schemas.openxmlformats.org/officeDocument/2006/relationships" xmlns:p="http://schemas.openxmlformats.org/presentationml/2006/main">
+  <p:cSld>
+    <p:spTree>
+      <p:nvGrpSpPr>
+        <p:cNvPr id="1" name=""/>
+        <p:cNvGrpSpPr/>
+        <p:nvPr/>
+      </p:nvGrpSpPr>
+      <p:grpSpPr>
+        <a:xfrm>
+          <a:off x="0" y="0"/>
+          <a:ext cx="0" cy="0"/>
+          <a:chOff x="0" y="0"/>
+          <a:chExt cx="0" cy="0"/>
+        </a:xfrm>
+      </p:grpSpPr>
+      <p:sp>
+        <p:nvSpPr>
+          <p:cNvPr id="2" name="標題 1"/>
+          <p:cNvSpPr>
+            <a:spLocks noGrp="1"/>
+          </p:cNvSpPr>
+          <p:nvPr>
+            <p:ph type="title"/>
+          </p:nvPr>
+        </p:nvSpPr>
+        <p:spPr/>
+        <p:txBody>
+          <a:bodyPr/>
+          <a:lstStyle/>
+          <a:p>
+            <a:r>
+              <a:rPr lang="zh-TW" altLang="en-US" dirty="0" smtClean="0"/>
+              <a:t>員工</a:t>
+            </a:r>
+            <a:endParaRPr lang="zh-TW" altLang="en-US" dirty="0"/>
+          </a:p>
+        </p:txBody>
+      </p:sp>
+      <p:pic>
+        <p:nvPicPr>
+          <p:cNvPr id="5" name="圖片 4"/>
+          <p:cNvPicPr>
+            <a:picLocks noChangeAspect="1"/>
+          </p:cNvPicPr>
+          <p:nvPr/>
+        </p:nvPicPr>
+        <p:blipFill>
+          <a:blip r:embed="rId2">
+            <a:extLst>
+              <a:ext uri="{28A0092B-C50C-407E-A947-70E740481C1C}">
+                <a14:useLocalDpi xmlns:a14="http://schemas.microsoft.com/office/drawing/2010/main" val="0"/>
+              </a:ext>
+            </a:extLst>
+          </a:blip>
+          <a:stretch>
+            <a:fillRect/>
+          </a:stretch>
+        </p:blipFill>
+        <p:spPr>
+          <a:xfrm>
+            <a:off x="3303270" y="1299210"/>
+            <a:ext cx="5585460" cy="4259580"/>
+          </a:xfrm>
+          <a:prstGeom prst="rect">
+            <a:avLst/>
+          </a:prstGeom>
+        </p:spPr>
+      </p:pic>
+    </p:spTree>
+    <p:extLst>
+      <p:ext uri="{BB962C8B-B14F-4D97-AF65-F5344CB8AC3E}">
+        <p14:creationId xmlns:p14="http://schemas.microsoft.com/office/powerpoint/2010/main" val="888892582"/>
+      </p:ext>
+    </p:extLst>
+  </p:cSld>
+  <p:clrMapOvr>
+    <a:masterClrMapping/>
+  </p:clrMapOvr>
+  <mc:AlternateContent xmlns:mc="http://schemas.openxmlformats.org/markup-compatibility/2006" xmlns:p14="http://schemas.microsoft.com/office/powerpoint/2010/main">
+    <mc:Choice Requires="p14">
+      <p:transition spd="med" p14:dur="700">
+        <p:fade/>
+      </p:transition>
+    </mc:Choice>
+    <mc:Fallback xmlns="">
+      <p:transition spd="med">
+        <p:fade/>
+      </p:transition>
+    </mc:Fallback>
+  </mc:AlternateContent>
+</p:sld>
+</file>
+
+<file path=ppt/slides/slide34.xml><?xml version="1.0" encoding="utf-8"?>
+<p:sld xmlns:a="http://schemas.openxmlformats.org/drawingml/2006/main" xmlns:r="http://schemas.openxmlformats.org/officeDocument/2006/relationships" xmlns:p="http://schemas.openxmlformats.org/presentationml/2006/main">
+  <p:cSld>
+    <p:spTree>
+      <p:nvGrpSpPr>
+        <p:cNvPr id="1" name=""/>
+        <p:cNvGrpSpPr/>
+        <p:nvPr/>
+      </p:nvGrpSpPr>
+      <p:grpSpPr>
+        <a:xfrm>
+          <a:off x="0" y="0"/>
+          <a:ext cx="0" cy="0"/>
+          <a:chOff x="0" y="0"/>
+          <a:chExt cx="0" cy="0"/>
+        </a:xfrm>
+      </p:grpSpPr>
+      <p:sp>
+        <p:nvSpPr>
+          <p:cNvPr id="2" name="標題 1"/>
+          <p:cNvSpPr>
+            <a:spLocks noGrp="1"/>
+          </p:cNvSpPr>
+          <p:nvPr>
+            <p:ph type="title"/>
+          </p:nvPr>
+        </p:nvSpPr>
+        <p:spPr/>
+        <p:txBody>
+          <a:bodyPr/>
+          <a:lstStyle/>
+          <a:p>
+            <a:r>
+              <a:rPr lang="zh-TW" altLang="en-US" dirty="0" smtClean="0"/>
+              <a:t>員工</a:t>
+            </a:r>
+            <a:r>
+              <a:rPr lang="en-US" altLang="zh-TW" dirty="0" smtClean="0"/>
+              <a:t>-</a:t>
+            </a:r>
+            <a:r>
+              <a:rPr lang="zh-TW" altLang="en-US" dirty="0" smtClean="0"/>
+              <a:t>管理員工</a:t>
+            </a:r>
+            <a:endParaRPr lang="zh-TW" altLang="en-US" dirty="0"/>
+          </a:p>
+        </p:txBody>
+      </p:sp>
+      <p:pic>
+        <p:nvPicPr>
+          <p:cNvPr id="3" name="圖片 2"/>
+          <p:cNvPicPr>
+            <a:picLocks noChangeAspect="1"/>
+          </p:cNvPicPr>
+          <p:nvPr/>
+        </p:nvPicPr>
+        <p:blipFill>
+          <a:blip r:embed="rId2">
+            <a:extLst>
+              <a:ext uri="{28A0092B-C50C-407E-A947-70E740481C1C}">
+                <a14:useLocalDpi xmlns:a14="http://schemas.microsoft.com/office/drawing/2010/main" val="0"/>
+              </a:ext>
+            </a:extLst>
+          </a:blip>
+          <a:stretch>
+            <a:fillRect/>
+          </a:stretch>
+        </p:blipFill>
+        <p:spPr>
+          <a:xfrm>
+            <a:off x="4460045" y="1183738"/>
+            <a:ext cx="5593080" cy="4701540"/>
+          </a:xfrm>
+          <a:prstGeom prst="rect">
+            <a:avLst/>
+          </a:prstGeom>
+        </p:spPr>
+      </p:pic>
+    </p:spTree>
+    <p:extLst>
+      <p:ext uri="{BB962C8B-B14F-4D97-AF65-F5344CB8AC3E}">
+        <p14:creationId xmlns:p14="http://schemas.microsoft.com/office/powerpoint/2010/main" val="1351108440"/>
+      </p:ext>
+    </p:extLst>
+  </p:cSld>
+  <p:clrMapOvr>
+    <a:masterClrMapping/>
+  </p:clrMapOvr>
+  <mc:AlternateContent xmlns:mc="http://schemas.openxmlformats.org/markup-compatibility/2006" xmlns:p14="http://schemas.microsoft.com/office/powerpoint/2010/main">
+    <mc:Choice Requires="p14">
+      <p:transition spd="med" p14:dur="700">
+        <p:fade/>
+      </p:transition>
+    </mc:Choice>
+    <mc:Fallback xmlns="">
+      <p:transition spd="med">
+        <p:fade/>
+      </p:transition>
+    </mc:Fallback>
+  </mc:AlternateContent>
+  <p:timing>
+    <p:tnLst>
+      <p:par>
+        <p:cTn id="1" dur="indefinite" restart="never" nodeType="tmRoot"/>
+      </p:par>
+    </p:tnLst>
+  </p:timing>
+</p:sld>
+</file>
+
+<file path=ppt/slides/slide35.xml><?xml version="1.0" encoding="utf-8"?>
+<p:sld xmlns:a="http://schemas.openxmlformats.org/drawingml/2006/main" xmlns:r="http://schemas.openxmlformats.org/officeDocument/2006/relationships" xmlns:p="http://schemas.openxmlformats.org/presentationml/2006/main">
+  <p:cSld>
+    <p:spTree>
+      <p:nvGrpSpPr>
+        <p:cNvPr id="1" name=""/>
+        <p:cNvGrpSpPr/>
+        <p:nvPr/>
+      </p:nvGrpSpPr>
+      <p:grpSpPr>
+        <a:xfrm>
+          <a:off x="0" y="0"/>
+          <a:ext cx="0" cy="0"/>
+          <a:chOff x="0" y="0"/>
+          <a:chExt cx="0" cy="0"/>
+        </a:xfrm>
+      </p:grpSpPr>
+      <p:sp>
+        <p:nvSpPr>
+          <p:cNvPr id="2" name="標題 1"/>
+          <p:cNvSpPr>
+            <a:spLocks noGrp="1"/>
+          </p:cNvSpPr>
+          <p:nvPr>
+            <p:ph type="title"/>
+          </p:nvPr>
+        </p:nvSpPr>
+        <p:spPr/>
+        <p:txBody>
+          <a:bodyPr/>
+          <a:lstStyle/>
+          <a:p>
+            <a:r>
+              <a:rPr lang="zh-TW" altLang="en-US" dirty="0" smtClean="0"/>
+              <a:t>員工</a:t>
+            </a:r>
+            <a:endParaRPr lang="zh-TW" altLang="en-US" dirty="0"/>
+          </a:p>
+        </p:txBody>
+      </p:sp>
+      <p:pic>
+        <p:nvPicPr>
+          <p:cNvPr id="3" name="圖片 2"/>
+          <p:cNvPicPr>
+            <a:picLocks noChangeAspect="1"/>
+          </p:cNvPicPr>
+          <p:nvPr/>
+        </p:nvPicPr>
+        <p:blipFill>
+          <a:blip r:embed="rId2">
+            <a:extLst>
+              <a:ext uri="{28A0092B-C50C-407E-A947-70E740481C1C}">
+                <a14:useLocalDpi xmlns:a14="http://schemas.microsoft.com/office/drawing/2010/main" val="0"/>
+              </a:ext>
+            </a:extLst>
+          </a:blip>
+          <a:stretch>
+            <a:fillRect/>
+          </a:stretch>
+        </p:blipFill>
+        <p:spPr>
+          <a:xfrm>
+            <a:off x="3303270" y="1299210"/>
+            <a:ext cx="5585460" cy="4259580"/>
+          </a:xfrm>
+          <a:prstGeom prst="rect">
+            <a:avLst/>
+          </a:prstGeom>
+        </p:spPr>
+      </p:pic>
+    </p:spTree>
+    <p:extLst>
+      <p:ext uri="{BB962C8B-B14F-4D97-AF65-F5344CB8AC3E}">
+        <p14:creationId xmlns:p14="http://schemas.microsoft.com/office/powerpoint/2010/main" val="3434828706"/>
+      </p:ext>
+    </p:extLst>
+  </p:cSld>
+  <p:clrMapOvr>
+    <a:masterClrMapping/>
+  </p:clrMapOvr>
+  <mc:AlternateContent xmlns:mc="http://schemas.openxmlformats.org/markup-compatibility/2006" xmlns:p14="http://schemas.microsoft.com/office/powerpoint/2010/main">
+    <mc:Choice Requires="p14">
+      <p:transition spd="med" p14:dur="700">
+        <p:fade/>
+      </p:transition>
+    </mc:Choice>
+    <mc:Fallback xmlns="">
+      <p:transition spd="med">
+        <p:fade/>
+      </p:transition>
+    </mc:Fallback>
+  </mc:AlternateContent>
+</p:sld>
+</file>
+
+<file path=ppt/slides/slide36.xml><?xml version="1.0" encoding="utf-8"?>
+<p:sld xmlns:a="http://schemas.openxmlformats.org/drawingml/2006/main" xmlns:r="http://schemas.openxmlformats.org/officeDocument/2006/relationships" xmlns:p="http://schemas.openxmlformats.org/presentationml/2006/main">
+  <p:cSld>
+    <p:spTree>
+      <p:nvGrpSpPr>
+        <p:cNvPr id="1" name=""/>
+        <p:cNvGrpSpPr/>
+        <p:nvPr/>
+      </p:nvGrpSpPr>
+      <p:grpSpPr>
+        <a:xfrm>
+          <a:off x="0" y="0"/>
+          <a:ext cx="0" cy="0"/>
+          <a:chOff x="0" y="0"/>
+          <a:chExt cx="0" cy="0"/>
+        </a:xfrm>
+      </p:grpSpPr>
+      <p:sp>
+        <p:nvSpPr>
+          <p:cNvPr id="2" name="標題 1"/>
+          <p:cNvSpPr>
+            <a:spLocks noGrp="1"/>
+          </p:cNvSpPr>
+          <p:nvPr>
+            <p:ph type="title"/>
+          </p:nvPr>
+        </p:nvSpPr>
+        <p:spPr/>
+        <p:txBody>
+          <a:bodyPr/>
+          <a:lstStyle/>
+          <a:p>
+            <a:r>
+              <a:rPr lang="zh-TW" altLang="en-US" dirty="0" smtClean="0"/>
+              <a:t>員工</a:t>
+            </a:r>
+            <a:r>
+              <a:rPr lang="en-US" altLang="zh-TW" dirty="0" smtClean="0"/>
+              <a:t>-</a:t>
+            </a:r>
+            <a:r>
+              <a:rPr lang="zh-TW" altLang="en-US" dirty="0" smtClean="0"/>
+              <a:t>報表管理</a:t>
+            </a:r>
+            <a:endParaRPr lang="zh-TW" altLang="en-US" dirty="0"/>
+          </a:p>
+        </p:txBody>
+      </p:sp>
+      <p:pic>
+        <p:nvPicPr>
+          <p:cNvPr id="3" name="圖片 2"/>
+          <p:cNvPicPr>
+            <a:picLocks noChangeAspect="1"/>
+          </p:cNvPicPr>
+          <p:nvPr/>
+        </p:nvPicPr>
+        <p:blipFill>
+          <a:blip r:embed="rId2">
+            <a:extLst>
+              <a:ext uri="{28A0092B-C50C-407E-A947-70E740481C1C}">
+                <a14:useLocalDpi xmlns:a14="http://schemas.microsoft.com/office/drawing/2010/main" val="0"/>
+              </a:ext>
+            </a:extLst>
+          </a:blip>
+          <a:stretch>
+            <a:fillRect/>
+          </a:stretch>
+        </p:blipFill>
+        <p:spPr>
+          <a:xfrm>
+            <a:off x="4270154" y="1222131"/>
+            <a:ext cx="7090094" cy="4619478"/>
+          </a:xfrm>
+          <a:prstGeom prst="rect">
+            <a:avLst/>
+          </a:prstGeom>
+        </p:spPr>
+      </p:pic>
+    </p:spTree>
+    <p:extLst>
+      <p:ext uri="{BB962C8B-B14F-4D97-AF65-F5344CB8AC3E}">
+        <p14:creationId xmlns:p14="http://schemas.microsoft.com/office/powerpoint/2010/main" val="4187479791"/>
+      </p:ext>
+    </p:extLst>
+  </p:cSld>
+  <p:clrMapOvr>
+    <a:masterClrMapping/>
+  </p:clrMapOvr>
+  <mc:AlternateContent xmlns:mc="http://schemas.openxmlformats.org/markup-compatibility/2006" xmlns:p14="http://schemas.microsoft.com/office/powerpoint/2010/main">
+    <mc:Choice Requires="p14">
+      <p:transition spd="med" p14:dur="700">
+        <p:fade/>
+      </p:transition>
+    </mc:Choice>
+    <mc:Fallback xmlns="">
+      <p:transition spd="med">
+        <p:fade/>
+      </p:transition>
+    </mc:Fallback>
+  </mc:AlternateContent>
+  <p:timing>
+    <p:tnLst>
+      <p:par>
+        <p:cTn id="1" dur="indefinite" restart="never" nodeType="tmRoot"/>
+      </p:par>
+    </p:tnLst>
+  </p:timing>
+</p:sld>
+</file>
+
+<file path=ppt/slides/slide37.xml><?xml version="1.0" encoding="utf-8"?>
+<p:sld xmlns:a="http://schemas.openxmlformats.org/drawingml/2006/main" xmlns:r="http://schemas.openxmlformats.org/officeDocument/2006/relationships" xmlns:p="http://schemas.openxmlformats.org/presentationml/2006/main">
+  <p:cSld>
+    <p:spTree>
+      <p:nvGrpSpPr>
+        <p:cNvPr id="1" name=""/>
+        <p:cNvGrpSpPr/>
+        <p:nvPr/>
+      </p:nvGrpSpPr>
+      <p:grpSpPr>
+        <a:xfrm>
+          <a:off x="0" y="0"/>
+          <a:ext cx="0" cy="0"/>
+          <a:chOff x="0" y="0"/>
+          <a:chExt cx="0" cy="0"/>
+        </a:xfrm>
+      </p:grpSpPr>
+      <p:sp>
+        <p:nvSpPr>
+          <p:cNvPr id="2" name="標題 1"/>
+          <p:cNvSpPr>
+            <a:spLocks noGrp="1"/>
+          </p:cNvSpPr>
+          <p:nvPr>
+            <p:ph type="title"/>
+          </p:nvPr>
+        </p:nvSpPr>
+        <p:spPr/>
+        <p:txBody>
+          <a:bodyPr/>
+          <a:lstStyle/>
+          <a:p>
+            <a:r>
+              <a:rPr lang="zh-TW" altLang="en-US" dirty="0" smtClean="0"/>
+              <a:t>員工</a:t>
+            </a:r>
+            <a:r>
+              <a:rPr lang="en-US" altLang="zh-TW" dirty="0" smtClean="0"/>
+              <a:t>-</a:t>
+            </a:r>
+            <a:r>
+              <a:rPr lang="zh-TW" altLang="en-US" dirty="0" smtClean="0"/>
+              <a:t>報表管理</a:t>
+            </a:r>
+            <a:endParaRPr lang="zh-TW" altLang="en-US" dirty="0"/>
+          </a:p>
+        </p:txBody>
+      </p:sp>
+      <p:pic>
+        <p:nvPicPr>
+          <p:cNvPr id="3" name="圖片 2"/>
+          <p:cNvPicPr>
+            <a:picLocks noChangeAspect="1"/>
+          </p:cNvPicPr>
+          <p:nvPr/>
+        </p:nvPicPr>
+        <p:blipFill>
+          <a:blip r:embed="rId2">
+            <a:extLst>
+              <a:ext uri="{28A0092B-C50C-407E-A947-70E740481C1C}">
+                <a14:useLocalDpi xmlns:a14="http://schemas.microsoft.com/office/drawing/2010/main" val="0"/>
+              </a:ext>
+            </a:extLst>
+          </a:blip>
+          <a:stretch>
+            <a:fillRect/>
+          </a:stretch>
+        </p:blipFill>
+        <p:spPr>
+          <a:xfrm>
+            <a:off x="4392830" y="1450731"/>
+            <a:ext cx="6914664" cy="4505178"/>
+          </a:xfrm>
+          <a:prstGeom prst="rect">
+            <a:avLst/>
+          </a:prstGeom>
+        </p:spPr>
+      </p:pic>
+    </p:spTree>
+    <p:extLst>
+      <p:ext uri="{BB962C8B-B14F-4D97-AF65-F5344CB8AC3E}">
+        <p14:creationId xmlns:p14="http://schemas.microsoft.com/office/powerpoint/2010/main" val="1774372939"/>
+      </p:ext>
+    </p:extLst>
+  </p:cSld>
+  <p:clrMapOvr>
+    <a:masterClrMapping/>
+  </p:clrMapOvr>
+  <mc:AlternateContent xmlns:mc="http://schemas.openxmlformats.org/markup-compatibility/2006" xmlns:p14="http://schemas.microsoft.com/office/powerpoint/2010/main">
+    <mc:Choice Requires="p14">
+      <p:transition spd="med" p14:dur="700">
+        <p:fade/>
+      </p:transition>
+    </mc:Choice>
+    <mc:Fallback xmlns="">
+      <p:transition spd="med">
+        <p:fade/>
+      </p:transition>
+    </mc:Fallback>
+  </mc:AlternateContent>
+  <p:timing>
+    <p:tnLst>
+      <p:par>
+        <p:cTn id="1" dur="indefinite" restart="never" nodeType="tmRoot"/>
+      </p:par>
+    </p:tnLst>
+  </p:timing>
+</p:sld>
+</file>
+
+<file path=ppt/slides/slide38.xml><?xml version="1.0" encoding="utf-8"?>
+<p:sld xmlns:a="http://schemas.openxmlformats.org/drawingml/2006/main" xmlns:r="http://schemas.openxmlformats.org/officeDocument/2006/relationships" xmlns:p="http://schemas.openxmlformats.org/presentationml/2006/main">
+  <p:cSld>
+    <p:spTree>
+      <p:nvGrpSpPr>
+        <p:cNvPr id="1" name=""/>
+        <p:cNvGrpSpPr/>
+        <p:nvPr/>
+      </p:nvGrpSpPr>
+      <p:grpSpPr>
+        <a:xfrm>
+          <a:off x="0" y="0"/>
+          <a:ext cx="0" cy="0"/>
+          <a:chOff x="0" y="0"/>
+          <a:chExt cx="0" cy="0"/>
+        </a:xfrm>
+      </p:grpSpPr>
+      <p:sp>
+        <p:nvSpPr>
+          <p:cNvPr id="2" name="標題 1"/>
+          <p:cNvSpPr>
+            <a:spLocks noGrp="1"/>
+          </p:cNvSpPr>
+          <p:nvPr>
+            <p:ph type="title"/>
+          </p:nvPr>
+        </p:nvSpPr>
+        <p:spPr/>
+        <p:txBody>
+          <a:bodyPr/>
+          <a:lstStyle/>
+          <a:p>
+            <a:r>
+              <a:rPr lang="zh-TW" altLang="en-US" dirty="0" smtClean="0"/>
+              <a:t>員工</a:t>
+            </a:r>
+            <a:r>
+              <a:rPr lang="en-US" altLang="zh-TW" dirty="0" smtClean="0"/>
+              <a:t>-</a:t>
+            </a:r>
+            <a:r>
+              <a:rPr lang="zh-TW" altLang="en-US" dirty="0" smtClean="0"/>
+              <a:t>報表管理</a:t>
+            </a:r>
+            <a:endParaRPr lang="zh-TW" altLang="en-US" dirty="0"/>
+          </a:p>
+        </p:txBody>
+      </p:sp>
+      <p:pic>
+        <p:nvPicPr>
+          <p:cNvPr id="4" name="圖片 3"/>
+          <p:cNvPicPr>
+            <a:picLocks noChangeAspect="1"/>
+          </p:cNvPicPr>
+          <p:nvPr/>
+        </p:nvPicPr>
+        <p:blipFill>
+          <a:blip r:embed="rId2">
+            <a:extLst>
+              <a:ext uri="{28A0092B-C50C-407E-A947-70E740481C1C}">
+                <a14:useLocalDpi xmlns:a14="http://schemas.microsoft.com/office/drawing/2010/main" val="0"/>
+              </a:ext>
+            </a:extLst>
+          </a:blip>
+          <a:stretch>
+            <a:fillRect/>
+          </a:stretch>
+        </p:blipFill>
+        <p:spPr>
+          <a:xfrm>
+            <a:off x="4319844" y="1371599"/>
+            <a:ext cx="7225042" cy="4707402"/>
+          </a:xfrm>
+          <a:prstGeom prst="rect">
+            <a:avLst/>
+          </a:prstGeom>
+        </p:spPr>
+      </p:pic>
+    </p:spTree>
+    <p:extLst>
+      <p:ext uri="{BB962C8B-B14F-4D97-AF65-F5344CB8AC3E}">
+        <p14:creationId xmlns:p14="http://schemas.microsoft.com/office/powerpoint/2010/main" val="681070054"/>
+      </p:ext>
+    </p:extLst>
+  </p:cSld>
+  <p:clrMapOvr>
+    <a:masterClrMapping/>
+  </p:clrMapOvr>
+  <mc:AlternateContent xmlns:mc="http://schemas.openxmlformats.org/markup-compatibility/2006" xmlns:p14="http://schemas.microsoft.com/office/powerpoint/2010/main">
+    <mc:Choice Requires="p14">
+      <p:transition spd="med" p14:dur="700">
+        <p:fade/>
+      </p:transition>
+    </mc:Choice>
+    <mc:Fallback xmlns="">
+      <p:transition spd="med">
+        <p:fade/>
+      </p:transition>
+    </mc:Fallback>
+  </mc:AlternateContent>
+  <p:timing>
+    <p:tnLst>
+      <p:par>
+        <p:cTn id="1" dur="indefinite" restart="never" nodeType="tmRoot"/>
+      </p:par>
+    </p:tnLst>
+  </p:timing>
+</p:sld>
+</file>
+
+<file path=ppt/slides/slide39.xml><?xml version="1.0" encoding="utf-8"?>
+<p:sld xmlns:a="http://schemas.openxmlformats.org/drawingml/2006/main" xmlns:r="http://schemas.openxmlformats.org/officeDocument/2006/relationships" xmlns:p="http://schemas.openxmlformats.org/presentationml/2006/main">
+  <p:cSld>
+    <p:spTree>
+      <p:nvGrpSpPr>
+        <p:cNvPr id="1" name=""/>
+        <p:cNvGrpSpPr/>
+        <p:nvPr/>
+      </p:nvGrpSpPr>
+      <p:grpSpPr>
+        <a:xfrm>
+          <a:off x="0" y="0"/>
+          <a:ext cx="0" cy="0"/>
+          <a:chOff x="0" y="0"/>
+          <a:chExt cx="0" cy="0"/>
+        </a:xfrm>
+      </p:grpSpPr>
+      <p:sp>
+        <p:nvSpPr>
+          <p:cNvPr id="2" name="標題 1"/>
+          <p:cNvSpPr>
+            <a:spLocks noGrp="1"/>
+          </p:cNvSpPr>
+          <p:nvPr>
+            <p:ph type="title"/>
+          </p:nvPr>
+        </p:nvSpPr>
+        <p:spPr/>
+        <p:txBody>
+          <a:bodyPr/>
+          <a:lstStyle/>
+          <a:p>
+            <a:r>
+              <a:rPr lang="zh-TW" altLang="en-US" dirty="0" smtClean="0"/>
+              <a:t>客戶</a:t>
+            </a:r>
+            <a:endParaRPr lang="zh-TW" altLang="en-US" dirty="0"/>
+          </a:p>
+        </p:txBody>
+      </p:sp>
+      <p:pic>
+        <p:nvPicPr>
+          <p:cNvPr id="4" name="圖片 3"/>
+          <p:cNvPicPr>
+            <a:picLocks noChangeAspect="1"/>
+          </p:cNvPicPr>
+          <p:nvPr/>
+        </p:nvPicPr>
+        <p:blipFill>
+          <a:blip r:embed="rId2">
+            <a:extLst>
+              <a:ext uri="{28A0092B-C50C-407E-A947-70E740481C1C}">
+                <a14:useLocalDpi xmlns:a14="http://schemas.microsoft.com/office/drawing/2010/main" val="0"/>
+              </a:ext>
+            </a:extLst>
+          </a:blip>
+          <a:stretch>
+            <a:fillRect/>
+          </a:stretch>
+        </p:blipFill>
+        <p:spPr>
+          <a:xfrm>
+            <a:off x="3303270" y="1299210"/>
+            <a:ext cx="5585460" cy="4259580"/>
+          </a:xfrm>
+          <a:prstGeom prst="rect">
+            <a:avLst/>
+          </a:prstGeom>
+        </p:spPr>
+      </p:pic>
+    </p:spTree>
+    <p:extLst>
+      <p:ext uri="{BB962C8B-B14F-4D97-AF65-F5344CB8AC3E}">
+        <p14:creationId xmlns:p14="http://schemas.microsoft.com/office/powerpoint/2010/main" val="3329576287"/>
       </p:ext>
     </p:extLst>
   </p:cSld>
@@ -16623,6 +21413,231 @@
       </p:transition>
     </mc:Fallback>
   </mc:AlternateContent>
+  <p:timing>
+    <p:tnLst>
+      <p:par>
+        <p:cTn id="1" dur="indefinite" restart="never" nodeType="tmRoot"/>
+      </p:par>
+    </p:tnLst>
+  </p:timing>
+</p:sld>
+</file>
+
+<file path=ppt/slides/slide40.xml><?xml version="1.0" encoding="utf-8"?>
+<p:sld xmlns:a="http://schemas.openxmlformats.org/drawingml/2006/main" xmlns:r="http://schemas.openxmlformats.org/officeDocument/2006/relationships" xmlns:p="http://schemas.openxmlformats.org/presentationml/2006/main">
+  <p:cSld>
+    <p:spTree>
+      <p:nvGrpSpPr>
+        <p:cNvPr id="1" name=""/>
+        <p:cNvGrpSpPr/>
+        <p:nvPr/>
+      </p:nvGrpSpPr>
+      <p:grpSpPr>
+        <a:xfrm>
+          <a:off x="0" y="0"/>
+          <a:ext cx="0" cy="0"/>
+          <a:chOff x="0" y="0"/>
+          <a:chExt cx="0" cy="0"/>
+        </a:xfrm>
+      </p:grpSpPr>
+      <p:sp>
+        <p:nvSpPr>
+          <p:cNvPr id="2" name="標題 1"/>
+          <p:cNvSpPr>
+            <a:spLocks noGrp="1"/>
+          </p:cNvSpPr>
+          <p:nvPr>
+            <p:ph type="title"/>
+          </p:nvPr>
+        </p:nvSpPr>
+        <p:spPr/>
+        <p:txBody>
+          <a:bodyPr/>
+          <a:lstStyle/>
+          <a:p>
+            <a:r>
+              <a:rPr lang="zh-TW" altLang="en-US" dirty="0" smtClean="0"/>
+              <a:t>客戶</a:t>
+            </a:r>
+            <a:r>
+              <a:rPr lang="en-US" altLang="zh-TW" dirty="0" smtClean="0"/>
+              <a:t>-</a:t>
+            </a:r>
+            <a:r>
+              <a:rPr lang="zh-TW" altLang="en-US" dirty="0" smtClean="0"/>
+              <a:t>管理訂單</a:t>
+            </a:r>
+            <a:endParaRPr lang="zh-TW" altLang="en-US" dirty="0"/>
+          </a:p>
+        </p:txBody>
+      </p:sp>
+      <p:pic>
+        <p:nvPicPr>
+          <p:cNvPr id="3" name="圖片 2"/>
+          <p:cNvPicPr>
+            <a:picLocks noChangeAspect="1"/>
+          </p:cNvPicPr>
+          <p:nvPr/>
+        </p:nvPicPr>
+        <p:blipFill>
+          <a:blip r:embed="rId2">
+            <a:extLst>
+              <a:ext uri="{28A0092B-C50C-407E-A947-70E740481C1C}">
+                <a14:useLocalDpi xmlns:a14="http://schemas.microsoft.com/office/drawing/2010/main" val="0"/>
+              </a:ext>
+            </a:extLst>
+          </a:blip>
+          <a:stretch>
+            <a:fillRect/>
+          </a:stretch>
+        </p:blipFill>
+        <p:spPr>
+          <a:xfrm>
+            <a:off x="182587" y="1751746"/>
+            <a:ext cx="6845751" cy="4042385"/>
+          </a:xfrm>
+          <a:prstGeom prst="rect">
+            <a:avLst/>
+          </a:prstGeom>
+        </p:spPr>
+      </p:pic>
+      <p:pic>
+        <p:nvPicPr>
+          <p:cNvPr id="5" name="圖片 4"/>
+          <p:cNvPicPr>
+            <a:picLocks noChangeAspect="1"/>
+          </p:cNvPicPr>
+          <p:nvPr/>
+        </p:nvPicPr>
+        <p:blipFill>
+          <a:blip r:embed="rId3">
+            <a:extLst>
+              <a:ext uri="{28A0092B-C50C-407E-A947-70E740481C1C}">
+                <a14:useLocalDpi xmlns:a14="http://schemas.microsoft.com/office/drawing/2010/main" val="0"/>
+              </a:ext>
+            </a:extLst>
+          </a:blip>
+          <a:stretch>
+            <a:fillRect/>
+          </a:stretch>
+        </p:blipFill>
+        <p:spPr>
+          <a:xfrm>
+            <a:off x="7204711" y="2569723"/>
+            <a:ext cx="4640580" cy="2796540"/>
+          </a:xfrm>
+          <a:prstGeom prst="rect">
+            <a:avLst/>
+          </a:prstGeom>
+        </p:spPr>
+      </p:pic>
+    </p:spTree>
+    <p:extLst>
+      <p:ext uri="{BB962C8B-B14F-4D97-AF65-F5344CB8AC3E}">
+        <p14:creationId xmlns:p14="http://schemas.microsoft.com/office/powerpoint/2010/main" val="2170089353"/>
+      </p:ext>
+    </p:extLst>
+  </p:cSld>
+  <p:clrMapOvr>
+    <a:masterClrMapping/>
+  </p:clrMapOvr>
+  <mc:AlternateContent xmlns:mc="http://schemas.openxmlformats.org/markup-compatibility/2006" xmlns:p14="http://schemas.microsoft.com/office/powerpoint/2010/main">
+    <mc:Choice Requires="p14">
+      <p:transition spd="med" p14:dur="700">
+        <p:fade/>
+      </p:transition>
+    </mc:Choice>
+    <mc:Fallback xmlns="">
+      <p:transition spd="med">
+        <p:fade/>
+      </p:transition>
+    </mc:Fallback>
+  </mc:AlternateContent>
+</p:sld>
+</file>
+
+<file path=ppt/slides/slide41.xml><?xml version="1.0" encoding="utf-8"?>
+<p:sld xmlns:a="http://schemas.openxmlformats.org/drawingml/2006/main" xmlns:r="http://schemas.openxmlformats.org/officeDocument/2006/relationships" xmlns:p="http://schemas.openxmlformats.org/presentationml/2006/main">
+  <p:cSld>
+    <p:spTree>
+      <p:nvGrpSpPr>
+        <p:cNvPr id="1" name=""/>
+        <p:cNvGrpSpPr/>
+        <p:nvPr/>
+      </p:nvGrpSpPr>
+      <p:grpSpPr>
+        <a:xfrm>
+          <a:off x="0" y="0"/>
+          <a:ext cx="0" cy="0"/>
+          <a:chOff x="0" y="0"/>
+          <a:chExt cx="0" cy="0"/>
+        </a:xfrm>
+      </p:grpSpPr>
+      <p:sp>
+        <p:nvSpPr>
+          <p:cNvPr id="2" name="標題 1"/>
+          <p:cNvSpPr>
+            <a:spLocks noGrp="1"/>
+          </p:cNvSpPr>
+          <p:nvPr>
+            <p:ph type="title"/>
+          </p:nvPr>
+        </p:nvSpPr>
+        <p:spPr/>
+        <p:txBody>
+          <a:bodyPr rtlCol="0"/>
+          <a:lstStyle/>
+          <a:p>
+            <a:r>
+              <a:rPr lang="en-US" altLang="zh-TW" dirty="0" smtClean="0"/>
+              <a:t>Q&amp;A</a:t>
+            </a:r>
+            <a:endParaRPr lang="zh-TW" altLang="en-US" dirty="0"/>
+          </a:p>
+        </p:txBody>
+      </p:sp>
+      <p:sp>
+        <p:nvSpPr>
+          <p:cNvPr id="3" name="文字預留位置 2"/>
+          <p:cNvSpPr>
+            <a:spLocks noGrp="1"/>
+          </p:cNvSpPr>
+          <p:nvPr>
+            <p:ph type="body" idx="1"/>
+          </p:nvPr>
+        </p:nvSpPr>
+        <p:spPr/>
+        <p:txBody>
+          <a:bodyPr rtlCol="0"/>
+          <a:lstStyle/>
+          <a:p>
+            <a:pPr rtl="0"/>
+            <a:endParaRPr lang="zh-TW" altLang="en-US" dirty="0"/>
+          </a:p>
+        </p:txBody>
+      </p:sp>
+    </p:spTree>
+    <p:extLst>
+      <p:ext uri="{BB962C8B-B14F-4D97-AF65-F5344CB8AC3E}">
+        <p14:creationId xmlns:p14="http://schemas.microsoft.com/office/powerpoint/2010/main" val="3241453918"/>
+      </p:ext>
+    </p:extLst>
+  </p:cSld>
+  <p:clrMapOvr>
+    <a:masterClrMapping/>
+  </p:clrMapOvr>
+  <mc:AlternateContent xmlns:mc="http://schemas.openxmlformats.org/markup-compatibility/2006" xmlns:p14="http://schemas.microsoft.com/office/powerpoint/2010/main">
+    <mc:Choice Requires="p14">
+      <p:transition spd="med" p14:dur="700">
+        <p:fade/>
+      </p:transition>
+    </mc:Choice>
+    <mc:Fallback xmlns="">
+      <p:transition spd="med">
+        <p:fade/>
+      </p:transition>
+    </mc:Fallback>
+  </mc:AlternateContent>
 </p:sld>
 </file>
 
@@ -16866,6 +21881,13 @@
       </p:transition>
     </mc:Fallback>
   </mc:AlternateContent>
+  <p:timing>
+    <p:tnLst>
+      <p:par>
+        <p:cTn id="1" dur="indefinite" restart="never" nodeType="tmRoot"/>
+      </p:par>
+    </p:tnLst>
+  </p:timing>
 </p:sld>
 </file>
 
@@ -16921,43 +21943,127 @@
         </p:nvSpPr>
         <p:spPr/>
         <p:txBody>
-          <a:bodyPr/>
+          <a:bodyPr>
+            <a:normAutofit/>
+          </a:bodyPr>
           <a:lstStyle/>
           <a:p>
             <a:r>
-              <a:rPr lang="zh-TW" altLang="en-US" dirty="0" smtClean="0"/>
-              <a:t>見 </a:t>
-            </a:r>
-            <a:r>
-              <a:rPr lang="en-US" altLang="zh-TW" dirty="0" err="1" smtClean="0"/>
-              <a:t>Github</a:t>
-            </a:r>
-            <a:r>
-              <a:rPr lang="en-US" altLang="zh-TW" dirty="0" smtClean="0"/>
+              <a:rPr lang="zh-TW" altLang="en-US" sz="1600" dirty="0"/>
+              <a:t>📂 </a:t>
+            </a:r>
+            <a:r>
+              <a:rPr lang="en-US" altLang="zh-TW" sz="1600" dirty="0"/>
+              <a:t>controller</a:t>
+            </a:r>
+            <a:r>
+              <a:rPr lang="zh-TW" altLang="en-US" sz="1600" dirty="0"/>
+              <a:t>（控制層 </a:t>
+            </a:r>
+            <a:r>
+              <a:rPr lang="en-US" altLang="zh-TW" sz="1600" dirty="0"/>
+              <a:t>- </a:t>
+            </a:r>
+            <a:r>
+              <a:rPr lang="zh-TW" altLang="en-US" sz="1600" dirty="0"/>
+              <a:t>負責 </a:t>
+            </a:r>
+            <a:r>
+              <a:rPr lang="en-US" altLang="zh-TW" sz="1600" dirty="0"/>
+              <a:t>UI </a:t>
+            </a:r>
+            <a:r>
+              <a:rPr lang="zh-TW" altLang="en-US" sz="1600" dirty="0"/>
+              <a:t>及業務邏輯）</a:t>
+            </a:r>
+          </a:p>
+          <a:p>
+            <a:r>
+              <a:rPr lang="zh-TW" altLang="en-US" sz="1600" dirty="0"/>
+              <a:t>這部分負責與使用者互動，使用 </a:t>
+            </a:r>
+            <a:r>
+              <a:rPr lang="en-US" altLang="zh-TW" sz="1600" dirty="0" err="1"/>
+              <a:t>JFrame</a:t>
+            </a:r>
+            <a:r>
+              <a:rPr lang="zh-TW" altLang="en-US" sz="1600" dirty="0"/>
+              <a:t>、</a:t>
+            </a:r>
+            <a:r>
+              <a:rPr lang="en-US" altLang="zh-TW" sz="1600" dirty="0" err="1"/>
+              <a:t>JDialog</a:t>
+            </a:r>
+            <a:r>
+              <a:rPr lang="en-US" altLang="zh-TW" sz="1600" dirty="0"/>
               <a:t> </a:t>
             </a:r>
             <a:r>
-              <a:rPr lang="zh-TW" altLang="en-US" dirty="0" smtClean="0"/>
-              <a:t>說明</a:t>
-            </a:r>
-            <a:endParaRPr lang="en-US" altLang="zh-TW" dirty="0" smtClean="0"/>
-          </a:p>
-          <a:p>
-            <a:pPr marL="0" indent="0">
-              <a:buNone/>
-            </a:pPr>
-            <a:r>
-              <a:rPr lang="en-US" altLang="zh-TW" dirty="0"/>
-              <a:t>https://github.com/guyverfax/SportProject</a:t>
-            </a:r>
-            <a:endParaRPr lang="zh-TW" altLang="en-US" dirty="0"/>
+              <a:rPr lang="zh-TW" altLang="en-US" sz="1600" dirty="0"/>
+              <a:t>來設計介面，並與 </a:t>
+            </a:r>
+            <a:r>
+              <a:rPr lang="en-US" altLang="zh-TW" sz="1600" dirty="0"/>
+              <a:t>Service </a:t>
+            </a:r>
+            <a:r>
+              <a:rPr lang="zh-TW" altLang="en-US" sz="1600" dirty="0"/>
+              <a:t>層 互動。</a:t>
+            </a:r>
+          </a:p>
+          <a:p>
+            <a:endParaRPr lang="zh-TW" altLang="en-US" sz="1600" dirty="0"/>
+          </a:p>
+          <a:p>
+            <a:r>
+              <a:rPr lang="zh-TW" altLang="en-US" sz="1600" dirty="0"/>
+              <a:t>📁 </a:t>
+            </a:r>
+            <a:r>
+              <a:rPr lang="en-US" altLang="zh-TW" sz="1600" dirty="0"/>
+              <a:t>customer</a:t>
+            </a:r>
+            <a:r>
+              <a:rPr lang="zh-TW" altLang="en-US" sz="1600" dirty="0"/>
+              <a:t>（會員管理）</a:t>
+            </a:r>
+          </a:p>
+          <a:p>
+            <a:r>
+              <a:rPr lang="en-US" altLang="zh-TW" sz="1600" dirty="0"/>
+              <a:t>MemberMainUI.java → </a:t>
+            </a:r>
+            <a:r>
+              <a:rPr lang="zh-TW" altLang="en-US" sz="1600" dirty="0"/>
+              <a:t>會員主介面</a:t>
+            </a:r>
+          </a:p>
+          <a:p>
+            <a:r>
+              <a:rPr lang="en-US" altLang="zh-TW" sz="1600" dirty="0"/>
+              <a:t>MemberReadDialog.java → </a:t>
+            </a:r>
+            <a:r>
+              <a:rPr lang="zh-TW" altLang="en-US" sz="1600" dirty="0"/>
+              <a:t>會員資料詳細資訊的彈窗</a:t>
+            </a:r>
+          </a:p>
+          <a:p>
+            <a:r>
+              <a:rPr lang="en-US" altLang="zh-TW" sz="1600" dirty="0"/>
+              <a:t>MemberReadUI.java → </a:t>
+            </a:r>
+            <a:r>
+              <a:rPr lang="zh-TW" altLang="en-US" sz="1600" dirty="0"/>
+              <a:t>會員資料查詢介面</a:t>
+            </a:r>
           </a:p>
         </p:txBody>
       </p:sp>
     </p:spTree>
     <p:extLst>
       <p:ext uri="{BB962C8B-B14F-4D97-AF65-F5344CB8AC3E}">
-        <p14:creationId xmlns:p14="http://schemas.microsoft.com/office/powerpoint/2010/main" val="2668805461"/>
+        <p14:creationId xmlns:p14="http://schemas.microsoft.com/office/powerpoint/2010/main" val="964159983"/>
       </p:ext>
     </p:extLst>
   </p:cSld>
@@ -16976,6 +22082,13 @@
       </p:transition>
     </mc:Fallback>
   </mc:AlternateContent>
+  <p:timing>
+    <p:tnLst>
+      <p:par>
+        <p:cTn id="1" dur="indefinite" restart="never" nodeType="tmRoot"/>
+      </p:par>
+    </p:tnLst>
+  </p:timing>
 </p:sld>
 </file>
 
@@ -17013,7 +22126,7 @@
           <a:p>
             <a:r>
               <a:rPr lang="zh-TW" altLang="en-US" dirty="0" smtClean="0"/>
-              <a:t>使用介面架構</a:t>
+              <a:t>程式目錄結構</a:t>
             </a:r>
             <a:endParaRPr lang="zh-TW" altLang="en-US" dirty="0"/>
           </a:p>
@@ -17021,1052 +22134,87 @@
       </p:sp>
       <p:sp>
         <p:nvSpPr>
-          <p:cNvPr id="3" name="文字方塊 2"/>
-          <p:cNvSpPr txBox="1"/>
-          <p:nvPr/>
+          <p:cNvPr id="4" name="內容版面配置區 3"/>
+          <p:cNvSpPr>
+            <a:spLocks noGrp="1"/>
+          </p:cNvSpPr>
+          <p:nvPr>
+            <p:ph idx="1"/>
+          </p:nvPr>
         </p:nvSpPr>
-        <p:spPr>
-          <a:xfrm>
-            <a:off x="4629150" y="1276906"/>
-            <a:ext cx="2305050" cy="369332"/>
-          </a:xfrm>
-          <a:prstGeom prst="rect">
-            <a:avLst/>
-          </a:prstGeom>
-          <a:solidFill>
-            <a:schemeClr val="accent4">
-              <a:lumMod val="20000"/>
-              <a:lumOff val="80000"/>
-            </a:schemeClr>
-          </a:solidFill>
-        </p:spPr>
+        <p:spPr/>
         <p:txBody>
-          <a:bodyPr wrap="square" rtlCol="0">
-            <a:spAutoFit/>
+          <a:bodyPr>
+            <a:normAutofit/>
           </a:bodyPr>
           <a:lstStyle/>
           <a:p>
-            <a:pPr algn="ctr"/>
-            <a:r>
-              <a:rPr lang="zh-TW" altLang="en-US" dirty="0" smtClean="0"/>
-              <a:t>體育用品店登入首頁</a:t>
-            </a:r>
-            <a:endParaRPr lang="zh-TW" altLang="en-US" dirty="0"/>
+            <a:r>
+              <a:rPr lang="zh-TW" altLang="en-US" sz="1600" dirty="0"/>
+              <a:t>📁 </a:t>
+            </a:r>
+            <a:r>
+              <a:rPr lang="en-US" altLang="zh-TW" sz="1600" dirty="0"/>
+              <a:t>employ</a:t>
+            </a:r>
+            <a:r>
+              <a:rPr lang="zh-TW" altLang="en-US" sz="1600" dirty="0"/>
+              <a:t>（員工管理）</a:t>
+            </a:r>
+          </a:p>
+          <a:p>
+            <a:r>
+              <a:rPr lang="en-US" altLang="zh-TW" sz="1600" dirty="0"/>
+              <a:t>EmployManagerUI.java → </a:t>
+            </a:r>
+            <a:r>
+              <a:rPr lang="zh-TW" altLang="en-US" sz="1600" dirty="0"/>
+              <a:t>員工管理主介面</a:t>
+            </a:r>
+          </a:p>
+          <a:p>
+            <a:r>
+              <a:rPr lang="en-US" altLang="zh-TW" sz="1600" dirty="0"/>
+              <a:t>EmployUpdateUI.java → </a:t>
+            </a:r>
+            <a:r>
+              <a:rPr lang="zh-TW" altLang="en-US" sz="1600" dirty="0"/>
+              <a:t>員工資訊編輯介面</a:t>
+            </a:r>
+          </a:p>
+          <a:p>
+            <a:endParaRPr lang="zh-TW" altLang="en-US" sz="1600" dirty="0"/>
+          </a:p>
+          <a:p>
+            <a:r>
+              <a:rPr lang="zh-TW" altLang="en-US" sz="1600" dirty="0"/>
+              <a:t>📁 </a:t>
+            </a:r>
+            <a:r>
+              <a:rPr lang="en-US" altLang="zh-TW" sz="1600" dirty="0"/>
+              <a:t>member</a:t>
+            </a:r>
+            <a:r>
+              <a:rPr lang="zh-TW" altLang="en-US" sz="1600" dirty="0"/>
+              <a:t>（會員管理）</a:t>
+            </a:r>
+          </a:p>
+          <a:p>
+            <a:r>
+              <a:rPr lang="en-US" altLang="zh-TW" sz="1600" dirty="0"/>
+              <a:t>MemberManagerUI.java → </a:t>
+            </a:r>
+            <a:r>
+              <a:rPr lang="zh-TW" altLang="en-US" sz="1600" dirty="0"/>
+              <a:t>會員管理介面（可能包含新增、刪除、修改功能）</a:t>
+            </a:r>
           </a:p>
         </p:txBody>
       </p:sp>
-      <p:sp>
-        <p:nvSpPr>
-          <p:cNvPr id="4" name="文字方塊 3"/>
-          <p:cNvSpPr txBox="1"/>
-          <p:nvPr/>
-        </p:nvSpPr>
-        <p:spPr>
-          <a:xfrm>
-            <a:off x="3034078" y="1860570"/>
-            <a:ext cx="1151793" cy="369332"/>
-          </a:xfrm>
-          <a:prstGeom prst="rect">
-            <a:avLst/>
-          </a:prstGeom>
-          <a:solidFill>
-            <a:schemeClr val="accent3">
-              <a:lumMod val="20000"/>
-              <a:lumOff val="80000"/>
-            </a:schemeClr>
-          </a:solidFill>
-        </p:spPr>
-        <p:txBody>
-          <a:bodyPr wrap="square" rtlCol="0">
-            <a:spAutoFit/>
-          </a:bodyPr>
-          <a:lstStyle/>
-          <a:p>
-            <a:pPr algn="ctr"/>
-            <a:r>
-              <a:rPr lang="zh-TW" altLang="en-US" dirty="0" smtClean="0"/>
-              <a:t>員工登入</a:t>
-            </a:r>
-            <a:endParaRPr lang="zh-TW" altLang="en-US" dirty="0"/>
-          </a:p>
-        </p:txBody>
-      </p:sp>
-      <p:sp>
-        <p:nvSpPr>
-          <p:cNvPr id="5" name="文字方塊 4"/>
-          <p:cNvSpPr txBox="1"/>
-          <p:nvPr/>
-        </p:nvSpPr>
-        <p:spPr>
-          <a:xfrm>
-            <a:off x="8020782" y="1863249"/>
-            <a:ext cx="1151793" cy="369332"/>
-          </a:xfrm>
-          <a:prstGeom prst="rect">
-            <a:avLst/>
-          </a:prstGeom>
-          <a:solidFill>
-            <a:schemeClr val="accent5">
-              <a:lumMod val="20000"/>
-              <a:lumOff val="80000"/>
-            </a:schemeClr>
-          </a:solidFill>
-        </p:spPr>
-        <p:txBody>
-          <a:bodyPr wrap="square" rtlCol="0">
-            <a:spAutoFit/>
-          </a:bodyPr>
-          <a:lstStyle/>
-          <a:p>
-            <a:pPr algn="ctr"/>
-            <a:r>
-              <a:rPr lang="zh-TW" altLang="en-US" dirty="0" smtClean="0"/>
-              <a:t>客戶登入</a:t>
-            </a:r>
-            <a:endParaRPr lang="zh-TW" altLang="en-US" dirty="0"/>
-          </a:p>
-        </p:txBody>
-      </p:sp>
-      <p:sp>
-        <p:nvSpPr>
-          <p:cNvPr id="6" name="文字方塊 5"/>
-          <p:cNvSpPr txBox="1"/>
-          <p:nvPr/>
-        </p:nvSpPr>
-        <p:spPr>
-          <a:xfrm>
-            <a:off x="1153257" y="2448481"/>
-            <a:ext cx="1151793" cy="369332"/>
-          </a:xfrm>
-          <a:prstGeom prst="rect">
-            <a:avLst/>
-          </a:prstGeom>
-          <a:solidFill>
-            <a:schemeClr val="accent3">
-              <a:lumMod val="20000"/>
-              <a:lumOff val="80000"/>
-            </a:schemeClr>
-          </a:solidFill>
-        </p:spPr>
-        <p:txBody>
-          <a:bodyPr wrap="square" rtlCol="0">
-            <a:spAutoFit/>
-          </a:bodyPr>
-          <a:lstStyle/>
-          <a:p>
-            <a:pPr algn="ctr"/>
-            <a:r>
-              <a:rPr lang="zh-TW" altLang="en-US" dirty="0" smtClean="0"/>
-              <a:t>訂單管理</a:t>
-            </a:r>
-            <a:endParaRPr lang="zh-TW" altLang="en-US" dirty="0"/>
-          </a:p>
-        </p:txBody>
-      </p:sp>
-      <p:sp>
-        <p:nvSpPr>
-          <p:cNvPr id="7" name="文字方塊 6"/>
-          <p:cNvSpPr txBox="1"/>
-          <p:nvPr/>
-        </p:nvSpPr>
-        <p:spPr>
-          <a:xfrm>
-            <a:off x="2458182" y="2448481"/>
-            <a:ext cx="1151793" cy="369332"/>
-          </a:xfrm>
-          <a:prstGeom prst="rect">
-            <a:avLst/>
-          </a:prstGeom>
-          <a:solidFill>
-            <a:schemeClr val="accent3">
-              <a:lumMod val="20000"/>
-              <a:lumOff val="80000"/>
-            </a:schemeClr>
-          </a:solidFill>
-        </p:spPr>
-        <p:txBody>
-          <a:bodyPr wrap="square" rtlCol="0">
-            <a:spAutoFit/>
-          </a:bodyPr>
-          <a:lstStyle/>
-          <a:p>
-            <a:pPr algn="ctr"/>
-            <a:r>
-              <a:rPr lang="zh-TW" altLang="en-US" dirty="0" smtClean="0"/>
-              <a:t>產品管理</a:t>
-            </a:r>
-            <a:endParaRPr lang="zh-TW" altLang="en-US" dirty="0"/>
-          </a:p>
-        </p:txBody>
-      </p:sp>
-      <p:sp>
-        <p:nvSpPr>
-          <p:cNvPr id="8" name="文字方塊 7"/>
-          <p:cNvSpPr txBox="1"/>
-          <p:nvPr/>
-        </p:nvSpPr>
-        <p:spPr>
-          <a:xfrm>
-            <a:off x="3763107" y="2452728"/>
-            <a:ext cx="1151793" cy="369332"/>
-          </a:xfrm>
-          <a:prstGeom prst="rect">
-            <a:avLst/>
-          </a:prstGeom>
-          <a:solidFill>
-            <a:schemeClr val="accent3">
-              <a:lumMod val="20000"/>
-              <a:lumOff val="80000"/>
-            </a:schemeClr>
-          </a:solidFill>
-        </p:spPr>
-        <p:txBody>
-          <a:bodyPr wrap="square" rtlCol="0">
-            <a:spAutoFit/>
-          </a:bodyPr>
-          <a:lstStyle/>
-          <a:p>
-            <a:pPr algn="ctr"/>
-            <a:r>
-              <a:rPr lang="zh-TW" altLang="en-US" dirty="0" smtClean="0"/>
-              <a:t>客戶管理</a:t>
-            </a:r>
-            <a:endParaRPr lang="zh-TW" altLang="en-US" dirty="0"/>
-          </a:p>
-        </p:txBody>
-      </p:sp>
-      <p:sp>
-        <p:nvSpPr>
-          <p:cNvPr id="9" name="文字方塊 8"/>
-          <p:cNvSpPr txBox="1"/>
-          <p:nvPr/>
-        </p:nvSpPr>
-        <p:spPr>
-          <a:xfrm>
-            <a:off x="5068032" y="2448481"/>
-            <a:ext cx="1732817" cy="369332"/>
-          </a:xfrm>
-          <a:prstGeom prst="rect">
-            <a:avLst/>
-          </a:prstGeom>
-          <a:solidFill>
-            <a:schemeClr val="accent3">
-              <a:lumMod val="20000"/>
-              <a:lumOff val="80000"/>
-            </a:schemeClr>
-          </a:solidFill>
-        </p:spPr>
-        <p:txBody>
-          <a:bodyPr wrap="square" rtlCol="0">
-            <a:spAutoFit/>
-          </a:bodyPr>
-          <a:lstStyle/>
-          <a:p>
-            <a:pPr algn="ctr"/>
-            <a:r>
-              <a:rPr lang="zh-TW" altLang="en-US" dirty="0" smtClean="0"/>
-              <a:t>員工管理</a:t>
-            </a:r>
-            <a:endParaRPr lang="zh-TW" altLang="en-US" dirty="0"/>
-          </a:p>
-        </p:txBody>
-      </p:sp>
-      <p:sp>
-        <p:nvSpPr>
-          <p:cNvPr id="10" name="文字方塊 9"/>
-          <p:cNvSpPr txBox="1"/>
-          <p:nvPr/>
-        </p:nvSpPr>
-        <p:spPr>
-          <a:xfrm>
-            <a:off x="8020781" y="2452728"/>
-            <a:ext cx="1151793" cy="369332"/>
-          </a:xfrm>
-          <a:prstGeom prst="rect">
-            <a:avLst/>
-          </a:prstGeom>
-          <a:solidFill>
-            <a:schemeClr val="accent5">
-              <a:lumMod val="20000"/>
-              <a:lumOff val="80000"/>
-            </a:schemeClr>
-          </a:solidFill>
-        </p:spPr>
-        <p:txBody>
-          <a:bodyPr wrap="square" rtlCol="0">
-            <a:spAutoFit/>
-          </a:bodyPr>
-          <a:lstStyle/>
-          <a:p>
-            <a:pPr algn="ctr"/>
-            <a:r>
-              <a:rPr lang="zh-TW" altLang="en-US" dirty="0" smtClean="0"/>
-              <a:t>訂單管理</a:t>
-            </a:r>
-            <a:endParaRPr lang="zh-TW" altLang="en-US" dirty="0"/>
-          </a:p>
-        </p:txBody>
-      </p:sp>
-      <p:sp>
-        <p:nvSpPr>
-          <p:cNvPr id="11" name="文字方塊 10"/>
-          <p:cNvSpPr txBox="1"/>
-          <p:nvPr/>
-        </p:nvSpPr>
-        <p:spPr>
-          <a:xfrm>
-            <a:off x="1153256" y="3010456"/>
-            <a:ext cx="1151793" cy="369332"/>
-          </a:xfrm>
-          <a:prstGeom prst="rect">
-            <a:avLst/>
-          </a:prstGeom>
-          <a:solidFill>
-            <a:schemeClr val="accent6">
-              <a:lumMod val="20000"/>
-              <a:lumOff val="80000"/>
-            </a:schemeClr>
-          </a:solidFill>
-        </p:spPr>
-        <p:txBody>
-          <a:bodyPr wrap="square" rtlCol="0">
-            <a:spAutoFit/>
-          </a:bodyPr>
-          <a:lstStyle/>
-          <a:p>
-            <a:pPr algn="ctr"/>
-            <a:r>
-              <a:rPr lang="zh-TW" altLang="en-US" dirty="0" smtClean="0"/>
-              <a:t>新增訂單</a:t>
-            </a:r>
-            <a:endParaRPr lang="zh-TW" altLang="en-US" dirty="0"/>
-          </a:p>
-        </p:txBody>
-      </p:sp>
-      <p:sp>
-        <p:nvSpPr>
-          <p:cNvPr id="12" name="文字方塊 11"/>
-          <p:cNvSpPr txBox="1"/>
-          <p:nvPr/>
-        </p:nvSpPr>
-        <p:spPr>
-          <a:xfrm>
-            <a:off x="1153256" y="3572431"/>
-            <a:ext cx="1151793" cy="369332"/>
-          </a:xfrm>
-          <a:prstGeom prst="rect">
-            <a:avLst/>
-          </a:prstGeom>
-          <a:solidFill>
-            <a:schemeClr val="accent6">
-              <a:lumMod val="20000"/>
-              <a:lumOff val="80000"/>
-            </a:schemeClr>
-          </a:solidFill>
-        </p:spPr>
-        <p:txBody>
-          <a:bodyPr wrap="square" rtlCol="0">
-            <a:spAutoFit/>
-          </a:bodyPr>
-          <a:lstStyle/>
-          <a:p>
-            <a:pPr algn="ctr"/>
-            <a:r>
-              <a:rPr lang="zh-TW" altLang="en-US" dirty="0" smtClean="0"/>
-              <a:t>查詢訂單</a:t>
-            </a:r>
-            <a:endParaRPr lang="zh-TW" altLang="en-US" dirty="0"/>
-          </a:p>
-        </p:txBody>
-      </p:sp>
-      <p:sp>
-        <p:nvSpPr>
-          <p:cNvPr id="13" name="文字方塊 12"/>
-          <p:cNvSpPr txBox="1"/>
-          <p:nvPr/>
-        </p:nvSpPr>
-        <p:spPr>
-          <a:xfrm>
-            <a:off x="1153255" y="4134406"/>
-            <a:ext cx="1151793" cy="369332"/>
-          </a:xfrm>
-          <a:prstGeom prst="rect">
-            <a:avLst/>
-          </a:prstGeom>
-          <a:solidFill>
-            <a:schemeClr val="accent6">
-              <a:lumMod val="20000"/>
-              <a:lumOff val="80000"/>
-            </a:schemeClr>
-          </a:solidFill>
-        </p:spPr>
-        <p:txBody>
-          <a:bodyPr wrap="square" rtlCol="0">
-            <a:spAutoFit/>
-          </a:bodyPr>
-          <a:lstStyle/>
-          <a:p>
-            <a:pPr algn="ctr"/>
-            <a:r>
-              <a:rPr lang="zh-TW" altLang="en-US" dirty="0" smtClean="0"/>
-              <a:t>編輯訂單</a:t>
-            </a:r>
-            <a:endParaRPr lang="zh-TW" altLang="en-US" dirty="0"/>
-          </a:p>
-        </p:txBody>
-      </p:sp>
-      <p:sp>
-        <p:nvSpPr>
-          <p:cNvPr id="14" name="文字方塊 13"/>
-          <p:cNvSpPr txBox="1"/>
-          <p:nvPr/>
-        </p:nvSpPr>
-        <p:spPr>
-          <a:xfrm>
-            <a:off x="1153254" y="4696381"/>
-            <a:ext cx="1151793" cy="369332"/>
-          </a:xfrm>
-          <a:prstGeom prst="rect">
-            <a:avLst/>
-          </a:prstGeom>
-          <a:solidFill>
-            <a:schemeClr val="accent6">
-              <a:lumMod val="20000"/>
-              <a:lumOff val="80000"/>
-            </a:schemeClr>
-          </a:solidFill>
-        </p:spPr>
-        <p:txBody>
-          <a:bodyPr wrap="square" rtlCol="0">
-            <a:spAutoFit/>
-          </a:bodyPr>
-          <a:lstStyle/>
-          <a:p>
-            <a:pPr algn="ctr"/>
-            <a:r>
-              <a:rPr lang="zh-TW" altLang="en-US" dirty="0" smtClean="0"/>
-              <a:t>刪除訂單</a:t>
-            </a:r>
-            <a:endParaRPr lang="zh-TW" altLang="en-US" dirty="0"/>
-          </a:p>
-        </p:txBody>
-      </p:sp>
-      <p:sp>
-        <p:nvSpPr>
-          <p:cNvPr id="15" name="文字方塊 14"/>
-          <p:cNvSpPr txBox="1"/>
-          <p:nvPr/>
-        </p:nvSpPr>
-        <p:spPr>
-          <a:xfrm>
-            <a:off x="2458181" y="3010456"/>
-            <a:ext cx="1151793" cy="369332"/>
-          </a:xfrm>
-          <a:prstGeom prst="rect">
-            <a:avLst/>
-          </a:prstGeom>
-          <a:solidFill>
-            <a:schemeClr val="accent6">
-              <a:lumMod val="20000"/>
-              <a:lumOff val="80000"/>
-            </a:schemeClr>
-          </a:solidFill>
-        </p:spPr>
-        <p:txBody>
-          <a:bodyPr wrap="square" rtlCol="0">
-            <a:spAutoFit/>
-          </a:bodyPr>
-          <a:lstStyle/>
-          <a:p>
-            <a:pPr algn="ctr"/>
-            <a:r>
-              <a:rPr lang="zh-TW" altLang="en-US" dirty="0" smtClean="0"/>
-              <a:t>管理產品</a:t>
-            </a:r>
-            <a:endParaRPr lang="zh-TW" altLang="en-US" dirty="0"/>
-          </a:p>
-        </p:txBody>
-      </p:sp>
-      <p:sp>
-        <p:nvSpPr>
-          <p:cNvPr id="16" name="文字方塊 15"/>
-          <p:cNvSpPr txBox="1"/>
-          <p:nvPr/>
-        </p:nvSpPr>
-        <p:spPr>
-          <a:xfrm>
-            <a:off x="2458181" y="3572431"/>
-            <a:ext cx="1151793" cy="369332"/>
-          </a:xfrm>
-          <a:prstGeom prst="rect">
-            <a:avLst/>
-          </a:prstGeom>
-          <a:solidFill>
-            <a:schemeClr val="accent6">
-              <a:lumMod val="20000"/>
-              <a:lumOff val="80000"/>
-            </a:schemeClr>
-          </a:solidFill>
-        </p:spPr>
-        <p:txBody>
-          <a:bodyPr wrap="square" rtlCol="0">
-            <a:spAutoFit/>
-          </a:bodyPr>
-          <a:lstStyle/>
-          <a:p>
-            <a:pPr algn="ctr"/>
-            <a:r>
-              <a:rPr lang="zh-TW" altLang="en-US" dirty="0" smtClean="0"/>
-              <a:t>新增產品</a:t>
-            </a:r>
-            <a:endParaRPr lang="zh-TW" altLang="en-US" dirty="0"/>
-          </a:p>
-        </p:txBody>
-      </p:sp>
-      <p:sp>
-        <p:nvSpPr>
-          <p:cNvPr id="17" name="文字方塊 16"/>
-          <p:cNvSpPr txBox="1"/>
-          <p:nvPr/>
-        </p:nvSpPr>
-        <p:spPr>
-          <a:xfrm>
-            <a:off x="2458180" y="4134406"/>
-            <a:ext cx="1151793" cy="369332"/>
-          </a:xfrm>
-          <a:prstGeom prst="rect">
-            <a:avLst/>
-          </a:prstGeom>
-          <a:solidFill>
-            <a:schemeClr val="accent6">
-              <a:lumMod val="20000"/>
-              <a:lumOff val="80000"/>
-            </a:schemeClr>
-          </a:solidFill>
-        </p:spPr>
-        <p:txBody>
-          <a:bodyPr wrap="square" rtlCol="0">
-            <a:spAutoFit/>
-          </a:bodyPr>
-          <a:lstStyle/>
-          <a:p>
-            <a:pPr algn="ctr"/>
-            <a:r>
-              <a:rPr lang="zh-TW" altLang="en-US" dirty="0" smtClean="0"/>
-              <a:t>編輯產品</a:t>
-            </a:r>
-            <a:endParaRPr lang="zh-TW" altLang="en-US" dirty="0"/>
-          </a:p>
-        </p:txBody>
-      </p:sp>
-      <p:sp>
-        <p:nvSpPr>
-          <p:cNvPr id="18" name="文字方塊 17"/>
-          <p:cNvSpPr txBox="1"/>
-          <p:nvPr/>
-        </p:nvSpPr>
-        <p:spPr>
-          <a:xfrm>
-            <a:off x="2458179" y="4696381"/>
-            <a:ext cx="1151793" cy="369332"/>
-          </a:xfrm>
-          <a:prstGeom prst="rect">
-            <a:avLst/>
-          </a:prstGeom>
-          <a:solidFill>
-            <a:schemeClr val="accent6">
-              <a:lumMod val="20000"/>
-              <a:lumOff val="80000"/>
-            </a:schemeClr>
-          </a:solidFill>
-        </p:spPr>
-        <p:txBody>
-          <a:bodyPr wrap="square" rtlCol="0">
-            <a:spAutoFit/>
-          </a:bodyPr>
-          <a:lstStyle/>
-          <a:p>
-            <a:pPr algn="ctr"/>
-            <a:r>
-              <a:rPr lang="zh-TW" altLang="en-US" dirty="0" smtClean="0"/>
-              <a:t>刪除</a:t>
-            </a:r>
-            <a:r>
-              <a:rPr lang="zh-TW" altLang="en-US" dirty="0"/>
-              <a:t>產品</a:t>
-            </a:r>
-            <a:endParaRPr lang="zh-TW" altLang="en-US" dirty="0"/>
-          </a:p>
-        </p:txBody>
-      </p:sp>
-      <p:sp>
-        <p:nvSpPr>
-          <p:cNvPr id="19" name="文字方塊 18"/>
-          <p:cNvSpPr txBox="1"/>
-          <p:nvPr/>
-        </p:nvSpPr>
-        <p:spPr>
-          <a:xfrm>
-            <a:off x="3763103" y="3010456"/>
-            <a:ext cx="1151793" cy="369332"/>
-          </a:xfrm>
-          <a:prstGeom prst="rect">
-            <a:avLst/>
-          </a:prstGeom>
-          <a:solidFill>
-            <a:schemeClr val="accent6">
-              <a:lumMod val="20000"/>
-              <a:lumOff val="80000"/>
-            </a:schemeClr>
-          </a:solidFill>
-        </p:spPr>
-        <p:txBody>
-          <a:bodyPr wrap="square" rtlCol="0">
-            <a:spAutoFit/>
-          </a:bodyPr>
-          <a:lstStyle/>
-          <a:p>
-            <a:pPr algn="ctr"/>
-            <a:r>
-              <a:rPr lang="zh-TW" altLang="en-US" dirty="0" smtClean="0"/>
-              <a:t>管理客戶</a:t>
-            </a:r>
-            <a:endParaRPr lang="zh-TW" altLang="en-US" dirty="0"/>
-          </a:p>
-        </p:txBody>
-      </p:sp>
-      <p:sp>
-        <p:nvSpPr>
-          <p:cNvPr id="20" name="文字方塊 19"/>
-          <p:cNvSpPr txBox="1"/>
-          <p:nvPr/>
-        </p:nvSpPr>
-        <p:spPr>
-          <a:xfrm>
-            <a:off x="3763103" y="3572431"/>
-            <a:ext cx="1151793" cy="369332"/>
-          </a:xfrm>
-          <a:prstGeom prst="rect">
-            <a:avLst/>
-          </a:prstGeom>
-          <a:solidFill>
-            <a:schemeClr val="accent6">
-              <a:lumMod val="20000"/>
-              <a:lumOff val="80000"/>
-            </a:schemeClr>
-          </a:solidFill>
-        </p:spPr>
-        <p:txBody>
-          <a:bodyPr wrap="square" rtlCol="0">
-            <a:spAutoFit/>
-          </a:bodyPr>
-          <a:lstStyle/>
-          <a:p>
-            <a:pPr algn="ctr"/>
-            <a:r>
-              <a:rPr lang="zh-TW" altLang="en-US" dirty="0" smtClean="0"/>
-              <a:t>新增</a:t>
-            </a:r>
-            <a:r>
-              <a:rPr lang="zh-TW" altLang="en-US" dirty="0"/>
-              <a:t>客戶</a:t>
-            </a:r>
-            <a:endParaRPr lang="zh-TW" altLang="en-US" dirty="0"/>
-          </a:p>
-        </p:txBody>
-      </p:sp>
-      <p:sp>
-        <p:nvSpPr>
-          <p:cNvPr id="21" name="文字方塊 20"/>
-          <p:cNvSpPr txBox="1"/>
-          <p:nvPr/>
-        </p:nvSpPr>
-        <p:spPr>
-          <a:xfrm>
-            <a:off x="3763102" y="4134406"/>
-            <a:ext cx="1151793" cy="369332"/>
-          </a:xfrm>
-          <a:prstGeom prst="rect">
-            <a:avLst/>
-          </a:prstGeom>
-          <a:solidFill>
-            <a:schemeClr val="accent6">
-              <a:lumMod val="20000"/>
-              <a:lumOff val="80000"/>
-            </a:schemeClr>
-          </a:solidFill>
-        </p:spPr>
-        <p:txBody>
-          <a:bodyPr wrap="square" rtlCol="0">
-            <a:spAutoFit/>
-          </a:bodyPr>
-          <a:lstStyle/>
-          <a:p>
-            <a:pPr algn="ctr"/>
-            <a:r>
-              <a:rPr lang="zh-TW" altLang="en-US" dirty="0" smtClean="0"/>
-              <a:t>編輯</a:t>
-            </a:r>
-            <a:r>
-              <a:rPr lang="zh-TW" altLang="en-US" dirty="0"/>
-              <a:t>客戶</a:t>
-            </a:r>
-            <a:endParaRPr lang="zh-TW" altLang="en-US" dirty="0"/>
-          </a:p>
-        </p:txBody>
-      </p:sp>
-      <p:sp>
-        <p:nvSpPr>
-          <p:cNvPr id="22" name="文字方塊 21"/>
-          <p:cNvSpPr txBox="1"/>
-          <p:nvPr/>
-        </p:nvSpPr>
-        <p:spPr>
-          <a:xfrm>
-            <a:off x="3763101" y="4696381"/>
-            <a:ext cx="1151793" cy="369332"/>
-          </a:xfrm>
-          <a:prstGeom prst="rect">
-            <a:avLst/>
-          </a:prstGeom>
-          <a:solidFill>
-            <a:schemeClr val="accent6">
-              <a:lumMod val="20000"/>
-              <a:lumOff val="80000"/>
-            </a:schemeClr>
-          </a:solidFill>
-        </p:spPr>
-        <p:txBody>
-          <a:bodyPr wrap="square" rtlCol="0">
-            <a:spAutoFit/>
-          </a:bodyPr>
-          <a:lstStyle/>
-          <a:p>
-            <a:pPr algn="ctr"/>
-            <a:r>
-              <a:rPr lang="zh-TW" altLang="en-US" dirty="0" smtClean="0"/>
-              <a:t>刪除</a:t>
-            </a:r>
-            <a:r>
-              <a:rPr lang="zh-TW" altLang="en-US" dirty="0"/>
-              <a:t>客戶</a:t>
-            </a:r>
-            <a:endParaRPr lang="zh-TW" altLang="en-US" dirty="0"/>
-          </a:p>
-        </p:txBody>
-      </p:sp>
-      <p:sp>
-        <p:nvSpPr>
-          <p:cNvPr id="23" name="文字方塊 22"/>
-          <p:cNvSpPr txBox="1"/>
-          <p:nvPr/>
-        </p:nvSpPr>
-        <p:spPr>
-          <a:xfrm>
-            <a:off x="5068024" y="2986643"/>
-            <a:ext cx="1732825" cy="369332"/>
-          </a:xfrm>
-          <a:prstGeom prst="rect">
-            <a:avLst/>
-          </a:prstGeom>
-          <a:solidFill>
-            <a:schemeClr val="accent6">
-              <a:lumMod val="20000"/>
-              <a:lumOff val="80000"/>
-            </a:schemeClr>
-          </a:solidFill>
-        </p:spPr>
-        <p:txBody>
-          <a:bodyPr wrap="square" rtlCol="0">
-            <a:spAutoFit/>
-          </a:bodyPr>
-          <a:lstStyle/>
-          <a:p>
-            <a:pPr algn="ctr"/>
-            <a:r>
-              <a:rPr lang="zh-TW" altLang="en-US" dirty="0" smtClean="0"/>
-              <a:t>修改個人資料</a:t>
-            </a:r>
-            <a:endParaRPr lang="zh-TW" altLang="en-US" dirty="0"/>
-          </a:p>
-        </p:txBody>
-      </p:sp>
-      <p:sp>
-        <p:nvSpPr>
-          <p:cNvPr id="24" name="文字方塊 23"/>
-          <p:cNvSpPr txBox="1"/>
-          <p:nvPr/>
-        </p:nvSpPr>
-        <p:spPr>
-          <a:xfrm>
-            <a:off x="5068023" y="3572431"/>
-            <a:ext cx="1732825" cy="369332"/>
-          </a:xfrm>
-          <a:prstGeom prst="rect">
-            <a:avLst/>
-          </a:prstGeom>
-          <a:solidFill>
-            <a:schemeClr val="accent6">
-              <a:lumMod val="20000"/>
-              <a:lumOff val="80000"/>
-            </a:schemeClr>
-          </a:solidFill>
-        </p:spPr>
-        <p:txBody>
-          <a:bodyPr wrap="square" rtlCol="0">
-            <a:spAutoFit/>
-          </a:bodyPr>
-          <a:lstStyle/>
-          <a:p>
-            <a:pPr algn="ctr"/>
-            <a:r>
-              <a:rPr lang="zh-TW" altLang="en-US" dirty="0" smtClean="0"/>
-              <a:t>管理員工</a:t>
-            </a:r>
-            <a:endParaRPr lang="zh-TW" altLang="en-US" dirty="0"/>
-          </a:p>
-        </p:txBody>
-      </p:sp>
-      <p:sp>
-        <p:nvSpPr>
-          <p:cNvPr id="26" name="文字方塊 25"/>
-          <p:cNvSpPr txBox="1"/>
-          <p:nvPr/>
-        </p:nvSpPr>
-        <p:spPr>
-          <a:xfrm>
-            <a:off x="8030305" y="2976602"/>
-            <a:ext cx="1151793" cy="369332"/>
-          </a:xfrm>
-          <a:prstGeom prst="rect">
-            <a:avLst/>
-          </a:prstGeom>
-          <a:solidFill>
-            <a:schemeClr val="accent1">
-              <a:lumMod val="40000"/>
-              <a:lumOff val="60000"/>
-            </a:schemeClr>
-          </a:solidFill>
-        </p:spPr>
-        <p:txBody>
-          <a:bodyPr wrap="square" rtlCol="0">
-            <a:spAutoFit/>
-          </a:bodyPr>
-          <a:lstStyle/>
-          <a:p>
-            <a:pPr algn="ctr"/>
-            <a:r>
-              <a:rPr lang="zh-TW" altLang="en-US" dirty="0" smtClean="0"/>
-              <a:t>新增訂單</a:t>
-            </a:r>
-            <a:endParaRPr lang="zh-TW" altLang="en-US" dirty="0"/>
-          </a:p>
-        </p:txBody>
-      </p:sp>
-      <p:sp>
-        <p:nvSpPr>
-          <p:cNvPr id="27" name="文字方塊 26"/>
-          <p:cNvSpPr txBox="1"/>
-          <p:nvPr/>
-        </p:nvSpPr>
-        <p:spPr>
-          <a:xfrm>
-            <a:off x="8030305" y="3538577"/>
-            <a:ext cx="1151793" cy="369332"/>
-          </a:xfrm>
-          <a:prstGeom prst="rect">
-            <a:avLst/>
-          </a:prstGeom>
-          <a:solidFill>
-            <a:schemeClr val="accent1">
-              <a:lumMod val="40000"/>
-              <a:lumOff val="60000"/>
-            </a:schemeClr>
-          </a:solidFill>
-        </p:spPr>
-        <p:txBody>
-          <a:bodyPr wrap="square" rtlCol="0">
-            <a:spAutoFit/>
-          </a:bodyPr>
-          <a:lstStyle/>
-          <a:p>
-            <a:pPr algn="ctr"/>
-            <a:r>
-              <a:rPr lang="zh-TW" altLang="en-US" dirty="0" smtClean="0"/>
-              <a:t>查詢訂單</a:t>
-            </a:r>
-            <a:endParaRPr lang="zh-TW" altLang="en-US" dirty="0"/>
-          </a:p>
-        </p:txBody>
-      </p:sp>
-      <p:sp>
-        <p:nvSpPr>
-          <p:cNvPr id="28" name="文字方塊 27"/>
-          <p:cNvSpPr txBox="1"/>
-          <p:nvPr/>
-        </p:nvSpPr>
-        <p:spPr>
-          <a:xfrm>
-            <a:off x="8030304" y="4100552"/>
-            <a:ext cx="1151793" cy="369332"/>
-          </a:xfrm>
-          <a:prstGeom prst="rect">
-            <a:avLst/>
-          </a:prstGeom>
-          <a:solidFill>
-            <a:schemeClr val="accent1">
-              <a:lumMod val="40000"/>
-              <a:lumOff val="60000"/>
-            </a:schemeClr>
-          </a:solidFill>
-        </p:spPr>
-        <p:txBody>
-          <a:bodyPr wrap="square" rtlCol="0">
-            <a:spAutoFit/>
-          </a:bodyPr>
-          <a:lstStyle/>
-          <a:p>
-            <a:pPr algn="ctr"/>
-            <a:r>
-              <a:rPr lang="zh-TW" altLang="en-US" dirty="0" smtClean="0"/>
-              <a:t>編輯訂單</a:t>
-            </a:r>
-            <a:endParaRPr lang="zh-TW" altLang="en-US" dirty="0"/>
-          </a:p>
-        </p:txBody>
-      </p:sp>
-      <p:sp>
-        <p:nvSpPr>
-          <p:cNvPr id="29" name="文字方塊 28"/>
-          <p:cNvSpPr txBox="1"/>
-          <p:nvPr/>
-        </p:nvSpPr>
-        <p:spPr>
-          <a:xfrm>
-            <a:off x="8030303" y="4662527"/>
-            <a:ext cx="1151793" cy="369332"/>
-          </a:xfrm>
-          <a:prstGeom prst="rect">
-            <a:avLst/>
-          </a:prstGeom>
-          <a:solidFill>
-            <a:schemeClr val="accent1">
-              <a:lumMod val="40000"/>
-              <a:lumOff val="60000"/>
-            </a:schemeClr>
-          </a:solidFill>
-        </p:spPr>
-        <p:txBody>
-          <a:bodyPr wrap="square" rtlCol="0">
-            <a:spAutoFit/>
-          </a:bodyPr>
-          <a:lstStyle/>
-          <a:p>
-            <a:pPr algn="ctr"/>
-            <a:r>
-              <a:rPr lang="zh-TW" altLang="en-US" dirty="0" smtClean="0"/>
-              <a:t>刪除訂單</a:t>
-            </a:r>
-            <a:endParaRPr lang="zh-TW" altLang="en-US" dirty="0"/>
-          </a:p>
-        </p:txBody>
-      </p:sp>
-      <p:cxnSp>
-        <p:nvCxnSpPr>
-          <p:cNvPr id="31" name="直線接點 30"/>
-          <p:cNvCxnSpPr/>
-          <p:nvPr/>
-        </p:nvCxnSpPr>
-        <p:spPr>
-          <a:xfrm flipH="1">
-            <a:off x="3609973" y="1753404"/>
-            <a:ext cx="4986704" cy="21689"/>
-          </a:xfrm>
-          <a:prstGeom prst="line">
-            <a:avLst/>
-          </a:prstGeom>
-        </p:spPr>
-        <p:style>
-          <a:lnRef idx="1">
-            <a:schemeClr val="accent1"/>
-          </a:lnRef>
-          <a:fillRef idx="0">
-            <a:schemeClr val="accent1"/>
-          </a:fillRef>
-          <a:effectRef idx="0">
-            <a:schemeClr val="accent1"/>
-          </a:effectRef>
-          <a:fontRef idx="minor">
-            <a:schemeClr val="tx1"/>
-          </a:fontRef>
-        </p:style>
-      </p:cxnSp>
-      <p:cxnSp>
-        <p:nvCxnSpPr>
-          <p:cNvPr id="34" name="直線接點 33"/>
-          <p:cNvCxnSpPr>
-            <a:endCxn id="5" idx="0"/>
-          </p:cNvCxnSpPr>
-          <p:nvPr/>
-        </p:nvCxnSpPr>
-        <p:spPr>
-          <a:xfrm>
-            <a:off x="8596677" y="1743115"/>
-            <a:ext cx="2" cy="120134"/>
-          </a:xfrm>
-          <a:prstGeom prst="line">
-            <a:avLst/>
-          </a:prstGeom>
-        </p:spPr>
-        <p:style>
-          <a:lnRef idx="1">
-            <a:schemeClr val="accent1"/>
-          </a:lnRef>
-          <a:fillRef idx="0">
-            <a:schemeClr val="accent1"/>
-          </a:fillRef>
-          <a:effectRef idx="0">
-            <a:schemeClr val="accent1"/>
-          </a:effectRef>
-          <a:fontRef idx="minor">
-            <a:schemeClr val="tx1"/>
-          </a:fontRef>
-        </p:style>
-      </p:cxnSp>
-      <p:cxnSp>
-        <p:nvCxnSpPr>
-          <p:cNvPr id="36" name="直線接點 35"/>
-          <p:cNvCxnSpPr/>
-          <p:nvPr/>
-        </p:nvCxnSpPr>
-        <p:spPr>
-          <a:xfrm>
-            <a:off x="3596052" y="1762165"/>
-            <a:ext cx="2" cy="120134"/>
-          </a:xfrm>
-          <a:prstGeom prst="line">
-            <a:avLst/>
-          </a:prstGeom>
-        </p:spPr>
-        <p:style>
-          <a:lnRef idx="1">
-            <a:schemeClr val="accent1"/>
-          </a:lnRef>
-          <a:fillRef idx="0">
-            <a:schemeClr val="accent1"/>
-          </a:fillRef>
-          <a:effectRef idx="0">
-            <a:schemeClr val="accent1"/>
-          </a:effectRef>
-          <a:fontRef idx="minor">
-            <a:schemeClr val="tx1"/>
-          </a:fontRef>
-        </p:style>
-      </p:cxnSp>
     </p:spTree>
     <p:extLst>
       <p:ext uri="{BB962C8B-B14F-4D97-AF65-F5344CB8AC3E}">
-        <p14:creationId xmlns:p14="http://schemas.microsoft.com/office/powerpoint/2010/main" val="1985074326"/>
+        <p14:creationId xmlns:p14="http://schemas.microsoft.com/office/powerpoint/2010/main" val="1047080161"/>
       </p:ext>
     </p:extLst>
   </p:cSld>
@@ -18085,6 +22233,13 @@
       </p:transition>
     </mc:Fallback>
   </mc:AlternateContent>
+  <p:timing>
+    <p:tnLst>
+      <p:par>
+        <p:cTn id="1" dur="indefinite" restart="never" nodeType="tmRoot"/>
+      </p:par>
+    </p:tnLst>
+  </p:timing>
 </p:sld>
 </file>
 
@@ -18117,12 +22272,12 @@
         </p:nvSpPr>
         <p:spPr/>
         <p:txBody>
-          <a:bodyPr rtlCol="0"/>
+          <a:bodyPr/>
           <a:lstStyle/>
           <a:p>
             <a:r>
-              <a:rPr lang="zh-TW" altLang="en-US" dirty="0"/>
-              <a:t>使用介面介紹</a:t>
+              <a:rPr lang="zh-TW" altLang="en-US" dirty="0" smtClean="0"/>
+              <a:t>程式目錄結構</a:t>
             </a:r>
             <a:endParaRPr lang="zh-TW" altLang="en-US" dirty="0"/>
           </a:p>
@@ -18130,28 +22285,110 @@
       </p:sp>
       <p:sp>
         <p:nvSpPr>
-          <p:cNvPr id="3" name="文字預留位置 2"/>
+          <p:cNvPr id="4" name="內容版面配置區 3"/>
           <p:cNvSpPr>
             <a:spLocks noGrp="1"/>
           </p:cNvSpPr>
           <p:nvPr>
-            <p:ph type="body" idx="1"/>
+            <p:ph idx="1"/>
           </p:nvPr>
         </p:nvSpPr>
         <p:spPr/>
         <p:txBody>
-          <a:bodyPr rtlCol="0"/>
+          <a:bodyPr>
+            <a:normAutofit/>
+          </a:bodyPr>
           <a:lstStyle/>
           <a:p>
-            <a:pPr rtl="0"/>
-            <a:endParaRPr lang="zh-TW" altLang="en-US" dirty="0"/>
+            <a:r>
+              <a:rPr lang="zh-TW" altLang="en-US" sz="1600" dirty="0"/>
+              <a:t>📁 </a:t>
+            </a:r>
+            <a:r>
+              <a:rPr lang="en-US" altLang="zh-TW" sz="1600" dirty="0" err="1"/>
+              <a:t>porder</a:t>
+            </a:r>
+            <a:r>
+              <a:rPr lang="zh-TW" altLang="en-US" sz="1600" dirty="0"/>
+              <a:t>（訂單管理）</a:t>
+            </a:r>
+          </a:p>
+          <a:p>
+            <a:r>
+              <a:rPr lang="en-US" altLang="zh-TW" sz="1600" dirty="0"/>
+              <a:t>PorderCreate1.java → </a:t>
+            </a:r>
+            <a:r>
+              <a:rPr lang="zh-TW" altLang="en-US" sz="1600" dirty="0"/>
+              <a:t>訂單建立介面（可能是第一步）</a:t>
+            </a:r>
+          </a:p>
+          <a:p>
+            <a:r>
+              <a:rPr lang="en-US" altLang="zh-TW" sz="1600" dirty="0"/>
+              <a:t>PorderCreate2.java → </a:t>
+            </a:r>
+            <a:r>
+              <a:rPr lang="zh-TW" altLang="en-US" sz="1600" dirty="0"/>
+              <a:t>訂單建立介面（第二步）</a:t>
+            </a:r>
+          </a:p>
+          <a:p>
+            <a:r>
+              <a:rPr lang="en-US" altLang="zh-TW" sz="1600" dirty="0"/>
+              <a:t>PorderCreate3.java → </a:t>
+            </a:r>
+            <a:r>
+              <a:rPr lang="zh-TW" altLang="en-US" sz="1600" dirty="0"/>
+              <a:t>訂單建立介面（最終步驟）</a:t>
+            </a:r>
+          </a:p>
+          <a:p>
+            <a:r>
+              <a:rPr lang="en-US" altLang="zh-TW" sz="1600" dirty="0"/>
+              <a:t>PorderDeleteUI.java → </a:t>
+            </a:r>
+            <a:r>
+              <a:rPr lang="zh-TW" altLang="en-US" sz="1600" dirty="0"/>
+              <a:t>訂單刪除介面</a:t>
+            </a:r>
+          </a:p>
+          <a:p>
+            <a:r>
+              <a:rPr lang="en-US" altLang="zh-TW" sz="1600" dirty="0"/>
+              <a:t>PorderReadDialog.java → </a:t>
+            </a:r>
+            <a:r>
+              <a:rPr lang="zh-TW" altLang="en-US" sz="1600" dirty="0"/>
+              <a:t>訂單詳細資訊的彈窗</a:t>
+            </a:r>
+          </a:p>
+          <a:p>
+            <a:r>
+              <a:rPr lang="en-US" altLang="zh-TW" sz="1600" dirty="0"/>
+              <a:t>PorderReadUI.java → </a:t>
+            </a:r>
+            <a:r>
+              <a:rPr lang="zh-TW" altLang="en-US" sz="1600" dirty="0"/>
+              <a:t>訂單查詢介面</a:t>
+            </a:r>
+          </a:p>
+          <a:p>
+            <a:r>
+              <a:rPr lang="en-US" altLang="zh-TW" sz="1600" dirty="0"/>
+              <a:t>PorderUpdateUI.java → </a:t>
+            </a:r>
+            <a:r>
+              <a:rPr lang="zh-TW" altLang="en-US" sz="1600" dirty="0"/>
+              <a:t>訂單修改介面</a:t>
+            </a:r>
           </a:p>
         </p:txBody>
       </p:sp>
     </p:spTree>
     <p:extLst>
       <p:ext uri="{BB962C8B-B14F-4D97-AF65-F5344CB8AC3E}">
-        <p14:creationId xmlns:p14="http://schemas.microsoft.com/office/powerpoint/2010/main" val="4165870913"/>
+        <p14:creationId xmlns:p14="http://schemas.microsoft.com/office/powerpoint/2010/main" val="3193204685"/>
       </p:ext>
     </p:extLst>
   </p:cSld>
@@ -18170,6 +22407,13 @@
       </p:transition>
     </mc:Fallback>
   </mc:AlternateContent>
+  <p:timing>
+    <p:tnLst>
+      <p:par>
+        <p:cTn id="1" dur="indefinite" restart="never" nodeType="tmRoot"/>
+      </p:par>
+    </p:tnLst>
+  </p:timing>
 </p:sld>
 </file>
 
@@ -18207,7 +22451,7 @@
           <a:p>
             <a:r>
               <a:rPr lang="zh-TW" altLang="en-US" dirty="0" smtClean="0"/>
-              <a:t>使用介面介紹</a:t>
+              <a:t>程式目錄結構</a:t>
             </a:r>
             <a:endParaRPr lang="zh-TW" altLang="en-US" dirty="0"/>
           </a:p>
@@ -18225,43 +22469,80 @@
         </p:nvSpPr>
         <p:spPr/>
         <p:txBody>
-          <a:bodyPr/>
+          <a:bodyPr>
+            <a:normAutofit/>
+          </a:bodyPr>
           <a:lstStyle/>
           <a:p>
             <a:r>
-              <a:rPr lang="zh-TW" altLang="en-US" dirty="0" smtClean="0"/>
-              <a:t>見 </a:t>
-            </a:r>
-            <a:r>
-              <a:rPr lang="en-US" altLang="zh-TW" dirty="0" err="1" smtClean="0"/>
-              <a:t>Github</a:t>
-            </a:r>
-            <a:r>
-              <a:rPr lang="en-US" altLang="zh-TW" dirty="0" smtClean="0"/>
-              <a:t> </a:t>
-            </a:r>
-            <a:r>
-              <a:rPr lang="zh-TW" altLang="en-US" dirty="0" smtClean="0"/>
-              <a:t>說明</a:t>
-            </a:r>
-            <a:endParaRPr lang="en-US" altLang="zh-TW" dirty="0" smtClean="0"/>
-          </a:p>
-          <a:p>
-            <a:pPr marL="0" indent="0">
-              <a:buNone/>
-            </a:pPr>
-            <a:r>
-              <a:rPr lang="en-US" altLang="zh-TW" dirty="0"/>
-              <a:t>https://github.com/guyverfax/SportProject</a:t>
-            </a:r>
-            <a:endParaRPr lang="zh-TW" altLang="en-US" dirty="0"/>
+              <a:rPr lang="zh-TW" altLang="en-US" sz="1600" dirty="0"/>
+              <a:t>📁 </a:t>
+            </a:r>
+            <a:r>
+              <a:rPr lang="en-US" altLang="zh-TW" sz="1600" dirty="0"/>
+              <a:t>portal</a:t>
+            </a:r>
+            <a:r>
+              <a:rPr lang="zh-TW" altLang="en-US" sz="1600" dirty="0"/>
+              <a:t>（登入、註冊、主選單）</a:t>
+            </a:r>
+          </a:p>
+          <a:p>
+            <a:r>
+              <a:rPr lang="en-US" altLang="zh-TW" sz="1600" dirty="0"/>
+              <a:t>LoginUI.java → </a:t>
+            </a:r>
+            <a:r>
+              <a:rPr lang="zh-TW" altLang="en-US" sz="1600" dirty="0"/>
+              <a:t>登入介面</a:t>
+            </a:r>
+          </a:p>
+          <a:p>
+            <a:r>
+              <a:rPr lang="en-US" altLang="zh-TW" sz="1600" dirty="0"/>
+              <a:t>MainUI.java → </a:t>
+            </a:r>
+            <a:r>
+              <a:rPr lang="zh-TW" altLang="en-US" sz="1600" dirty="0"/>
+              <a:t>系統主介面</a:t>
+            </a:r>
+          </a:p>
+          <a:p>
+            <a:r>
+              <a:rPr lang="en-US" altLang="zh-TW" sz="1600" dirty="0"/>
+              <a:t>MemberLoginUI.java → </a:t>
+            </a:r>
+            <a:r>
+              <a:rPr lang="zh-TW" altLang="en-US" sz="1600" dirty="0"/>
+              <a:t>會員登入介面</a:t>
+            </a:r>
+          </a:p>
+          <a:p>
+            <a:r>
+              <a:rPr lang="en-US" altLang="zh-TW" sz="1600" dirty="0"/>
+              <a:t>PortalUI.java → </a:t>
+            </a:r>
+            <a:r>
+              <a:rPr lang="zh-TW" altLang="en-US" sz="1600" dirty="0"/>
+              <a:t>入口介面（可能是登入或主選單）</a:t>
+            </a:r>
+          </a:p>
+          <a:p>
+            <a:r>
+              <a:rPr lang="en-US" altLang="zh-TW" sz="1600" dirty="0"/>
+              <a:t>RegisterUI.java → </a:t>
+            </a:r>
+            <a:r>
+              <a:rPr lang="zh-TW" altLang="en-US" sz="1600" dirty="0"/>
+              <a:t>註冊介面</a:t>
+            </a:r>
           </a:p>
         </p:txBody>
       </p:sp>
     </p:spTree>
     <p:extLst>
       <p:ext uri="{BB962C8B-B14F-4D97-AF65-F5344CB8AC3E}">
-        <p14:creationId xmlns:p14="http://schemas.microsoft.com/office/powerpoint/2010/main" val="2437794834"/>
+        <p14:creationId xmlns:p14="http://schemas.microsoft.com/office/powerpoint/2010/main" val="3295477528"/>
       </p:ext>
     </p:extLst>
   </p:cSld>
@@ -18280,6 +22561,13 @@
       </p:transition>
     </mc:Fallback>
   </mc:AlternateContent>
+  <p:timing>
+    <p:tnLst>
+      <p:par>
+        <p:cTn id="1" dur="indefinite" restart="never" nodeType="tmRoot"/>
+      </p:par>
+    </p:tnLst>
+  </p:timing>
 </p:sld>
 </file>
 
